--- a/js_ppt/8강. js_폼과 정규표현식.pptx
+++ b/js_ppt/8강. js_폼과 정규표현식.pptx
@@ -5,7 +5,7 @@
     <p:sldMasterId id="2147483648" r:id="rId1"/>
   </p:sldMasterIdLst>
   <p:notesMasterIdLst>
-    <p:notesMasterId r:id="rId37"/>
+    <p:notesMasterId r:id="rId38"/>
   </p:notesMasterIdLst>
   <p:sldIdLst>
     <p:sldId id="256" r:id="rId2"/>
@@ -35,14 +35,15 @@
     <p:sldId id="411" r:id="rId26"/>
     <p:sldId id="412" r:id="rId27"/>
     <p:sldId id="413" r:id="rId28"/>
-    <p:sldId id="414" r:id="rId29"/>
-    <p:sldId id="407" r:id="rId30"/>
-    <p:sldId id="402" r:id="rId31"/>
-    <p:sldId id="403" r:id="rId32"/>
-    <p:sldId id="416" r:id="rId33"/>
-    <p:sldId id="417" r:id="rId34"/>
-    <p:sldId id="415" r:id="rId35"/>
-    <p:sldId id="418" r:id="rId36"/>
+    <p:sldId id="419" r:id="rId29"/>
+    <p:sldId id="414" r:id="rId30"/>
+    <p:sldId id="407" r:id="rId31"/>
+    <p:sldId id="402" r:id="rId32"/>
+    <p:sldId id="403" r:id="rId33"/>
+    <p:sldId id="416" r:id="rId34"/>
+    <p:sldId id="417" r:id="rId35"/>
+    <p:sldId id="415" r:id="rId36"/>
+    <p:sldId id="418" r:id="rId37"/>
   </p:sldIdLst>
   <p:sldSz cx="9906000" cy="6858000" type="A4"/>
   <p:notesSz cx="6858000" cy="9144000"/>
@@ -143,7 +144,7 @@
   </p:defaultTextStyle>
   <p:extLst>
     <p:ext uri="{EFAFB233-063F-42B5-8137-9DF3F51BA10A}">
-      <p15:sldGuideLst xmlns:p15="http://schemas.microsoft.com/office/powerpoint/2012/main" xmlns="">
+      <p15:sldGuideLst xmlns:p15="http://schemas.microsoft.com/office/powerpoint/2012/main">
         <p15:guide id="1" orient="horz" pos="2160">
           <p15:clr>
             <a:srgbClr val="A4A3A4"/>
@@ -242,7 +243,7 @@
           <a:p>
             <a:fld id="{7665CDAC-D627-4E87-877A-1B781DD4CADC}" type="datetimeFigureOut">
               <a:rPr lang="ko-KR" altLang="en-US" smtClean="0"/>
-              <a:t>2022-06-03</a:t>
+              <a:t>2023-04-05</a:t>
             </a:fld>
             <a:endParaRPr lang="ko-KR" altLang="en-US"/>
           </a:p>
@@ -656,7 +657,7 @@
           <a:p>
             <a:fld id="{C25BCFD5-C4DF-4EBC-B718-C69ED2FBDE6F}" type="datetime1">
               <a:rPr lang="ko-KR" altLang="en-US" smtClean="0"/>
-              <a:t>2022-06-03</a:t>
+              <a:t>2023-04-05</a:t>
             </a:fld>
             <a:endParaRPr lang="ko-KR" altLang="en-US"/>
           </a:p>
@@ -1074,7 +1075,7 @@
           <a:p>
             <a:fld id="{AB448CD7-D367-43D5-B461-ACE552E75063}" type="datetime1">
               <a:rPr lang="ko-KR" altLang="en-US" smtClean="0"/>
-              <a:t>2022-06-03</a:t>
+              <a:t>2023-04-05</a:t>
             </a:fld>
             <a:endParaRPr lang="ko-KR" altLang="en-US"/>
           </a:p>
@@ -1254,7 +1255,7 @@
           <a:p>
             <a:fld id="{B6E49E79-7361-4780-8BEF-7EDE3708298A}" type="datetime1">
               <a:rPr lang="ko-KR" altLang="en-US" smtClean="0"/>
-              <a:t>2022-06-03</a:t>
+              <a:t>2023-04-05</a:t>
             </a:fld>
             <a:endParaRPr lang="ko-KR" altLang="en-US"/>
           </a:p>
@@ -1428,7 +1429,7 @@
           <a:p>
             <a:fld id="{A4D42E3C-B70B-437C-85CF-1286301B9CBA}" type="datetime1">
               <a:rPr lang="ko-KR" altLang="en-US" smtClean="0"/>
-              <a:t>2022-06-03</a:t>
+              <a:t>2023-04-05</a:t>
             </a:fld>
             <a:endParaRPr lang="ko-KR" altLang="en-US"/>
           </a:p>
@@ -1674,7 +1675,7 @@
           <a:p>
             <a:fld id="{B3369A20-5B3D-4D98-A822-26B93D177A40}" type="datetime1">
               <a:rPr lang="ko-KR" altLang="en-US" smtClean="0"/>
-              <a:t>2022-06-03</a:t>
+              <a:t>2023-04-05</a:t>
             </a:fld>
             <a:endParaRPr lang="ko-KR" altLang="en-US"/>
           </a:p>
@@ -1962,7 +1963,7 @@
           <a:p>
             <a:fld id="{685CD4CE-9E43-4F70-A9D8-A2130CA7D92A}" type="datetime1">
               <a:rPr lang="ko-KR" altLang="en-US" smtClean="0"/>
-              <a:t>2022-06-03</a:t>
+              <a:t>2023-04-05</a:t>
             </a:fld>
             <a:endParaRPr lang="ko-KR" altLang="en-US"/>
           </a:p>
@@ -2384,7 +2385,7 @@
           <a:p>
             <a:fld id="{F752BD92-DA3E-4A0B-90C9-7DE5E15B6E96}" type="datetime1">
               <a:rPr lang="ko-KR" altLang="en-US" smtClean="0"/>
-              <a:t>2022-06-03</a:t>
+              <a:t>2023-04-05</a:t>
             </a:fld>
             <a:endParaRPr lang="ko-KR" altLang="en-US"/>
           </a:p>
@@ -2502,7 +2503,7 @@
           <a:p>
             <a:fld id="{8EA2B83A-F366-424E-B742-340ACF856BB5}" type="datetime1">
               <a:rPr lang="ko-KR" altLang="en-US" smtClean="0"/>
-              <a:t>2022-06-03</a:t>
+              <a:t>2023-04-05</a:t>
             </a:fld>
             <a:endParaRPr lang="ko-KR" altLang="en-US"/>
           </a:p>
@@ -2597,7 +2598,7 @@
           <a:p>
             <a:fld id="{9A49D68B-5DBD-48E9-A8D4-FCBC4B3DD9C6}" type="datetime1">
               <a:rPr lang="ko-KR" altLang="en-US" smtClean="0"/>
-              <a:t>2022-06-03</a:t>
+              <a:t>2023-04-05</a:t>
             </a:fld>
             <a:endParaRPr lang="ko-KR" altLang="en-US"/>
           </a:p>
@@ -2874,7 +2875,7 @@
           <a:p>
             <a:fld id="{4CAB534F-7D16-467B-9320-91F98915D181}" type="datetime1">
               <a:rPr lang="ko-KR" altLang="en-US" smtClean="0"/>
-              <a:t>2022-06-03</a:t>
+              <a:t>2023-04-05</a:t>
             </a:fld>
             <a:endParaRPr lang="ko-KR" altLang="en-US"/>
           </a:p>
@@ -3127,7 +3128,7 @@
           <a:p>
             <a:fld id="{A390A91F-2F8D-4486-A69D-D680F95444B0}" type="datetime1">
               <a:rPr lang="ko-KR" altLang="en-US" smtClean="0"/>
-              <a:t>2022-06-03</a:t>
+              <a:t>2023-04-05</a:t>
             </a:fld>
             <a:endParaRPr lang="ko-KR" altLang="en-US"/>
           </a:p>
@@ -3307,7 +3308,7 @@
           <a:p>
             <a:fld id="{2238BBEA-E8DD-414A-BF68-FC2AFA7CFF2D}" type="datetime1">
               <a:rPr lang="ko-KR" altLang="en-US" smtClean="0"/>
-              <a:t>2022-06-03</a:t>
+              <a:t>2023-04-05</a:t>
             </a:fld>
             <a:endParaRPr lang="ko-KR" altLang="en-US"/>
           </a:p>
@@ -6444,61 +6445,9 @@
           </a:p>
         </p:txBody>
       </p:sp>
-      <p:sp>
-        <p:nvSpPr>
-          <p:cNvPr id="6" name="TextBox 5"/>
-          <p:cNvSpPr txBox="1"/>
-          <p:nvPr/>
-        </p:nvSpPr>
-        <p:spPr>
-          <a:xfrm>
-            <a:off x="5025008" y="1556792"/>
-            <a:ext cx="1800200" cy="408623"/>
-          </a:xfrm>
-          <a:prstGeom prst="roundRect">
-            <a:avLst/>
-          </a:prstGeom>
-        </p:spPr>
-        <p:style>
-          <a:lnRef idx="2">
-            <a:schemeClr val="dk1"/>
-          </a:lnRef>
-          <a:fillRef idx="1">
-            <a:schemeClr val="lt1"/>
-          </a:fillRef>
-          <a:effectRef idx="0">
-            <a:schemeClr val="dk1"/>
-          </a:effectRef>
-          <a:fontRef idx="minor">
-            <a:schemeClr val="dk1"/>
-          </a:fontRef>
-        </p:style>
-        <p:txBody>
-          <a:bodyPr wrap="square" rtlCol="0">
-            <a:spAutoFit/>
-          </a:bodyPr>
-          <a:lstStyle/>
-          <a:p>
-            <a:pPr algn="ctr"/>
-            <a:r>
-              <a:rPr lang="en-US" altLang="ko-KR" dirty="0" smtClean="0">
-                <a:solidFill>
-                  <a:srgbClr val="C00000"/>
-                </a:solidFill>
-              </a:rPr>
-              <a:t>register.css</a:t>
-            </a:r>
-            <a:endParaRPr lang="ko-KR" altLang="en-US" dirty="0">
-              <a:solidFill>
-                <a:srgbClr val="C00000"/>
-              </a:solidFill>
-            </a:endParaRPr>
-          </a:p>
-        </p:txBody>
-      </p:sp>
       <p:pic>
         <p:nvPicPr>
-          <p:cNvPr id="5" name="그림 4"/>
+          <p:cNvPr id="3" name="그림 2"/>
           <p:cNvPicPr>
             <a:picLocks noChangeAspect="1"/>
           </p:cNvPicPr>
@@ -6518,8 +6467,8 @@
         </p:blipFill>
         <p:spPr>
           <a:xfrm>
-            <a:off x="920552" y="1357666"/>
-            <a:ext cx="3802710" cy="4770534"/>
+            <a:off x="1496616" y="1268760"/>
+            <a:ext cx="5243014" cy="5014395"/>
           </a:xfrm>
           <a:prstGeom prst="rect">
             <a:avLst/>
@@ -6533,73 +6482,58 @@
           </a:ln>
         </p:spPr>
       </p:pic>
-      <p:pic>
-        <p:nvPicPr>
-          <p:cNvPr id="7" name="그림 6"/>
-          <p:cNvPicPr>
-            <a:picLocks noChangeAspect="1"/>
-          </p:cNvPicPr>
+      <p:sp>
+        <p:nvSpPr>
+          <p:cNvPr id="6" name="TextBox 5"/>
+          <p:cNvSpPr txBox="1"/>
           <p:nvPr/>
-        </p:nvPicPr>
-        <p:blipFill>
-          <a:blip r:embed="rId3">
-            <a:extLst>
-              <a:ext uri="{28A0092B-C50C-407E-A947-70E740481C1C}">
-                <a14:useLocalDpi xmlns:a14="http://schemas.microsoft.com/office/drawing/2010/main" val="0"/>
-              </a:ext>
-            </a:extLst>
-          </a:blip>
-          <a:stretch>
-            <a:fillRect/>
-          </a:stretch>
-        </p:blipFill>
-        <p:spPr>
-          <a:xfrm>
-            <a:off x="4232920" y="2132856"/>
-            <a:ext cx="5404328" cy="3816424"/>
-          </a:xfrm>
-          <a:prstGeom prst="rect">
+        </p:nvSpPr>
+        <p:spPr>
+          <a:xfrm>
+            <a:off x="6105128" y="2060848"/>
+            <a:ext cx="1800200" cy="408623"/>
+          </a:xfrm>
+          <a:prstGeom prst="roundRect">
             <a:avLst/>
           </a:prstGeom>
-          <a:ln>
-            <a:solidFill>
-              <a:schemeClr val="bg1">
-                <a:lumMod val="85000"/>
-              </a:schemeClr>
-            </a:solidFill>
-          </a:ln>
-        </p:spPr>
-      </p:pic>
-      <p:pic>
-        <p:nvPicPr>
-          <p:cNvPr id="8" name="그림 7"/>
-          <p:cNvPicPr>
-            <a:picLocks noChangeAspect="1"/>
-          </p:cNvPicPr>
-          <p:nvPr/>
-        </p:nvPicPr>
-        <p:blipFill>
-          <a:blip r:embed="rId4">
-            <a:extLst>
-              <a:ext uri="{28A0092B-C50C-407E-A947-70E740481C1C}">
-                <a14:useLocalDpi xmlns:a14="http://schemas.microsoft.com/office/drawing/2010/main" val="0"/>
-              </a:ext>
-            </a:extLst>
-          </a:blip>
-          <a:stretch>
-            <a:fillRect/>
-          </a:stretch>
-        </p:blipFill>
-        <p:spPr>
-          <a:xfrm>
-            <a:off x="7108715" y="3140968"/>
-            <a:ext cx="2547941" cy="2037043"/>
-          </a:xfrm>
-          <a:prstGeom prst="rect">
-            <a:avLst/>
-          </a:prstGeom>
-        </p:spPr>
-      </p:pic>
+        </p:spPr>
+        <p:style>
+          <a:lnRef idx="2">
+            <a:schemeClr val="dk1"/>
+          </a:lnRef>
+          <a:fillRef idx="1">
+            <a:schemeClr val="lt1"/>
+          </a:fillRef>
+          <a:effectRef idx="0">
+            <a:schemeClr val="dk1"/>
+          </a:effectRef>
+          <a:fontRef idx="minor">
+            <a:schemeClr val="dk1"/>
+          </a:fontRef>
+        </p:style>
+        <p:txBody>
+          <a:bodyPr wrap="square" rtlCol="0">
+            <a:spAutoFit/>
+          </a:bodyPr>
+          <a:lstStyle/>
+          <a:p>
+            <a:pPr algn="ctr"/>
+            <a:r>
+              <a:rPr lang="en-US" altLang="ko-KR" dirty="0" smtClean="0">
+                <a:solidFill>
+                  <a:srgbClr val="C00000"/>
+                </a:solidFill>
+              </a:rPr>
+              <a:t>register.css</a:t>
+            </a:r>
+            <a:endParaRPr lang="ko-KR" altLang="en-US" dirty="0">
+              <a:solidFill>
+                <a:srgbClr val="C00000"/>
+              </a:solidFill>
+            </a:endParaRPr>
+          </a:p>
+        </p:txBody>
+      </p:sp>
     </p:spTree>
     <p:extLst>
       <p:ext uri="{BB962C8B-B14F-4D97-AF65-F5344CB8AC3E}">
@@ -7694,13 +7628,13 @@
       </p:sp>
       <p:pic>
         <p:nvPicPr>
-          <p:cNvPr id="10" name="그림 9"/>
+          <p:cNvPr id="5" name="그림 4"/>
           <p:cNvPicPr>
             <a:picLocks noChangeAspect="1"/>
           </p:cNvPicPr>
           <p:nvPr/>
         </p:nvPicPr>
-        <p:blipFill rotWithShape="1">
+        <p:blipFill>
           <a:blip r:embed="rId2">
             <a:extLst>
               <a:ext uri="{28A0092B-C50C-407E-A947-70E740481C1C}">
@@ -7708,13 +7642,14 @@
               </a:ext>
             </a:extLst>
           </a:blip>
-          <a:srcRect b="33174"/>
-          <a:stretch/>
+          <a:stretch>
+            <a:fillRect/>
+          </a:stretch>
         </p:blipFill>
         <p:spPr>
           <a:xfrm>
-            <a:off x="920552" y="1923510"/>
-            <a:ext cx="8436072" cy="4002777"/>
+            <a:off x="776536" y="1988840"/>
+            <a:ext cx="8474010" cy="3435410"/>
           </a:xfrm>
           <a:prstGeom prst="rect">
             <a:avLst/>
@@ -7886,7 +7821,7 @@
           </p:cNvPicPr>
           <p:nvPr/>
         </p:nvPicPr>
-        <p:blipFill>
+        <p:blipFill rotWithShape="1">
           <a:blip r:embed="rId2">
             <a:extLst>
               <a:ext uri="{28A0092B-C50C-407E-A947-70E740481C1C}">
@@ -7894,14 +7829,13 @@
               </a:ext>
             </a:extLst>
           </a:blip>
-          <a:stretch>
-            <a:fillRect/>
-          </a:stretch>
+          <a:srcRect l="28464" b="44981"/>
+          <a:stretch/>
         </p:blipFill>
         <p:spPr>
           <a:xfrm>
-            <a:off x="2029426" y="1832693"/>
-            <a:ext cx="5703131" cy="2748435"/>
+            <a:off x="1640632" y="1794883"/>
+            <a:ext cx="5051144" cy="1872208"/>
           </a:xfrm>
           <a:prstGeom prst="rect">
             <a:avLst/>
@@ -7910,13 +7844,13 @@
       </p:pic>
       <p:pic>
         <p:nvPicPr>
-          <p:cNvPr id="5" name="그림 4"/>
+          <p:cNvPr id="6" name="그림 5"/>
           <p:cNvPicPr>
             <a:picLocks noChangeAspect="1"/>
           </p:cNvPicPr>
           <p:nvPr/>
         </p:nvPicPr>
-        <p:blipFill>
+        <p:blipFill rotWithShape="1">
           <a:blip r:embed="rId3">
             <a:extLst>
               <a:ext uri="{28A0092B-C50C-407E-A947-70E740481C1C}">
@@ -7924,14 +7858,13 @@
               </a:ext>
             </a:extLst>
           </a:blip>
-          <a:stretch>
-            <a:fillRect/>
-          </a:stretch>
+          <a:srcRect t="3507"/>
+          <a:stretch/>
         </p:blipFill>
         <p:spPr>
           <a:xfrm>
-            <a:off x="1650697" y="4622204"/>
-            <a:ext cx="6256563" cy="1920407"/>
+            <a:off x="1887660" y="3933056"/>
+            <a:ext cx="4557087" cy="2088232"/>
           </a:xfrm>
           <a:prstGeom prst="rect">
             <a:avLst/>
@@ -7984,6 +7917,193 @@
       </p:grpSpPr>
       <p:sp>
         <p:nvSpPr>
+          <p:cNvPr id="2" name="제목 1"/>
+          <p:cNvSpPr>
+            <a:spLocks noGrp="1"/>
+          </p:cNvSpPr>
+          <p:nvPr>
+            <p:ph type="title"/>
+          </p:nvPr>
+        </p:nvSpPr>
+        <p:spPr>
+          <a:xfrm>
+            <a:off x="416497" y="197768"/>
+            <a:ext cx="6412780" cy="854968"/>
+          </a:xfrm>
+        </p:spPr>
+        <p:txBody>
+          <a:bodyPr>
+            <a:noAutofit/>
+          </a:bodyPr>
+          <a:lstStyle/>
+          <a:p>
+            <a:pPr algn="ctr"/>
+            <a:r>
+              <a:rPr lang="ko-KR" altLang="en-US" sz="2800" dirty="0" smtClean="0"/>
+              <a:t>여행 준비물 프로그램 만들기</a:t>
+            </a:r>
+            <a:endParaRPr lang="ko-KR" altLang="en-US" sz="2800" dirty="0"/>
+          </a:p>
+        </p:txBody>
+      </p:sp>
+      <p:sp>
+        <p:nvSpPr>
+          <p:cNvPr id="4" name="슬라이드 번호 개체 틀 3"/>
+          <p:cNvSpPr>
+            <a:spLocks noGrp="1"/>
+          </p:cNvSpPr>
+          <p:nvPr>
+            <p:ph type="sldNum" sz="quarter" idx="12"/>
+          </p:nvPr>
+        </p:nvSpPr>
+        <p:spPr/>
+        <p:txBody>
+          <a:bodyPr/>
+          <a:lstStyle/>
+          <a:p>
+            <a:fld id="{1BDE3FE7-3AEA-4B05-AC5A-802D1816ACF0}" type="slidenum">
+              <a:rPr lang="ko-KR" altLang="en-US" smtClean="0"/>
+              <a:t>28</a:t>
+            </a:fld>
+            <a:endParaRPr lang="ko-KR" altLang="en-US"/>
+          </a:p>
+        </p:txBody>
+      </p:sp>
+      <p:sp>
+        <p:nvSpPr>
+          <p:cNvPr id="8" name="TextBox 7"/>
+          <p:cNvSpPr txBox="1"/>
+          <p:nvPr/>
+        </p:nvSpPr>
+        <p:spPr>
+          <a:xfrm>
+            <a:off x="704527" y="1196752"/>
+            <a:ext cx="8148905" cy="553998"/>
+          </a:xfrm>
+          <a:prstGeom prst="rect">
+            <a:avLst/>
+          </a:prstGeom>
+          <a:noFill/>
+        </p:spPr>
+        <p:txBody>
+          <a:bodyPr wrap="square" rtlCol="0">
+            <a:spAutoFit/>
+          </a:bodyPr>
+          <a:lstStyle/>
+          <a:p>
+            <a:pPr>
+              <a:lnSpc>
+                <a:spcPct val="150000"/>
+              </a:lnSpc>
+            </a:pPr>
+            <a:r>
+              <a:rPr lang="en-US" altLang="ko-KR" dirty="0" smtClean="0"/>
+              <a:t>   </a:t>
+            </a:r>
+            <a:r>
+              <a:rPr lang="en-US" altLang="ko-KR" sz="2000" b="1" dirty="0" smtClean="0"/>
+              <a:t>3. </a:t>
+            </a:r>
+            <a:r>
+              <a:rPr lang="ko-KR" altLang="en-US" sz="2000" b="1" dirty="0" smtClean="0"/>
+              <a:t>물품</a:t>
+            </a:r>
+            <a:r>
+              <a:rPr lang="en-US" altLang="ko-KR" sz="2000" b="1" dirty="0" smtClean="0"/>
+              <a:t>(</a:t>
+            </a:r>
+            <a:r>
+              <a:rPr lang="ko-KR" altLang="en-US" sz="2000" b="1" dirty="0" smtClean="0"/>
+              <a:t>아이템</a:t>
+            </a:r>
+            <a:r>
+              <a:rPr lang="en-US" altLang="ko-KR" sz="2000" b="1" dirty="0" smtClean="0"/>
+              <a:t>)</a:t>
+            </a:r>
+            <a:r>
+              <a:rPr lang="ko-KR" altLang="en-US" sz="2000" b="1" dirty="0" smtClean="0"/>
+              <a:t> 삭제</a:t>
+            </a:r>
+            <a:endParaRPr lang="en-US" altLang="ko-KR" sz="2400" b="1" dirty="0" smtClean="0"/>
+          </a:p>
+        </p:txBody>
+      </p:sp>
+      <p:pic>
+        <p:nvPicPr>
+          <p:cNvPr id="6" name="그림 5"/>
+          <p:cNvPicPr>
+            <a:picLocks noChangeAspect="1"/>
+          </p:cNvPicPr>
+          <p:nvPr/>
+        </p:nvPicPr>
+        <p:blipFill>
+          <a:blip r:embed="rId2">
+            <a:extLst>
+              <a:ext uri="{28A0092B-C50C-407E-A947-70E740481C1C}">
+                <a14:useLocalDpi xmlns:a14="http://schemas.microsoft.com/office/drawing/2010/main" val="0"/>
+              </a:ext>
+            </a:extLst>
+          </a:blip>
+          <a:stretch>
+            <a:fillRect/>
+          </a:stretch>
+        </p:blipFill>
+        <p:spPr>
+          <a:xfrm>
+            <a:off x="1424608" y="1921645"/>
+            <a:ext cx="6624736" cy="3803223"/>
+          </a:xfrm>
+          <a:prstGeom prst="rect">
+            <a:avLst/>
+          </a:prstGeom>
+          <a:ln>
+            <a:solidFill>
+              <a:schemeClr val="bg1">
+                <a:lumMod val="85000"/>
+              </a:schemeClr>
+            </a:solidFill>
+          </a:ln>
+        </p:spPr>
+      </p:pic>
+    </p:spTree>
+    <p:extLst>
+      <p:ext uri="{BB962C8B-B14F-4D97-AF65-F5344CB8AC3E}">
+        <p14:creationId xmlns:p14="http://schemas.microsoft.com/office/powerpoint/2010/main" val="1657055858"/>
+      </p:ext>
+    </p:extLst>
+  </p:cSld>
+  <p:clrMapOvr>
+    <a:masterClrMapping/>
+  </p:clrMapOvr>
+  <p:timing>
+    <p:tnLst>
+      <p:par>
+        <p:cTn id="1" dur="indefinite" restart="never" nodeType="tmRoot"/>
+      </p:par>
+    </p:tnLst>
+  </p:timing>
+</p:sld>
+</file>
+
+<file path=ppt/slides/slide29.xml><?xml version="1.0" encoding="utf-8"?>
+<p:sld xmlns:a="http://schemas.openxmlformats.org/drawingml/2006/main" xmlns:r="http://schemas.openxmlformats.org/officeDocument/2006/relationships" xmlns:p="http://schemas.openxmlformats.org/presentationml/2006/main">
+  <p:cSld>
+    <p:spTree>
+      <p:nvGrpSpPr>
+        <p:cNvPr id="1" name=""/>
+        <p:cNvGrpSpPr/>
+        <p:nvPr/>
+      </p:nvGrpSpPr>
+      <p:grpSpPr>
+        <a:xfrm>
+          <a:off x="0" y="0"/>
+          <a:ext cx="0" cy="0"/>
+          <a:chOff x="0" y="0"/>
+          <a:chExt cx="0" cy="0"/>
+        </a:xfrm>
+      </p:grpSpPr>
+      <p:sp>
+        <p:nvSpPr>
           <p:cNvPr id="5" name="TextBox 4"/>
           <p:cNvSpPr txBox="1"/>
           <p:nvPr/>
@@ -8083,8 +8203,20 @@
                 <a:tableStyleId>{5940675A-B579-460E-94D1-54222C63F5DA}</a:tableStyleId>
               </a:tblPr>
               <a:tblGrid>
-                <a:gridCol w="2304256"/>
-                <a:gridCol w="2664296"/>
+                <a:gridCol w="2304256">
+                  <a:extLst>
+                    <a:ext uri="{9D8B030D-6E8A-4147-A177-3AD203B41FA5}">
+                      <a16:colId xmlns:a16="http://schemas.microsoft.com/office/drawing/2014/main" val="20000"/>
+                    </a:ext>
+                  </a:extLst>
+                </a:gridCol>
+                <a:gridCol w="2664296">
+                  <a:extLst>
+                    <a:ext uri="{9D8B030D-6E8A-4147-A177-3AD203B41FA5}">
+                      <a16:colId xmlns:a16="http://schemas.microsoft.com/office/drawing/2014/main" val="20001"/>
+                    </a:ext>
+                  </a:extLst>
+                </a:gridCol>
               </a:tblGrid>
               <a:tr h="432048">
                 <a:tc>
@@ -8137,6 +8269,11 @@
                     </a:solidFill>
                   </a:tcPr>
                 </a:tc>
+                <a:extLst>
+                  <a:ext uri="{0D108BD9-81ED-4DB2-BD59-A6C34878D82A}">
+                    <a16:rowId xmlns:a16="http://schemas.microsoft.com/office/drawing/2014/main" val="10000"/>
+                  </a:ext>
+                </a:extLst>
               </a:tr>
               <a:tr h="432048">
                 <a:tc>
@@ -8188,6 +8325,11 @@
                     </a:lnR>
                   </a:tcPr>
                 </a:tc>
+                <a:extLst>
+                  <a:ext uri="{0D108BD9-81ED-4DB2-BD59-A6C34878D82A}">
+                    <a16:rowId xmlns:a16="http://schemas.microsoft.com/office/drawing/2014/main" val="10001"/>
+                  </a:ext>
+                </a:extLst>
               </a:tr>
               <a:tr h="432048">
                 <a:tc>
@@ -8287,6 +8429,11 @@
                     </a:lnR>
                   </a:tcPr>
                 </a:tc>
+                <a:extLst>
+                  <a:ext uri="{0D108BD9-81ED-4DB2-BD59-A6C34878D82A}">
+                    <a16:rowId xmlns:a16="http://schemas.microsoft.com/office/drawing/2014/main" val="10002"/>
+                  </a:ext>
+                </a:extLst>
               </a:tr>
               <a:tr h="432048">
                 <a:tc>
@@ -8381,6 +8528,11 @@
                     </a:lnR>
                   </a:tcPr>
                 </a:tc>
+                <a:extLst>
+                  <a:ext uri="{0D108BD9-81ED-4DB2-BD59-A6C34878D82A}">
+                    <a16:rowId xmlns:a16="http://schemas.microsoft.com/office/drawing/2014/main" val="10003"/>
+                  </a:ext>
+                </a:extLst>
               </a:tr>
               <a:tr h="432048">
                 <a:tc>
@@ -8443,6 +8595,11 @@
                     </a:lnR>
                   </a:tcPr>
                 </a:tc>
+                <a:extLst>
+                  <a:ext uri="{0D108BD9-81ED-4DB2-BD59-A6C34878D82A}">
+                    <a16:rowId xmlns:a16="http://schemas.microsoft.com/office/drawing/2014/main" val="10004"/>
+                  </a:ext>
+                </a:extLst>
               </a:tr>
               <a:tr h="432048">
                 <a:tc>
@@ -8505,6 +8662,11 @@
                     </a:lnR>
                   </a:tcPr>
                 </a:tc>
+                <a:extLst>
+                  <a:ext uri="{0D108BD9-81ED-4DB2-BD59-A6C34878D82A}">
+                    <a16:rowId xmlns:a16="http://schemas.microsoft.com/office/drawing/2014/main" val="10005"/>
+                  </a:ext>
+                </a:extLst>
               </a:tr>
               <a:tr h="432048">
                 <a:tc>
@@ -8567,6 +8729,11 @@
                     </a:lnR>
                   </a:tcPr>
                 </a:tc>
+                <a:extLst>
+                  <a:ext uri="{0D108BD9-81ED-4DB2-BD59-A6C34878D82A}">
+                    <a16:rowId xmlns:a16="http://schemas.microsoft.com/office/drawing/2014/main" val="10006"/>
+                  </a:ext>
+                </a:extLst>
               </a:tr>
             </a:tbl>
           </a:graphicData>
@@ -8647,7 +8814,7 @@
 </p:sld>
 </file>
 
-<file path=ppt/slides/slide29.xml><?xml version="1.0" encoding="utf-8"?>
+<file path=ppt/slides/slide3.xml><?xml version="1.0" encoding="utf-8"?>
 <p:sld xmlns:a="http://schemas.openxmlformats.org/drawingml/2006/main" xmlns:r="http://schemas.openxmlformats.org/officeDocument/2006/relationships" xmlns:p="http://schemas.openxmlformats.org/presentationml/2006/main">
   <p:cSld>
     <p:spTree>
@@ -8666,6 +8833,236 @@
       </p:grpSpPr>
       <p:sp>
         <p:nvSpPr>
+          <p:cNvPr id="2" name="제목 1"/>
+          <p:cNvSpPr>
+            <a:spLocks noGrp="1"/>
+          </p:cNvSpPr>
+          <p:nvPr>
+            <p:ph type="title"/>
+          </p:nvPr>
+        </p:nvSpPr>
+        <p:spPr>
+          <a:xfrm>
+            <a:off x="416497" y="197768"/>
+            <a:ext cx="6412780" cy="854968"/>
+          </a:xfrm>
+        </p:spPr>
+        <p:txBody>
+          <a:bodyPr>
+            <a:noAutofit/>
+          </a:bodyPr>
+          <a:lstStyle/>
+          <a:p>
+            <a:pPr algn="ctr"/>
+            <a:r>
+              <a:rPr lang="ko-KR" altLang="en-US" sz="2800" dirty="0" smtClean="0"/>
+              <a:t>폼 요소에 접근하는 방법</a:t>
+            </a:r>
+            <a:endParaRPr lang="ko-KR" altLang="en-US" sz="2800" dirty="0"/>
+          </a:p>
+        </p:txBody>
+      </p:sp>
+      <p:sp>
+        <p:nvSpPr>
+          <p:cNvPr id="4" name="슬라이드 번호 개체 틀 3"/>
+          <p:cNvSpPr>
+            <a:spLocks noGrp="1"/>
+          </p:cNvSpPr>
+          <p:nvPr>
+            <p:ph type="sldNum" sz="quarter" idx="12"/>
+          </p:nvPr>
+        </p:nvSpPr>
+        <p:spPr/>
+        <p:txBody>
+          <a:bodyPr/>
+          <a:lstStyle/>
+          <a:p>
+            <a:fld id="{1BDE3FE7-3AEA-4B05-AC5A-802D1816ACF0}" type="slidenum">
+              <a:rPr lang="ko-KR" altLang="en-US" smtClean="0"/>
+              <a:t>3</a:t>
+            </a:fld>
+            <a:endParaRPr lang="ko-KR" altLang="en-US"/>
+          </a:p>
+        </p:txBody>
+      </p:sp>
+      <p:sp>
+        <p:nvSpPr>
+          <p:cNvPr id="10" name="TextBox 9"/>
+          <p:cNvSpPr txBox="1"/>
+          <p:nvPr/>
+        </p:nvSpPr>
+        <p:spPr>
+          <a:xfrm>
+            <a:off x="992560" y="1284899"/>
+            <a:ext cx="4752529" cy="494494"/>
+          </a:xfrm>
+          <a:prstGeom prst="rect">
+            <a:avLst/>
+          </a:prstGeom>
+          <a:noFill/>
+        </p:spPr>
+        <p:txBody>
+          <a:bodyPr wrap="square" rtlCol="0">
+            <a:spAutoFit/>
+          </a:bodyPr>
+          <a:lstStyle/>
+          <a:p>
+            <a:pPr>
+              <a:lnSpc>
+                <a:spcPct val="150000"/>
+              </a:lnSpc>
+            </a:pPr>
+            <a:r>
+              <a:rPr lang="ko-KR" altLang="en-US" dirty="0"/>
+              <a:t> </a:t>
+            </a:r>
+            <a:r>
+              <a:rPr lang="ko-KR" altLang="en-US" sz="2000" b="1" dirty="0" smtClean="0"/>
+              <a:t>배송정보 자동으로 입력하기 </a:t>
+            </a:r>
+            <a:endParaRPr lang="en-US" altLang="ko-KR" sz="2000" b="1" dirty="0" smtClean="0"/>
+          </a:p>
+        </p:txBody>
+      </p:sp>
+      <p:pic>
+        <p:nvPicPr>
+          <p:cNvPr id="6" name="그림 5"/>
+          <p:cNvPicPr>
+            <a:picLocks noChangeAspect="1"/>
+          </p:cNvPicPr>
+          <p:nvPr/>
+        </p:nvPicPr>
+        <p:blipFill>
+          <a:blip r:embed="rId2">
+            <a:extLst>
+              <a:ext uri="{28A0092B-C50C-407E-A947-70E740481C1C}">
+                <a14:useLocalDpi xmlns:a14="http://schemas.microsoft.com/office/drawing/2010/main" val="0"/>
+              </a:ext>
+            </a:extLst>
+          </a:blip>
+          <a:stretch>
+            <a:fillRect/>
+          </a:stretch>
+        </p:blipFill>
+        <p:spPr>
+          <a:xfrm>
+            <a:off x="4520952" y="1628800"/>
+            <a:ext cx="3980737" cy="4680520"/>
+          </a:xfrm>
+          <a:prstGeom prst="rect">
+            <a:avLst/>
+          </a:prstGeom>
+        </p:spPr>
+      </p:pic>
+      <p:sp>
+        <p:nvSpPr>
+          <p:cNvPr id="7" name="TextBox 6"/>
+          <p:cNvSpPr txBox="1"/>
+          <p:nvPr/>
+        </p:nvSpPr>
+        <p:spPr>
+          <a:xfrm>
+            <a:off x="1208584" y="1988840"/>
+            <a:ext cx="3312368" cy="2308324"/>
+          </a:xfrm>
+          <a:prstGeom prst="rect">
+            <a:avLst/>
+          </a:prstGeom>
+          <a:noFill/>
+        </p:spPr>
+        <p:txBody>
+          <a:bodyPr wrap="square" rtlCol="0">
+            <a:spAutoFit/>
+          </a:bodyPr>
+          <a:lstStyle/>
+          <a:p>
+            <a:pPr>
+              <a:lnSpc>
+                <a:spcPct val="150000"/>
+              </a:lnSpc>
+            </a:pPr>
+            <a:r>
+              <a:rPr lang="ko-KR" altLang="en-US" sz="1600" dirty="0" smtClean="0"/>
+              <a:t>온라인 쇼핑몰에서 상품 </a:t>
+            </a:r>
+            <a:r>
+              <a:rPr lang="ko-KR" altLang="en-US" sz="1600" dirty="0" err="1" smtClean="0"/>
+              <a:t>주문시</a:t>
+            </a:r>
+            <a:r>
+              <a:rPr lang="ko-KR" altLang="en-US" sz="1600" dirty="0" smtClean="0"/>
+              <a:t> 주문한 사람의 정보와 배송을 받는 사람의 정보가 일치할 경우</a:t>
+            </a:r>
+            <a:r>
+              <a:rPr lang="en-US" altLang="ko-KR" sz="1600" dirty="0" smtClean="0"/>
+              <a:t>, </a:t>
+            </a:r>
+          </a:p>
+          <a:p>
+            <a:pPr>
+              <a:lnSpc>
+                <a:spcPct val="150000"/>
+              </a:lnSpc>
+            </a:pPr>
+            <a:r>
+              <a:rPr lang="ko-KR" altLang="en-US" sz="1600" b="1" dirty="0" smtClean="0">
+                <a:solidFill>
+                  <a:srgbClr val="C00000"/>
+                </a:solidFill>
+              </a:rPr>
+              <a:t>체크 상자만 누르면 </a:t>
+            </a:r>
+            <a:r>
+              <a:rPr lang="ko-KR" altLang="en-US" sz="1600" dirty="0" smtClean="0"/>
+              <a:t>주문한 사람의 정보를 그대로 배송정보에 입력해 주는 것을 구현</a:t>
+            </a:r>
+            <a:r>
+              <a:rPr lang="en-US" altLang="ko-KR" sz="1600" dirty="0" smtClean="0"/>
+              <a:t>.</a:t>
+            </a:r>
+            <a:endParaRPr lang="ko-KR" altLang="en-US" sz="1600" dirty="0"/>
+          </a:p>
+        </p:txBody>
+      </p:sp>
+    </p:spTree>
+    <p:extLst>
+      <p:ext uri="{BB962C8B-B14F-4D97-AF65-F5344CB8AC3E}">
+        <p14:creationId xmlns:p14="http://schemas.microsoft.com/office/powerpoint/2010/main" val="1933102882"/>
+      </p:ext>
+    </p:extLst>
+  </p:cSld>
+  <p:clrMapOvr>
+    <a:masterClrMapping/>
+  </p:clrMapOvr>
+  <p:timing>
+    <p:tnLst>
+      <p:par>
+        <p:cTn id="1" dur="indefinite" restart="never" nodeType="tmRoot"/>
+      </p:par>
+    </p:tnLst>
+  </p:timing>
+</p:sld>
+</file>
+
+<file path=ppt/slides/slide30.xml><?xml version="1.0" encoding="utf-8"?>
+<p:sld xmlns:a="http://schemas.openxmlformats.org/drawingml/2006/main" xmlns:r="http://schemas.openxmlformats.org/officeDocument/2006/relationships" xmlns:p="http://schemas.openxmlformats.org/presentationml/2006/main">
+  <p:cSld>
+    <p:spTree>
+      <p:nvGrpSpPr>
+        <p:cNvPr id="1" name=""/>
+        <p:cNvGrpSpPr/>
+        <p:nvPr/>
+      </p:nvGrpSpPr>
+      <p:grpSpPr>
+        <a:xfrm>
+          <a:off x="0" y="0"/>
+          <a:ext cx="0" cy="0"/>
+          <a:chOff x="0" y="0"/>
+          <a:chExt cx="0" cy="0"/>
+        </a:xfrm>
+      </p:grpSpPr>
+      <p:sp>
+        <p:nvSpPr>
           <p:cNvPr id="5" name="TextBox 4"/>
           <p:cNvSpPr txBox="1"/>
           <p:nvPr/>
@@ -8731,8 +9128,20 @@
                 <a:tableStyleId>{5940675A-B579-460E-94D1-54222C63F5DA}</a:tableStyleId>
               </a:tblPr>
               <a:tblGrid>
-                <a:gridCol w="1814601"/>
-                <a:gridCol w="2721903"/>
+                <a:gridCol w="1814601">
+                  <a:extLst>
+                    <a:ext uri="{9D8B030D-6E8A-4147-A177-3AD203B41FA5}">
+                      <a16:colId xmlns:a16="http://schemas.microsoft.com/office/drawing/2014/main" val="20000"/>
+                    </a:ext>
+                  </a:extLst>
+                </a:gridCol>
+                <a:gridCol w="2721903">
+                  <a:extLst>
+                    <a:ext uri="{9D8B030D-6E8A-4147-A177-3AD203B41FA5}">
+                      <a16:colId xmlns:a16="http://schemas.microsoft.com/office/drawing/2014/main" val="20001"/>
+                    </a:ext>
+                  </a:extLst>
+                </a:gridCol>
               </a:tblGrid>
               <a:tr h="473195">
                 <a:tc>
@@ -8785,6 +9194,11 @@
                     </a:solidFill>
                   </a:tcPr>
                 </a:tc>
+                <a:extLst>
+                  <a:ext uri="{0D108BD9-81ED-4DB2-BD59-A6C34878D82A}">
+                    <a16:rowId xmlns:a16="http://schemas.microsoft.com/office/drawing/2014/main" val="10000"/>
+                  </a:ext>
+                </a:extLst>
               </a:tr>
               <a:tr h="473195">
                 <a:tc>
@@ -8852,6 +9266,11 @@
                     </a:lnR>
                   </a:tcPr>
                 </a:tc>
+                <a:extLst>
+                  <a:ext uri="{0D108BD9-81ED-4DB2-BD59-A6C34878D82A}">
+                    <a16:rowId xmlns:a16="http://schemas.microsoft.com/office/drawing/2014/main" val="10001"/>
+                  </a:ext>
+                </a:extLst>
               </a:tr>
               <a:tr h="473195">
                 <a:tc>
@@ -8922,6 +9341,11 @@
                     </a:lnR>
                   </a:tcPr>
                 </a:tc>
+                <a:extLst>
+                  <a:ext uri="{0D108BD9-81ED-4DB2-BD59-A6C34878D82A}">
+                    <a16:rowId xmlns:a16="http://schemas.microsoft.com/office/drawing/2014/main" val="10002"/>
+                  </a:ext>
+                </a:extLst>
               </a:tr>
               <a:tr h="473195">
                 <a:tc>
@@ -8997,6 +9421,11 @@
                     </a:lnR>
                   </a:tcPr>
                 </a:tc>
+                <a:extLst>
+                  <a:ext uri="{0D108BD9-81ED-4DB2-BD59-A6C34878D82A}">
+                    <a16:rowId xmlns:a16="http://schemas.microsoft.com/office/drawing/2014/main" val="10003"/>
+                  </a:ext>
+                </a:extLst>
               </a:tr>
               <a:tr h="473195">
                 <a:tc>
@@ -9072,6 +9501,11 @@
                     </a:lnR>
                   </a:tcPr>
                 </a:tc>
+                <a:extLst>
+                  <a:ext uri="{0D108BD9-81ED-4DB2-BD59-A6C34878D82A}">
+                    <a16:rowId xmlns:a16="http://schemas.microsoft.com/office/drawing/2014/main" val="10004"/>
+                  </a:ext>
+                </a:extLst>
               </a:tr>
               <a:tr h="473195">
                 <a:tc>
@@ -9163,6 +9597,11 @@
                     </a:lnR>
                   </a:tcPr>
                 </a:tc>
+                <a:extLst>
+                  <a:ext uri="{0D108BD9-81ED-4DB2-BD59-A6C34878D82A}">
+                    <a16:rowId xmlns:a16="http://schemas.microsoft.com/office/drawing/2014/main" val="10005"/>
+                  </a:ext>
+                </a:extLst>
               </a:tr>
               <a:tr h="473195">
                 <a:tc>
@@ -9225,6 +9664,11 @@
                     </a:lnR>
                   </a:tcPr>
                 </a:tc>
+                <a:extLst>
+                  <a:ext uri="{0D108BD9-81ED-4DB2-BD59-A6C34878D82A}">
+                    <a16:rowId xmlns:a16="http://schemas.microsoft.com/office/drawing/2014/main" val="10006"/>
+                  </a:ext>
+                </a:extLst>
               </a:tr>
             </a:tbl>
           </a:graphicData>
@@ -9289,445 +9733,6 @@
     <p:extLst>
       <p:ext uri="{BB962C8B-B14F-4D97-AF65-F5344CB8AC3E}">
         <p14:creationId xmlns:p14="http://schemas.microsoft.com/office/powerpoint/2010/main" val="890456198"/>
-      </p:ext>
-    </p:extLst>
-  </p:cSld>
-  <p:clrMapOvr>
-    <a:masterClrMapping/>
-  </p:clrMapOvr>
-  <p:timing>
-    <p:tnLst>
-      <p:par>
-        <p:cTn id="1" dur="indefinite" restart="never" nodeType="tmRoot"/>
-      </p:par>
-    </p:tnLst>
-  </p:timing>
-</p:sld>
-</file>
-
-<file path=ppt/slides/slide3.xml><?xml version="1.0" encoding="utf-8"?>
-<p:sld xmlns:a="http://schemas.openxmlformats.org/drawingml/2006/main" xmlns:r="http://schemas.openxmlformats.org/officeDocument/2006/relationships" xmlns:p="http://schemas.openxmlformats.org/presentationml/2006/main">
-  <p:cSld>
-    <p:spTree>
-      <p:nvGrpSpPr>
-        <p:cNvPr id="1" name=""/>
-        <p:cNvGrpSpPr/>
-        <p:nvPr/>
-      </p:nvGrpSpPr>
-      <p:grpSpPr>
-        <a:xfrm>
-          <a:off x="0" y="0"/>
-          <a:ext cx="0" cy="0"/>
-          <a:chOff x="0" y="0"/>
-          <a:chExt cx="0" cy="0"/>
-        </a:xfrm>
-      </p:grpSpPr>
-      <p:sp>
-        <p:nvSpPr>
-          <p:cNvPr id="2" name="제목 1"/>
-          <p:cNvSpPr>
-            <a:spLocks noGrp="1"/>
-          </p:cNvSpPr>
-          <p:nvPr>
-            <p:ph type="title"/>
-          </p:nvPr>
-        </p:nvSpPr>
-        <p:spPr>
-          <a:xfrm>
-            <a:off x="416497" y="197768"/>
-            <a:ext cx="6412780" cy="854968"/>
-          </a:xfrm>
-        </p:spPr>
-        <p:txBody>
-          <a:bodyPr>
-            <a:noAutofit/>
-          </a:bodyPr>
-          <a:lstStyle/>
-          <a:p>
-            <a:pPr algn="ctr"/>
-            <a:r>
-              <a:rPr lang="ko-KR" altLang="en-US" sz="2800" dirty="0" smtClean="0"/>
-              <a:t>폼 요소에 접근하는 방법</a:t>
-            </a:r>
-            <a:endParaRPr lang="ko-KR" altLang="en-US" sz="2800" dirty="0"/>
-          </a:p>
-        </p:txBody>
-      </p:sp>
-      <p:sp>
-        <p:nvSpPr>
-          <p:cNvPr id="4" name="슬라이드 번호 개체 틀 3"/>
-          <p:cNvSpPr>
-            <a:spLocks noGrp="1"/>
-          </p:cNvSpPr>
-          <p:nvPr>
-            <p:ph type="sldNum" sz="quarter" idx="12"/>
-          </p:nvPr>
-        </p:nvSpPr>
-        <p:spPr/>
-        <p:txBody>
-          <a:bodyPr/>
-          <a:lstStyle/>
-          <a:p>
-            <a:fld id="{1BDE3FE7-3AEA-4B05-AC5A-802D1816ACF0}" type="slidenum">
-              <a:rPr lang="ko-KR" altLang="en-US" smtClean="0"/>
-              <a:t>3</a:t>
-            </a:fld>
-            <a:endParaRPr lang="ko-KR" altLang="en-US"/>
-          </a:p>
-        </p:txBody>
-      </p:sp>
-      <p:sp>
-        <p:nvSpPr>
-          <p:cNvPr id="10" name="TextBox 9"/>
-          <p:cNvSpPr txBox="1"/>
-          <p:nvPr/>
-        </p:nvSpPr>
-        <p:spPr>
-          <a:xfrm>
-            <a:off x="992560" y="1284899"/>
-            <a:ext cx="4752529" cy="494494"/>
-          </a:xfrm>
-          <a:prstGeom prst="rect">
-            <a:avLst/>
-          </a:prstGeom>
-          <a:noFill/>
-        </p:spPr>
-        <p:txBody>
-          <a:bodyPr wrap="square" rtlCol="0">
-            <a:spAutoFit/>
-          </a:bodyPr>
-          <a:lstStyle/>
-          <a:p>
-            <a:pPr>
-              <a:lnSpc>
-                <a:spcPct val="150000"/>
-              </a:lnSpc>
-            </a:pPr>
-            <a:r>
-              <a:rPr lang="ko-KR" altLang="en-US" dirty="0"/>
-              <a:t> </a:t>
-            </a:r>
-            <a:r>
-              <a:rPr lang="ko-KR" altLang="en-US" sz="2000" b="1" dirty="0" smtClean="0"/>
-              <a:t>배송정보 자동으로 입력하기 </a:t>
-            </a:r>
-            <a:endParaRPr lang="en-US" altLang="ko-KR" sz="2000" b="1" dirty="0" smtClean="0"/>
-          </a:p>
-        </p:txBody>
-      </p:sp>
-      <p:pic>
-        <p:nvPicPr>
-          <p:cNvPr id="6" name="그림 5"/>
-          <p:cNvPicPr>
-            <a:picLocks noChangeAspect="1"/>
-          </p:cNvPicPr>
-          <p:nvPr/>
-        </p:nvPicPr>
-        <p:blipFill>
-          <a:blip r:embed="rId2">
-            <a:extLst>
-              <a:ext uri="{28A0092B-C50C-407E-A947-70E740481C1C}">
-                <a14:useLocalDpi xmlns:a14="http://schemas.microsoft.com/office/drawing/2010/main" val="0"/>
-              </a:ext>
-            </a:extLst>
-          </a:blip>
-          <a:stretch>
-            <a:fillRect/>
-          </a:stretch>
-        </p:blipFill>
-        <p:spPr>
-          <a:xfrm>
-            <a:off x="4520952" y="1628800"/>
-            <a:ext cx="3980737" cy="4680520"/>
-          </a:xfrm>
-          <a:prstGeom prst="rect">
-            <a:avLst/>
-          </a:prstGeom>
-        </p:spPr>
-      </p:pic>
-      <p:sp>
-        <p:nvSpPr>
-          <p:cNvPr id="7" name="TextBox 6"/>
-          <p:cNvSpPr txBox="1"/>
-          <p:nvPr/>
-        </p:nvSpPr>
-        <p:spPr>
-          <a:xfrm>
-            <a:off x="1208584" y="1988840"/>
-            <a:ext cx="3312368" cy="2308324"/>
-          </a:xfrm>
-          <a:prstGeom prst="rect">
-            <a:avLst/>
-          </a:prstGeom>
-          <a:noFill/>
-        </p:spPr>
-        <p:txBody>
-          <a:bodyPr wrap="square" rtlCol="0">
-            <a:spAutoFit/>
-          </a:bodyPr>
-          <a:lstStyle/>
-          <a:p>
-            <a:pPr>
-              <a:lnSpc>
-                <a:spcPct val="150000"/>
-              </a:lnSpc>
-            </a:pPr>
-            <a:r>
-              <a:rPr lang="ko-KR" altLang="en-US" sz="1600" dirty="0" smtClean="0"/>
-              <a:t>온라인 쇼핑몰에서 상품 </a:t>
-            </a:r>
-            <a:r>
-              <a:rPr lang="ko-KR" altLang="en-US" sz="1600" dirty="0" err="1" smtClean="0"/>
-              <a:t>주문시</a:t>
-            </a:r>
-            <a:r>
-              <a:rPr lang="ko-KR" altLang="en-US" sz="1600" dirty="0" smtClean="0"/>
-              <a:t> 주문한 사람의 정보와 배송을 받는 사람의 정보가 일치할 경우</a:t>
-            </a:r>
-            <a:r>
-              <a:rPr lang="en-US" altLang="ko-KR" sz="1600" dirty="0" smtClean="0"/>
-              <a:t>, </a:t>
-            </a:r>
-          </a:p>
-          <a:p>
-            <a:pPr>
-              <a:lnSpc>
-                <a:spcPct val="150000"/>
-              </a:lnSpc>
-            </a:pPr>
-            <a:r>
-              <a:rPr lang="ko-KR" altLang="en-US" sz="1600" b="1" dirty="0" smtClean="0">
-                <a:solidFill>
-                  <a:srgbClr val="C00000"/>
-                </a:solidFill>
-              </a:rPr>
-              <a:t>체크 상자만 누르면 </a:t>
-            </a:r>
-            <a:r>
-              <a:rPr lang="ko-KR" altLang="en-US" sz="1600" dirty="0" smtClean="0"/>
-              <a:t>주문한 사람의 정보를 그대로 배송정보에 입력해 주는 것을 구현</a:t>
-            </a:r>
-            <a:r>
-              <a:rPr lang="en-US" altLang="ko-KR" sz="1600" dirty="0" smtClean="0"/>
-              <a:t>.</a:t>
-            </a:r>
-            <a:endParaRPr lang="ko-KR" altLang="en-US" sz="1600" dirty="0"/>
-          </a:p>
-        </p:txBody>
-      </p:sp>
-    </p:spTree>
-    <p:extLst>
-      <p:ext uri="{BB962C8B-B14F-4D97-AF65-F5344CB8AC3E}">
-        <p14:creationId xmlns:p14="http://schemas.microsoft.com/office/powerpoint/2010/main" val="1933102882"/>
-      </p:ext>
-    </p:extLst>
-  </p:cSld>
-  <p:clrMapOvr>
-    <a:masterClrMapping/>
-  </p:clrMapOvr>
-  <p:timing>
-    <p:tnLst>
-      <p:par>
-        <p:cTn id="1" dur="indefinite" restart="never" nodeType="tmRoot"/>
-      </p:par>
-    </p:tnLst>
-  </p:timing>
-</p:sld>
-</file>
-
-<file path=ppt/slides/slide30.xml><?xml version="1.0" encoding="utf-8"?>
-<p:sld xmlns:a="http://schemas.openxmlformats.org/drawingml/2006/main" xmlns:r="http://schemas.openxmlformats.org/officeDocument/2006/relationships" xmlns:p="http://schemas.openxmlformats.org/presentationml/2006/main">
-  <p:cSld>
-    <p:spTree>
-      <p:nvGrpSpPr>
-        <p:cNvPr id="1" name=""/>
-        <p:cNvGrpSpPr/>
-        <p:nvPr/>
-      </p:nvGrpSpPr>
-      <p:grpSpPr>
-        <a:xfrm>
-          <a:off x="0" y="0"/>
-          <a:ext cx="0" cy="0"/>
-          <a:chOff x="0" y="0"/>
-          <a:chExt cx="0" cy="0"/>
-        </a:xfrm>
-      </p:grpSpPr>
-      <p:sp>
-        <p:nvSpPr>
-          <p:cNvPr id="2" name="제목 1"/>
-          <p:cNvSpPr>
-            <a:spLocks noGrp="1"/>
-          </p:cNvSpPr>
-          <p:nvPr>
-            <p:ph type="title"/>
-          </p:nvPr>
-        </p:nvSpPr>
-        <p:spPr>
-          <a:xfrm>
-            <a:off x="416497" y="197768"/>
-            <a:ext cx="6412780" cy="854968"/>
-          </a:xfrm>
-        </p:spPr>
-        <p:txBody>
-          <a:bodyPr>
-            <a:noAutofit/>
-          </a:bodyPr>
-          <a:lstStyle/>
-          <a:p>
-            <a:pPr algn="ctr"/>
-            <a:r>
-              <a:rPr lang="ko-KR" altLang="en-US" sz="2800" dirty="0" smtClean="0"/>
-              <a:t>유효성 검사</a:t>
-            </a:r>
-            <a:r>
-              <a:rPr lang="en-US" altLang="ko-KR" sz="2800" dirty="0" smtClean="0"/>
-              <a:t>(validation)</a:t>
-            </a:r>
-            <a:endParaRPr lang="ko-KR" altLang="en-US" sz="2800" dirty="0"/>
-          </a:p>
-        </p:txBody>
-      </p:sp>
-      <p:sp>
-        <p:nvSpPr>
-          <p:cNvPr id="4" name="슬라이드 번호 개체 틀 3"/>
-          <p:cNvSpPr>
-            <a:spLocks noGrp="1"/>
-          </p:cNvSpPr>
-          <p:nvPr>
-            <p:ph type="sldNum" sz="quarter" idx="12"/>
-          </p:nvPr>
-        </p:nvSpPr>
-        <p:spPr/>
-        <p:txBody>
-          <a:bodyPr/>
-          <a:lstStyle/>
-          <a:p>
-            <a:fld id="{1BDE3FE7-3AEA-4B05-AC5A-802D1816ACF0}" type="slidenum">
-              <a:rPr lang="ko-KR" altLang="en-US" smtClean="0"/>
-              <a:t>30</a:t>
-            </a:fld>
-            <a:endParaRPr lang="ko-KR" altLang="en-US"/>
-          </a:p>
-        </p:txBody>
-      </p:sp>
-      <p:sp>
-        <p:nvSpPr>
-          <p:cNvPr id="8" name="TextBox 7"/>
-          <p:cNvSpPr txBox="1"/>
-          <p:nvPr/>
-        </p:nvSpPr>
-        <p:spPr>
-          <a:xfrm>
-            <a:off x="920551" y="1196752"/>
-            <a:ext cx="8568953" cy="553998"/>
-          </a:xfrm>
-          <a:prstGeom prst="rect">
-            <a:avLst/>
-          </a:prstGeom>
-          <a:noFill/>
-        </p:spPr>
-        <p:txBody>
-          <a:bodyPr wrap="square" rtlCol="0">
-            <a:spAutoFit/>
-          </a:bodyPr>
-          <a:lstStyle/>
-          <a:p>
-            <a:pPr marL="285750" indent="-285750">
-              <a:lnSpc>
-                <a:spcPct val="150000"/>
-              </a:lnSpc>
-              <a:buFont typeface="Wingdings" panose="05000000000000000000" pitchFamily="2" charset="2"/>
-              <a:buChar char="l"/>
-            </a:pPr>
-            <a:r>
-              <a:rPr lang="en-US" altLang="ko-KR" dirty="0" smtClean="0"/>
-              <a:t> </a:t>
-            </a:r>
-            <a:r>
-              <a:rPr lang="en-US" altLang="ko-KR" sz="2000" b="1" dirty="0" smtClean="0"/>
-              <a:t>test() </a:t>
-            </a:r>
-            <a:r>
-              <a:rPr lang="ko-KR" altLang="en-US" sz="2000" b="1" dirty="0" smtClean="0"/>
-              <a:t>함수 </a:t>
-            </a:r>
-            <a:r>
-              <a:rPr lang="en-US" altLang="ko-KR" sz="2000" b="1" dirty="0" smtClean="0"/>
-              <a:t>: </a:t>
-            </a:r>
-            <a:r>
-              <a:rPr lang="ko-KR" altLang="en-US" sz="2000" b="1" dirty="0" smtClean="0"/>
-              <a:t>매개 문자가 정규 </a:t>
-            </a:r>
-            <a:r>
-              <a:rPr lang="ko-KR" altLang="en-US" sz="2000" b="1" dirty="0" err="1" smtClean="0"/>
-              <a:t>표현식과</a:t>
-            </a:r>
-            <a:r>
-              <a:rPr lang="ko-KR" altLang="en-US" sz="2000" b="1" dirty="0" smtClean="0"/>
-              <a:t> 일치하면 </a:t>
-            </a:r>
-            <a:r>
-              <a:rPr lang="en-US" altLang="ko-KR" sz="2000" b="1" dirty="0" smtClean="0"/>
-              <a:t>true, </a:t>
-            </a:r>
-            <a:r>
-              <a:rPr lang="ko-KR" altLang="en-US" sz="2000" b="1" dirty="0" smtClean="0"/>
-              <a:t>아니면 </a:t>
-            </a:r>
-            <a:r>
-              <a:rPr lang="en-US" altLang="ko-KR" sz="2000" b="1" dirty="0" smtClean="0"/>
-              <a:t>false</a:t>
-            </a:r>
-            <a:r>
-              <a:rPr lang="ko-KR" altLang="en-US" sz="2000" b="1" dirty="0" smtClean="0"/>
-              <a:t> </a:t>
-            </a:r>
-            <a:endParaRPr lang="en-US" altLang="ko-KR" sz="2400" b="1" dirty="0" smtClean="0"/>
-          </a:p>
-        </p:txBody>
-      </p:sp>
-      <p:pic>
-        <p:nvPicPr>
-          <p:cNvPr id="3" name="그림 2"/>
-          <p:cNvPicPr>
-            <a:picLocks noChangeAspect="1"/>
-          </p:cNvPicPr>
-          <p:nvPr/>
-        </p:nvPicPr>
-        <p:blipFill>
-          <a:blip r:embed="rId2">
-            <a:extLst>
-              <a:ext uri="{28A0092B-C50C-407E-A947-70E740481C1C}">
-                <a14:useLocalDpi xmlns:a14="http://schemas.microsoft.com/office/drawing/2010/main" val="0"/>
-              </a:ext>
-            </a:extLst>
-          </a:blip>
-          <a:stretch>
-            <a:fillRect/>
-          </a:stretch>
-        </p:blipFill>
-        <p:spPr>
-          <a:xfrm>
-            <a:off x="1784647" y="1844824"/>
-            <a:ext cx="5405187" cy="4896543"/>
-          </a:xfrm>
-          <a:prstGeom prst="rect">
-            <a:avLst/>
-          </a:prstGeom>
-          <a:ln>
-            <a:solidFill>
-              <a:schemeClr val="bg1">
-                <a:lumMod val="85000"/>
-              </a:schemeClr>
-            </a:solidFill>
-          </a:ln>
-        </p:spPr>
-      </p:pic>
-    </p:spTree>
-    <p:extLst>
-      <p:ext uri="{BB962C8B-B14F-4D97-AF65-F5344CB8AC3E}">
-        <p14:creationId xmlns:p14="http://schemas.microsoft.com/office/powerpoint/2010/main" val="1764223717"/>
       </p:ext>
     </p:extLst>
   </p:cSld>
@@ -9828,7 +9833,7 @@
         <p:spPr>
           <a:xfrm>
             <a:off x="920551" y="1196752"/>
-            <a:ext cx="3456385" cy="454292"/>
+            <a:ext cx="8568953" cy="553998"/>
           </a:xfrm>
           <a:prstGeom prst="rect">
             <a:avLst/>
@@ -9853,8 +9858,44 @@
               <a:t> </a:t>
             </a:r>
             <a:r>
-              <a:rPr lang="ko-KR" altLang="en-US" dirty="0" smtClean="0"/>
-              <a:t>회원 가입 유효성 검사</a:t>
+              <a:rPr lang="en-US" altLang="ko-KR" sz="2000" b="1" dirty="0" smtClean="0"/>
+              <a:t>test() </a:t>
+            </a:r>
+            <a:r>
+              <a:rPr lang="ko-KR" altLang="en-US" sz="2000" b="1" dirty="0" smtClean="0"/>
+              <a:t>함수 </a:t>
+            </a:r>
+            <a:r>
+              <a:rPr lang="en-US" altLang="ko-KR" sz="2000" b="1" dirty="0" smtClean="0"/>
+              <a:t>: </a:t>
+            </a:r>
+            <a:r>
+              <a:rPr lang="ko-KR" altLang="en-US" sz="2000" b="1" dirty="0" smtClean="0"/>
+              <a:t>매개 문자가 정규 </a:t>
+            </a:r>
+            <a:r>
+              <a:rPr lang="ko-KR" altLang="en-US" sz="2000" b="1" dirty="0" err="1" smtClean="0"/>
+              <a:t>표현식과</a:t>
+            </a:r>
+            <a:r>
+              <a:rPr lang="ko-KR" altLang="en-US" sz="2000" b="1" dirty="0" smtClean="0"/>
+              <a:t> 일치하면 </a:t>
+            </a:r>
+            <a:r>
+              <a:rPr lang="en-US" altLang="ko-KR" sz="2000" b="1" dirty="0" smtClean="0"/>
+              <a:t>true, </a:t>
+            </a:r>
+            <a:r>
+              <a:rPr lang="ko-KR" altLang="en-US" sz="2000" b="1" dirty="0" smtClean="0"/>
+              <a:t>아니면 </a:t>
+            </a:r>
+            <a:r>
+              <a:rPr lang="en-US" altLang="ko-KR" sz="2000" b="1" dirty="0" smtClean="0"/>
+              <a:t>false</a:t>
+            </a:r>
+            <a:r>
+              <a:rPr lang="ko-KR" altLang="en-US" sz="2000" b="1" dirty="0" smtClean="0"/>
+              <a:t> </a:t>
             </a:r>
             <a:endParaRPr lang="en-US" altLang="ko-KR" sz="2400" b="1" dirty="0" smtClean="0"/>
           </a:p>
@@ -9862,7 +9903,7 @@
       </p:sp>
       <p:pic>
         <p:nvPicPr>
-          <p:cNvPr id="5" name="그림 4"/>
+          <p:cNvPr id="3" name="그림 2"/>
           <p:cNvPicPr>
             <a:picLocks noChangeAspect="1"/>
           </p:cNvPicPr>
@@ -9882,8 +9923,8 @@
         </p:blipFill>
         <p:spPr>
           <a:xfrm>
-            <a:off x="2144688" y="1844824"/>
-            <a:ext cx="4732430" cy="4244708"/>
+            <a:off x="1784647" y="1844824"/>
+            <a:ext cx="5405187" cy="4896543"/>
           </a:xfrm>
           <a:prstGeom prst="rect">
             <a:avLst/>
@@ -9900,7 +9941,7 @@
     </p:spTree>
     <p:extLst>
       <p:ext uri="{BB962C8B-B14F-4D97-AF65-F5344CB8AC3E}">
-        <p14:creationId xmlns:p14="http://schemas.microsoft.com/office/powerpoint/2010/main" val="2231395217"/>
+        <p14:creationId xmlns:p14="http://schemas.microsoft.com/office/powerpoint/2010/main" val="1764223717"/>
       </p:ext>
     </p:extLst>
   </p:cSld>
@@ -9958,12 +9999,12 @@
           <a:p>
             <a:pPr algn="ctr"/>
             <a:r>
-              <a:rPr lang="ko-KR" altLang="en-US" sz="2800" dirty="0" err="1" smtClean="0"/>
-              <a:t>입력값</a:t>
-            </a:r>
-            <a:r>
               <a:rPr lang="ko-KR" altLang="en-US" sz="2800" dirty="0" smtClean="0"/>
-              <a:t> 검증 프로그램</a:t>
+              <a:t>유효성 검사</a:t>
+            </a:r>
+            <a:r>
+              <a:rPr lang="en-US" altLang="ko-KR" sz="2800" dirty="0" smtClean="0"/>
+              <a:t>(validation)</a:t>
             </a:r>
             <a:endParaRPr lang="ko-KR" altLang="en-US" sz="2800" dirty="0"/>
           </a:p>
@@ -9989,6 +10030,47 @@
               <a:t>32</a:t>
             </a:fld>
             <a:endParaRPr lang="ko-KR" altLang="en-US"/>
+          </a:p>
+        </p:txBody>
+      </p:sp>
+      <p:sp>
+        <p:nvSpPr>
+          <p:cNvPr id="8" name="TextBox 7"/>
+          <p:cNvSpPr txBox="1"/>
+          <p:nvPr/>
+        </p:nvSpPr>
+        <p:spPr>
+          <a:xfrm>
+            <a:off x="920551" y="1196752"/>
+            <a:ext cx="3456385" cy="454292"/>
+          </a:xfrm>
+          <a:prstGeom prst="rect">
+            <a:avLst/>
+          </a:prstGeom>
+          <a:noFill/>
+        </p:spPr>
+        <p:txBody>
+          <a:bodyPr wrap="square" rtlCol="0">
+            <a:spAutoFit/>
+          </a:bodyPr>
+          <a:lstStyle/>
+          <a:p>
+            <a:pPr marL="285750" indent="-285750">
+              <a:lnSpc>
+                <a:spcPct val="150000"/>
+              </a:lnSpc>
+              <a:buFont typeface="Wingdings" panose="05000000000000000000" pitchFamily="2" charset="2"/>
+              <a:buChar char="l"/>
+            </a:pPr>
+            <a:r>
+              <a:rPr lang="en-US" altLang="ko-KR" dirty="0" smtClean="0"/>
+              <a:t> </a:t>
+            </a:r>
+            <a:r>
+              <a:rPr lang="ko-KR" altLang="en-US" dirty="0" smtClean="0"/>
+              <a:t>회원 가입 유효성 검사</a:t>
+            </a:r>
+            <a:endParaRPr lang="en-US" altLang="ko-KR" sz="2400" b="1" dirty="0" smtClean="0"/>
           </a:p>
         </p:txBody>
       </p:sp>
@@ -10014,8 +10096,8 @@
         </p:blipFill>
         <p:spPr>
           <a:xfrm>
-            <a:off x="1064568" y="1802258"/>
-            <a:ext cx="8208912" cy="4219030"/>
+            <a:off x="2144688" y="1844824"/>
+            <a:ext cx="4732430" cy="4244708"/>
           </a:xfrm>
           <a:prstGeom prst="rect">
             <a:avLst/>
@@ -10029,62 +10111,10 @@
           </a:ln>
         </p:spPr>
       </p:pic>
-      <p:sp>
-        <p:nvSpPr>
-          <p:cNvPr id="6" name="TextBox 5"/>
-          <p:cNvSpPr txBox="1"/>
-          <p:nvPr/>
-        </p:nvSpPr>
-        <p:spPr>
-          <a:xfrm>
-            <a:off x="1043018" y="1292185"/>
-            <a:ext cx="1800200" cy="408623"/>
-          </a:xfrm>
-          <a:prstGeom prst="roundRect">
-            <a:avLst/>
-          </a:prstGeom>
-        </p:spPr>
-        <p:style>
-          <a:lnRef idx="2">
-            <a:schemeClr val="dk1"/>
-          </a:lnRef>
-          <a:fillRef idx="1">
-            <a:schemeClr val="lt1"/>
-          </a:fillRef>
-          <a:effectRef idx="0">
-            <a:schemeClr val="dk1"/>
-          </a:effectRef>
-          <a:fontRef idx="minor">
-            <a:schemeClr val="dk1"/>
-          </a:fontRef>
-        </p:style>
-        <p:txBody>
-          <a:bodyPr wrap="square" rtlCol="0">
-            <a:spAutoFit/>
-          </a:bodyPr>
-          <a:lstStyle/>
-          <a:p>
-            <a:pPr algn="ctr"/>
-            <a:r>
-              <a:rPr lang="en-US" altLang="ko-KR" dirty="0" smtClean="0">
-                <a:solidFill>
-                  <a:srgbClr val="C00000"/>
-                </a:solidFill>
-              </a:rPr>
-              <a:t>register.html</a:t>
-            </a:r>
-            <a:endParaRPr lang="ko-KR" altLang="en-US" dirty="0">
-              <a:solidFill>
-                <a:srgbClr val="C00000"/>
-              </a:solidFill>
-            </a:endParaRPr>
-          </a:p>
-        </p:txBody>
-      </p:sp>
     </p:spTree>
     <p:extLst>
       <p:ext uri="{BB962C8B-B14F-4D97-AF65-F5344CB8AC3E}">
-        <p14:creationId xmlns:p14="http://schemas.microsoft.com/office/powerpoint/2010/main" val="2850876510"/>
+        <p14:creationId xmlns:p14="http://schemas.microsoft.com/office/powerpoint/2010/main" val="2231395217"/>
       </p:ext>
     </p:extLst>
   </p:cSld>
@@ -10198,8 +10228,8 @@
         </p:blipFill>
         <p:spPr>
           <a:xfrm>
-            <a:off x="988150" y="1863833"/>
-            <a:ext cx="8253064" cy="4157455"/>
+            <a:off x="1064568" y="1802258"/>
+            <a:ext cx="8208912" cy="4219030"/>
           </a:xfrm>
           <a:prstGeom prst="rect">
             <a:avLst/>
@@ -10221,7 +10251,7 @@
         </p:nvSpPr>
         <p:spPr>
           <a:xfrm>
-            <a:off x="971273" y="1364193"/>
+            <a:off x="1043018" y="1292185"/>
             <a:ext cx="1800200" cy="408623"/>
           </a:xfrm>
           <a:prstGeom prst="roundRect">
@@ -10268,7 +10298,7 @@
     </p:spTree>
     <p:extLst>
       <p:ext uri="{BB962C8B-B14F-4D97-AF65-F5344CB8AC3E}">
-        <p14:creationId xmlns:p14="http://schemas.microsoft.com/office/powerpoint/2010/main" val="4220076407"/>
+        <p14:creationId xmlns:p14="http://schemas.microsoft.com/office/powerpoint/2010/main" val="2850876510"/>
       </p:ext>
     </p:extLst>
   </p:cSld>
@@ -10326,12 +10356,12 @@
           <a:p>
             <a:pPr algn="ctr"/>
             <a:r>
+              <a:rPr lang="ko-KR" altLang="en-US" sz="2800" dirty="0" err="1" smtClean="0"/>
+              <a:t>입력값</a:t>
+            </a:r>
+            <a:r>
               <a:rPr lang="ko-KR" altLang="en-US" sz="2800" dirty="0" smtClean="0"/>
-              <a:t>유효성 검사</a:t>
-            </a:r>
-            <a:r>
-              <a:rPr lang="en-US" altLang="ko-KR" sz="2800" dirty="0" smtClean="0"/>
-              <a:t>(validation)</a:t>
+              <a:t> 검증 프로그램</a:t>
             </a:r>
             <a:endParaRPr lang="ko-KR" altLang="en-US" sz="2800" dirty="0"/>
           </a:p>
@@ -10362,7 +10392,7 @@
       </p:sp>
       <p:pic>
         <p:nvPicPr>
-          <p:cNvPr id="3" name="그림 2"/>
+          <p:cNvPr id="5" name="그림 4"/>
           <p:cNvPicPr>
             <a:picLocks noChangeAspect="1"/>
           </p:cNvPicPr>
@@ -10382,8 +10412,8 @@
         </p:blipFill>
         <p:spPr>
           <a:xfrm>
-            <a:off x="1712640" y="1201761"/>
-            <a:ext cx="5584586" cy="5179567"/>
+            <a:off x="988150" y="1863833"/>
+            <a:ext cx="8253064" cy="4157455"/>
           </a:xfrm>
           <a:prstGeom prst="rect">
             <a:avLst/>
@@ -10399,13 +10429,13 @@
       </p:pic>
       <p:sp>
         <p:nvSpPr>
-          <p:cNvPr id="7" name="TextBox 6"/>
+          <p:cNvPr id="6" name="TextBox 5"/>
           <p:cNvSpPr txBox="1"/>
           <p:nvPr/>
         </p:nvSpPr>
         <p:spPr>
           <a:xfrm>
-            <a:off x="6753200" y="1631253"/>
+            <a:off x="971273" y="1364193"/>
             <a:ext cx="1800200" cy="408623"/>
           </a:xfrm>
           <a:prstGeom prst="roundRect">
@@ -10414,13 +10444,13 @@
         </p:spPr>
         <p:style>
           <a:lnRef idx="2">
-            <a:schemeClr val="accent2"/>
+            <a:schemeClr val="dk1"/>
           </a:lnRef>
           <a:fillRef idx="1">
             <a:schemeClr val="lt1"/>
           </a:fillRef>
           <a:effectRef idx="0">
-            <a:schemeClr val="accent2"/>
+            <a:schemeClr val="dk1"/>
           </a:effectRef>
           <a:fontRef idx="minor">
             <a:schemeClr val="dk1"/>
@@ -10439,15 +10469,7 @@
                   <a:srgbClr val="C00000"/>
                 </a:solidFill>
               </a:rPr>
-              <a:t>v</a:t>
-            </a:r>
-            <a:r>
-              <a:rPr lang="en-US" altLang="ko-KR" dirty="0" smtClean="0">
-                <a:solidFill>
-                  <a:srgbClr val="C00000"/>
-                </a:solidFill>
-              </a:rPr>
-              <a:t>alidatation.js</a:t>
+              <a:t>register.html</a:t>
             </a:r>
             <a:endParaRPr lang="ko-KR" altLang="en-US" dirty="0">
               <a:solidFill>
@@ -10460,7 +10482,7 @@
     </p:spTree>
     <p:extLst>
       <p:ext uri="{BB962C8B-B14F-4D97-AF65-F5344CB8AC3E}">
-        <p14:creationId xmlns:p14="http://schemas.microsoft.com/office/powerpoint/2010/main" val="3530632429"/>
+        <p14:creationId xmlns:p14="http://schemas.microsoft.com/office/powerpoint/2010/main" val="4220076407"/>
       </p:ext>
     </p:extLst>
   </p:cSld>
@@ -10547,6 +10569,190 @@
             <a:fld id="{1BDE3FE7-3AEA-4B05-AC5A-802D1816ACF0}" type="slidenum">
               <a:rPr lang="ko-KR" altLang="en-US" smtClean="0"/>
               <a:t>35</a:t>
+            </a:fld>
+            <a:endParaRPr lang="ko-KR" altLang="en-US"/>
+          </a:p>
+        </p:txBody>
+      </p:sp>
+      <p:pic>
+        <p:nvPicPr>
+          <p:cNvPr id="3" name="그림 2"/>
+          <p:cNvPicPr>
+            <a:picLocks noChangeAspect="1"/>
+          </p:cNvPicPr>
+          <p:nvPr/>
+        </p:nvPicPr>
+        <p:blipFill>
+          <a:blip r:embed="rId2">
+            <a:extLst>
+              <a:ext uri="{28A0092B-C50C-407E-A947-70E740481C1C}">
+                <a14:useLocalDpi xmlns:a14="http://schemas.microsoft.com/office/drawing/2010/main" val="0"/>
+              </a:ext>
+            </a:extLst>
+          </a:blip>
+          <a:stretch>
+            <a:fillRect/>
+          </a:stretch>
+        </p:blipFill>
+        <p:spPr>
+          <a:xfrm>
+            <a:off x="1712640" y="1201761"/>
+            <a:ext cx="5584586" cy="5179567"/>
+          </a:xfrm>
+          <a:prstGeom prst="rect">
+            <a:avLst/>
+          </a:prstGeom>
+          <a:ln>
+            <a:solidFill>
+              <a:schemeClr val="bg1">
+                <a:lumMod val="85000"/>
+              </a:schemeClr>
+            </a:solidFill>
+          </a:ln>
+        </p:spPr>
+      </p:pic>
+      <p:sp>
+        <p:nvSpPr>
+          <p:cNvPr id="7" name="TextBox 6"/>
+          <p:cNvSpPr txBox="1"/>
+          <p:nvPr/>
+        </p:nvSpPr>
+        <p:spPr>
+          <a:xfrm>
+            <a:off x="6753200" y="1631253"/>
+            <a:ext cx="1800200" cy="408623"/>
+          </a:xfrm>
+          <a:prstGeom prst="roundRect">
+            <a:avLst/>
+          </a:prstGeom>
+        </p:spPr>
+        <p:style>
+          <a:lnRef idx="2">
+            <a:schemeClr val="accent2"/>
+          </a:lnRef>
+          <a:fillRef idx="1">
+            <a:schemeClr val="lt1"/>
+          </a:fillRef>
+          <a:effectRef idx="0">
+            <a:schemeClr val="accent2"/>
+          </a:effectRef>
+          <a:fontRef idx="minor">
+            <a:schemeClr val="dk1"/>
+          </a:fontRef>
+        </p:style>
+        <p:txBody>
+          <a:bodyPr wrap="square" rtlCol="0">
+            <a:spAutoFit/>
+          </a:bodyPr>
+          <a:lstStyle/>
+          <a:p>
+            <a:pPr algn="ctr"/>
+            <a:r>
+              <a:rPr lang="en-US" altLang="ko-KR" dirty="0" smtClean="0">
+                <a:solidFill>
+                  <a:srgbClr val="C00000"/>
+                </a:solidFill>
+              </a:rPr>
+              <a:t>validatation.js</a:t>
+            </a:r>
+            <a:endParaRPr lang="ko-KR" altLang="en-US" dirty="0">
+              <a:solidFill>
+                <a:srgbClr val="C00000"/>
+              </a:solidFill>
+            </a:endParaRPr>
+          </a:p>
+        </p:txBody>
+      </p:sp>
+    </p:spTree>
+    <p:extLst>
+      <p:ext uri="{BB962C8B-B14F-4D97-AF65-F5344CB8AC3E}">
+        <p14:creationId xmlns:p14="http://schemas.microsoft.com/office/powerpoint/2010/main" val="3530632429"/>
+      </p:ext>
+    </p:extLst>
+  </p:cSld>
+  <p:clrMapOvr>
+    <a:masterClrMapping/>
+  </p:clrMapOvr>
+  <p:timing>
+    <p:tnLst>
+      <p:par>
+        <p:cTn id="1" dur="indefinite" restart="never" nodeType="tmRoot"/>
+      </p:par>
+    </p:tnLst>
+  </p:timing>
+</p:sld>
+</file>
+
+<file path=ppt/slides/slide36.xml><?xml version="1.0" encoding="utf-8"?>
+<p:sld xmlns:a="http://schemas.openxmlformats.org/drawingml/2006/main" xmlns:r="http://schemas.openxmlformats.org/officeDocument/2006/relationships" xmlns:p="http://schemas.openxmlformats.org/presentationml/2006/main">
+  <p:cSld>
+    <p:spTree>
+      <p:nvGrpSpPr>
+        <p:cNvPr id="1" name=""/>
+        <p:cNvGrpSpPr/>
+        <p:nvPr/>
+      </p:nvGrpSpPr>
+      <p:grpSpPr>
+        <a:xfrm>
+          <a:off x="0" y="0"/>
+          <a:ext cx="0" cy="0"/>
+          <a:chOff x="0" y="0"/>
+          <a:chExt cx="0" cy="0"/>
+        </a:xfrm>
+      </p:grpSpPr>
+      <p:sp>
+        <p:nvSpPr>
+          <p:cNvPr id="2" name="제목 1"/>
+          <p:cNvSpPr>
+            <a:spLocks noGrp="1"/>
+          </p:cNvSpPr>
+          <p:nvPr>
+            <p:ph type="title"/>
+          </p:nvPr>
+        </p:nvSpPr>
+        <p:spPr>
+          <a:xfrm>
+            <a:off x="416497" y="197768"/>
+            <a:ext cx="6412780" cy="854968"/>
+          </a:xfrm>
+        </p:spPr>
+        <p:txBody>
+          <a:bodyPr>
+            <a:noAutofit/>
+          </a:bodyPr>
+          <a:lstStyle/>
+          <a:p>
+            <a:pPr algn="ctr"/>
+            <a:r>
+              <a:rPr lang="ko-KR" altLang="en-US" sz="2800" dirty="0" smtClean="0"/>
+              <a:t>유효성 검사</a:t>
+            </a:r>
+            <a:r>
+              <a:rPr lang="en-US" altLang="ko-KR" sz="2800" dirty="0" smtClean="0"/>
+              <a:t>(validation)</a:t>
+            </a:r>
+            <a:endParaRPr lang="ko-KR" altLang="en-US" sz="2800" dirty="0"/>
+          </a:p>
+        </p:txBody>
+      </p:sp>
+      <p:sp>
+        <p:nvSpPr>
+          <p:cNvPr id="4" name="슬라이드 번호 개체 틀 3"/>
+          <p:cNvSpPr>
+            <a:spLocks noGrp="1"/>
+          </p:cNvSpPr>
+          <p:nvPr>
+            <p:ph type="sldNum" sz="quarter" idx="12"/>
+          </p:nvPr>
+        </p:nvSpPr>
+        <p:spPr/>
+        <p:txBody>
+          <a:bodyPr/>
+          <a:lstStyle/>
+          <a:p>
+            <a:fld id="{1BDE3FE7-3AEA-4B05-AC5A-802D1816ACF0}" type="slidenum">
+              <a:rPr lang="ko-KR" altLang="en-US" smtClean="0"/>
+              <a:t>36</a:t>
             </a:fld>
             <a:endParaRPr lang="ko-KR" altLang="en-US"/>
           </a:p>
@@ -11052,7 +11258,7 @@
         </p:blipFill>
         <p:spPr>
           <a:xfrm>
-            <a:off x="992560" y="1838897"/>
+            <a:off x="1280592" y="1822377"/>
             <a:ext cx="3168352" cy="3831158"/>
           </a:xfrm>
           <a:prstGeom prst="rect">
@@ -11089,7 +11295,7 @@
         </p:blipFill>
         <p:spPr>
           <a:xfrm>
-            <a:off x="4280593" y="1838897"/>
+            <a:off x="4808984" y="1787851"/>
             <a:ext cx="3168352" cy="4665486"/>
           </a:xfrm>
           <a:prstGeom prst="rect">
@@ -11102,36 +11308,6 @@
               </a:schemeClr>
             </a:solidFill>
           </a:ln>
-        </p:spPr>
-      </p:pic>
-      <p:pic>
-        <p:nvPicPr>
-          <p:cNvPr id="7" name="그림 6"/>
-          <p:cNvPicPr>
-            <a:picLocks noChangeAspect="1"/>
-          </p:cNvPicPr>
-          <p:nvPr/>
-        </p:nvPicPr>
-        <p:blipFill>
-          <a:blip r:embed="rId4">
-            <a:extLst>
-              <a:ext uri="{28A0092B-C50C-407E-A947-70E740481C1C}">
-                <a14:useLocalDpi xmlns:a14="http://schemas.microsoft.com/office/drawing/2010/main" val="0"/>
-              </a:ext>
-            </a:extLst>
-          </a:blip>
-          <a:stretch>
-            <a:fillRect/>
-          </a:stretch>
-        </p:blipFill>
-        <p:spPr>
-          <a:xfrm>
-            <a:off x="7084902" y="3356992"/>
-            <a:ext cx="2620625" cy="2187406"/>
-          </a:xfrm>
-          <a:prstGeom prst="rect">
-            <a:avLst/>
-          </a:prstGeom>
         </p:spPr>
       </p:pic>
     </p:spTree>

--- a/js_ppt/8강. js_폼과 정규표현식.pptx
+++ b/js_ppt/8강. js_폼과 정규표현식.pptx
@@ -5,7 +5,7 @@
     <p:sldMasterId id="2147483648" r:id="rId1"/>
   </p:sldMasterIdLst>
   <p:notesMasterIdLst>
-    <p:notesMasterId r:id="rId38"/>
+    <p:notesMasterId r:id="rId45"/>
   </p:notesMasterIdLst>
   <p:sldIdLst>
     <p:sldId id="256" r:id="rId2"/>
@@ -38,12 +38,19 @@
     <p:sldId id="419" r:id="rId29"/>
     <p:sldId id="414" r:id="rId30"/>
     <p:sldId id="407" r:id="rId31"/>
-    <p:sldId id="402" r:id="rId32"/>
-    <p:sldId id="403" r:id="rId33"/>
-    <p:sldId id="416" r:id="rId34"/>
-    <p:sldId id="417" r:id="rId35"/>
-    <p:sldId id="415" r:id="rId36"/>
-    <p:sldId id="418" r:id="rId37"/>
+    <p:sldId id="422" r:id="rId32"/>
+    <p:sldId id="402" r:id="rId33"/>
+    <p:sldId id="421" r:id="rId34"/>
+    <p:sldId id="420" r:id="rId35"/>
+    <p:sldId id="403" r:id="rId36"/>
+    <p:sldId id="424" r:id="rId37"/>
+    <p:sldId id="425" r:id="rId38"/>
+    <p:sldId id="426" r:id="rId39"/>
+    <p:sldId id="423" r:id="rId40"/>
+    <p:sldId id="416" r:id="rId41"/>
+    <p:sldId id="417" r:id="rId42"/>
+    <p:sldId id="415" r:id="rId43"/>
+    <p:sldId id="418" r:id="rId44"/>
   </p:sldIdLst>
   <p:sldSz cx="9906000" cy="6858000" type="A4"/>
   <p:notesSz cx="6858000" cy="9144000"/>
@@ -243,7 +250,7 @@
           <a:p>
             <a:fld id="{7665CDAC-D627-4E87-877A-1B781DD4CADC}" type="datetimeFigureOut">
               <a:rPr lang="ko-KR" altLang="en-US" smtClean="0"/>
-              <a:t>2023-04-05</a:t>
+              <a:t>2023-04-06</a:t>
             </a:fld>
             <a:endParaRPr lang="ko-KR" altLang="en-US"/>
           </a:p>
@@ -657,7 +664,7 @@
           <a:p>
             <a:fld id="{C25BCFD5-C4DF-4EBC-B718-C69ED2FBDE6F}" type="datetime1">
               <a:rPr lang="ko-KR" altLang="en-US" smtClean="0"/>
-              <a:t>2023-04-05</a:t>
+              <a:t>2023-04-06</a:t>
             </a:fld>
             <a:endParaRPr lang="ko-KR" altLang="en-US"/>
           </a:p>
@@ -1075,7 +1082,7 @@
           <a:p>
             <a:fld id="{AB448CD7-D367-43D5-B461-ACE552E75063}" type="datetime1">
               <a:rPr lang="ko-KR" altLang="en-US" smtClean="0"/>
-              <a:t>2023-04-05</a:t>
+              <a:t>2023-04-06</a:t>
             </a:fld>
             <a:endParaRPr lang="ko-KR" altLang="en-US"/>
           </a:p>
@@ -1255,7 +1262,7 @@
           <a:p>
             <a:fld id="{B6E49E79-7361-4780-8BEF-7EDE3708298A}" type="datetime1">
               <a:rPr lang="ko-KR" altLang="en-US" smtClean="0"/>
-              <a:t>2023-04-05</a:t>
+              <a:t>2023-04-06</a:t>
             </a:fld>
             <a:endParaRPr lang="ko-KR" altLang="en-US"/>
           </a:p>
@@ -1429,7 +1436,7 @@
           <a:p>
             <a:fld id="{A4D42E3C-B70B-437C-85CF-1286301B9CBA}" type="datetime1">
               <a:rPr lang="ko-KR" altLang="en-US" smtClean="0"/>
-              <a:t>2023-04-05</a:t>
+              <a:t>2023-04-06</a:t>
             </a:fld>
             <a:endParaRPr lang="ko-KR" altLang="en-US"/>
           </a:p>
@@ -1675,7 +1682,7 @@
           <a:p>
             <a:fld id="{B3369A20-5B3D-4D98-A822-26B93D177A40}" type="datetime1">
               <a:rPr lang="ko-KR" altLang="en-US" smtClean="0"/>
-              <a:t>2023-04-05</a:t>
+              <a:t>2023-04-06</a:t>
             </a:fld>
             <a:endParaRPr lang="ko-KR" altLang="en-US"/>
           </a:p>
@@ -1963,7 +1970,7 @@
           <a:p>
             <a:fld id="{685CD4CE-9E43-4F70-A9D8-A2130CA7D92A}" type="datetime1">
               <a:rPr lang="ko-KR" altLang="en-US" smtClean="0"/>
-              <a:t>2023-04-05</a:t>
+              <a:t>2023-04-06</a:t>
             </a:fld>
             <a:endParaRPr lang="ko-KR" altLang="en-US"/>
           </a:p>
@@ -2385,7 +2392,7 @@
           <a:p>
             <a:fld id="{F752BD92-DA3E-4A0B-90C9-7DE5E15B6E96}" type="datetime1">
               <a:rPr lang="ko-KR" altLang="en-US" smtClean="0"/>
-              <a:t>2023-04-05</a:t>
+              <a:t>2023-04-06</a:t>
             </a:fld>
             <a:endParaRPr lang="ko-KR" altLang="en-US"/>
           </a:p>
@@ -2503,7 +2510,7 @@
           <a:p>
             <a:fld id="{8EA2B83A-F366-424E-B742-340ACF856BB5}" type="datetime1">
               <a:rPr lang="ko-KR" altLang="en-US" smtClean="0"/>
-              <a:t>2023-04-05</a:t>
+              <a:t>2023-04-06</a:t>
             </a:fld>
             <a:endParaRPr lang="ko-KR" altLang="en-US"/>
           </a:p>
@@ -2598,7 +2605,7 @@
           <a:p>
             <a:fld id="{9A49D68B-5DBD-48E9-A8D4-FCBC4B3DD9C6}" type="datetime1">
               <a:rPr lang="ko-KR" altLang="en-US" smtClean="0"/>
-              <a:t>2023-04-05</a:t>
+              <a:t>2023-04-06</a:t>
             </a:fld>
             <a:endParaRPr lang="ko-KR" altLang="en-US"/>
           </a:p>
@@ -2875,7 +2882,7 @@
           <a:p>
             <a:fld id="{4CAB534F-7D16-467B-9320-91F98915D181}" type="datetime1">
               <a:rPr lang="ko-KR" altLang="en-US" smtClean="0"/>
-              <a:t>2023-04-05</a:t>
+              <a:t>2023-04-06</a:t>
             </a:fld>
             <a:endParaRPr lang="ko-KR" altLang="en-US"/>
           </a:p>
@@ -3128,7 +3135,7 @@
           <a:p>
             <a:fld id="{A390A91F-2F8D-4486-A69D-D680F95444B0}" type="datetime1">
               <a:rPr lang="ko-KR" altLang="en-US" smtClean="0"/>
-              <a:t>2023-04-05</a:t>
+              <a:t>2023-04-06</a:t>
             </a:fld>
             <a:endParaRPr lang="ko-KR" altLang="en-US"/>
           </a:p>
@@ -3308,7 +3315,7 @@
           <a:p>
             <a:fld id="{2238BBEA-E8DD-414A-BF68-FC2AFA7CFF2D}" type="datetime1">
               <a:rPr lang="ko-KR" altLang="en-US" smtClean="0"/>
-              <a:t>2023-04-05</a:t>
+              <a:t>2023-04-06</a:t>
             </a:fld>
             <a:endParaRPr lang="ko-KR" altLang="en-US"/>
           </a:p>
@@ -9069,8 +9076,8 @@
         </p:nvSpPr>
         <p:spPr>
           <a:xfrm>
-            <a:off x="1136576" y="1362834"/>
-            <a:ext cx="4752528" cy="553998"/>
+            <a:off x="1341998" y="1340768"/>
+            <a:ext cx="4752528" cy="494494"/>
           </a:xfrm>
           <a:prstGeom prst="rect">
             <a:avLst/>
@@ -9083,23 +9090,18 @@
           </a:bodyPr>
           <a:lstStyle/>
           <a:p>
-            <a:pPr>
+            <a:pPr marL="342900" indent="-342900">
               <a:lnSpc>
                 <a:spcPct val="150000"/>
               </a:lnSpc>
+              <a:buFont typeface="Wingdings" panose="05000000000000000000" pitchFamily="2" charset="2"/>
+              <a:buChar char="Ø"/>
             </a:pPr>
             <a:r>
               <a:rPr lang="ko-KR" altLang="en-US" sz="2000" b="1" dirty="0" smtClean="0"/>
-              <a:t>정규 </a:t>
-            </a:r>
-            <a:r>
-              <a:rPr lang="ko-KR" altLang="en-US" sz="2000" b="1" dirty="0" err="1" smtClean="0"/>
-              <a:t>표현식</a:t>
-            </a:r>
-            <a:r>
-              <a:rPr lang="en-US" altLang="ko-KR" sz="2000" b="1" dirty="0" smtClean="0"/>
-              <a:t>(Regular Expression)</a:t>
-            </a:r>
+              <a:t>메타 문자표</a:t>
+            </a:r>
+            <a:endParaRPr lang="en-US" altLang="ko-KR" sz="2000" b="1" dirty="0" smtClean="0"/>
           </a:p>
         </p:txBody>
       </p:sp>
@@ -9768,34 +9770,54 @@
       </p:grpSpPr>
       <p:sp>
         <p:nvSpPr>
-          <p:cNvPr id="2" name="제목 1"/>
-          <p:cNvSpPr>
-            <a:spLocks noGrp="1"/>
-          </p:cNvSpPr>
-          <p:nvPr>
-            <p:ph type="title"/>
-          </p:nvPr>
-        </p:nvSpPr>
-        <p:spPr>
-          <a:xfrm>
-            <a:off x="416497" y="197768"/>
+          <p:cNvPr id="6" name="제목 1"/>
+          <p:cNvSpPr txBox="1">
+            <a:spLocks/>
+          </p:cNvSpPr>
+          <p:nvPr/>
+        </p:nvSpPr>
+        <p:spPr>
+          <a:xfrm>
+            <a:off x="128464" y="341784"/>
             <a:ext cx="6412780" cy="854968"/>
           </a:xfrm>
+          <a:prstGeom prst="rect">
+            <a:avLst/>
+          </a:prstGeom>
         </p:spPr>
         <p:txBody>
           <a:bodyPr>
             <a:noAutofit/>
           </a:bodyPr>
-          <a:lstStyle/>
+          <a:lstStyle>
+            <a:lvl1pPr algn="l" defTabSz="914400" rtl="0" eaLnBrk="1" latinLnBrk="1" hangingPunct="1">
+              <a:spcBef>
+                <a:spcPct val="0"/>
+              </a:spcBef>
+              <a:buNone/>
+              <a:defRPr sz="3200" kern="1200">
+                <a:solidFill>
+                  <a:sysClr val="windowText" lastClr="000000"/>
+                </a:solidFill>
+                <a:latin typeface="휴먼엑스포" panose="02030504000101010101" pitchFamily="18" charset="-127"/>
+                <a:ea typeface="휴먼엑스포" panose="02030504000101010101" pitchFamily="18" charset="-127"/>
+                <a:cs typeface="+mj-cs"/>
+              </a:defRPr>
+            </a:lvl1pPr>
+          </a:lstStyle>
           <a:p>
             <a:pPr algn="ctr"/>
             <a:r>
               <a:rPr lang="ko-KR" altLang="en-US" sz="2800" dirty="0" smtClean="0"/>
-              <a:t>유효성 검사</a:t>
-            </a:r>
-            <a:r>
-              <a:rPr lang="en-US" altLang="ko-KR" sz="2800" dirty="0" smtClean="0"/>
-              <a:t>(validation)</a:t>
+              <a:t>정규 </a:t>
+            </a:r>
+            <a:r>
+              <a:rPr lang="ko-KR" altLang="en-US" sz="2800" dirty="0" err="1" smtClean="0"/>
+              <a:t>표현식과</a:t>
+            </a:r>
+            <a:r>
+              <a:rPr lang="ko-KR" altLang="en-US" sz="2800" dirty="0" smtClean="0"/>
+              <a:t> 유효성 검사</a:t>
             </a:r>
             <a:endParaRPr lang="ko-KR" altLang="en-US" sz="2800" dirty="0"/>
           </a:p>
@@ -9803,43 +9825,36 @@
       </p:sp>
       <p:sp>
         <p:nvSpPr>
-          <p:cNvPr id="4" name="슬라이드 번호 개체 틀 3"/>
-          <p:cNvSpPr>
-            <a:spLocks noGrp="1"/>
-          </p:cNvSpPr>
-          <p:nvPr>
-            <p:ph type="sldNum" sz="quarter" idx="12"/>
-          </p:nvPr>
-        </p:nvSpPr>
-        <p:spPr/>
-        <p:txBody>
-          <a:bodyPr/>
-          <a:lstStyle/>
-          <a:p>
-            <a:fld id="{1BDE3FE7-3AEA-4B05-AC5A-802D1816ACF0}" type="slidenum">
-              <a:rPr lang="ko-KR" altLang="en-US" smtClean="0"/>
-              <a:t>31</a:t>
-            </a:fld>
-            <a:endParaRPr lang="ko-KR" altLang="en-US"/>
-          </a:p>
-        </p:txBody>
-      </p:sp>
-      <p:sp>
-        <p:nvSpPr>
-          <p:cNvPr id="8" name="TextBox 7"/>
+          <p:cNvPr id="7" name="TextBox 6"/>
           <p:cNvSpPr txBox="1"/>
           <p:nvPr/>
         </p:nvSpPr>
         <p:spPr>
           <a:xfrm>
-            <a:off x="920551" y="1196752"/>
-            <a:ext cx="8568953" cy="553998"/>
+            <a:off x="1053708" y="1412776"/>
+            <a:ext cx="5411459" cy="454292"/>
           </a:xfrm>
           <a:prstGeom prst="rect">
             <a:avLst/>
           </a:prstGeom>
-          <a:noFill/>
-        </p:spPr>
+          <a:ln>
+            <a:noFill/>
+          </a:ln>
+        </p:spPr>
+        <p:style>
+          <a:lnRef idx="2">
+            <a:schemeClr val="dk1"/>
+          </a:lnRef>
+          <a:fillRef idx="1">
+            <a:schemeClr val="lt1"/>
+          </a:fillRef>
+          <a:effectRef idx="0">
+            <a:schemeClr val="dk1"/>
+          </a:effectRef>
+          <a:fontRef idx="minor">
+            <a:schemeClr val="dk1"/>
+          </a:fontRef>
+        </p:style>
         <p:txBody>
           <a:bodyPr wrap="square" rtlCol="0">
             <a:spAutoFit/>
@@ -9851,59 +9866,44 @@
                 <a:spcPct val="150000"/>
               </a:lnSpc>
               <a:buFont typeface="Wingdings" panose="05000000000000000000" pitchFamily="2" charset="2"/>
-              <a:buChar char="l"/>
+              <a:buChar char="u"/>
             </a:pPr>
             <a:r>
-              <a:rPr lang="en-US" altLang="ko-KR" dirty="0" smtClean="0"/>
-              <a:t> </a:t>
-            </a:r>
-            <a:r>
-              <a:rPr lang="en-US" altLang="ko-KR" sz="2000" b="1" dirty="0" smtClean="0"/>
-              <a:t>test() </a:t>
-            </a:r>
-            <a:r>
-              <a:rPr lang="ko-KR" altLang="en-US" sz="2000" b="1" dirty="0" smtClean="0"/>
-              <a:t>함수 </a:t>
-            </a:r>
-            <a:r>
-              <a:rPr lang="en-US" altLang="ko-KR" sz="2000" b="1" dirty="0" smtClean="0"/>
-              <a:t>: </a:t>
-            </a:r>
-            <a:r>
-              <a:rPr lang="ko-KR" altLang="en-US" sz="2000" b="1" dirty="0" smtClean="0"/>
-              <a:t>매개 문자가 정규 </a:t>
-            </a:r>
-            <a:r>
-              <a:rPr lang="ko-KR" altLang="en-US" sz="2000" b="1" dirty="0" err="1" smtClean="0"/>
-              <a:t>표현식과</a:t>
-            </a:r>
-            <a:r>
-              <a:rPr lang="ko-KR" altLang="en-US" sz="2000" b="1" dirty="0" smtClean="0"/>
-              <a:t> 일치하면 </a:t>
-            </a:r>
-            <a:r>
-              <a:rPr lang="en-US" altLang="ko-KR" sz="2000" b="1" dirty="0" smtClean="0"/>
-              <a:t>true, </a:t>
-            </a:r>
-            <a:r>
-              <a:rPr lang="ko-KR" altLang="en-US" sz="2000" b="1" dirty="0" smtClean="0"/>
-              <a:t>아니면 </a:t>
-            </a:r>
-            <a:r>
-              <a:rPr lang="en-US" altLang="ko-KR" sz="2000" b="1" dirty="0" smtClean="0"/>
-              <a:t>false</a:t>
-            </a:r>
-            <a:r>
-              <a:rPr lang="ko-KR" altLang="en-US" sz="2000" b="1" dirty="0" smtClean="0"/>
-              <a:t> </a:t>
-            </a:r>
-            <a:endParaRPr lang="en-US" altLang="ko-KR" sz="2400" b="1" dirty="0" smtClean="0"/>
+              <a:rPr lang="ko-KR" altLang="en-US" b="1" dirty="0" smtClean="0">
+                <a:latin typeface="+mn-ea"/>
+              </a:rPr>
+              <a:t> 정규 </a:t>
+            </a:r>
+            <a:r>
+              <a:rPr lang="ko-KR" altLang="en-US" b="1" dirty="0" err="1" smtClean="0">
+                <a:latin typeface="+mn-ea"/>
+              </a:rPr>
+              <a:t>표현식</a:t>
+            </a:r>
+            <a:r>
+              <a:rPr lang="ko-KR" altLang="en-US" b="1" dirty="0" smtClean="0">
+                <a:latin typeface="+mn-ea"/>
+              </a:rPr>
+              <a:t> 실습 </a:t>
+            </a:r>
+            <a:r>
+              <a:rPr lang="en-US" altLang="ko-KR" b="1" dirty="0" smtClean="0">
+                <a:latin typeface="+mn-ea"/>
+              </a:rPr>
+              <a:t>– www.regexr.com</a:t>
+            </a:r>
+            <a:endParaRPr lang="en-US" altLang="ko-KR" b="1" dirty="0" smtClean="0">
+              <a:solidFill>
+                <a:srgbClr val="C00000"/>
+              </a:solidFill>
+              <a:latin typeface="+mn-ea"/>
+            </a:endParaRPr>
           </a:p>
         </p:txBody>
       </p:sp>
       <p:pic>
         <p:nvPicPr>
-          <p:cNvPr id="3" name="그림 2"/>
+          <p:cNvPr id="9" name="그림 8"/>
           <p:cNvPicPr>
             <a:picLocks noChangeAspect="1"/>
           </p:cNvPicPr>
@@ -9923,8 +9923,8 @@
         </p:blipFill>
         <p:spPr>
           <a:xfrm>
-            <a:off x="1784647" y="1844824"/>
-            <a:ext cx="5405187" cy="4896543"/>
+            <a:off x="1280592" y="2072069"/>
+            <a:ext cx="1697371" cy="2395769"/>
           </a:xfrm>
           <a:prstGeom prst="rect">
             <a:avLst/>
@@ -9932,7 +9932,273 @@
           <a:ln>
             <a:solidFill>
               <a:schemeClr val="bg1">
-                <a:lumMod val="85000"/>
+                <a:lumMod val="75000"/>
+              </a:schemeClr>
+            </a:solidFill>
+          </a:ln>
+        </p:spPr>
+      </p:pic>
+      <p:pic>
+        <p:nvPicPr>
+          <p:cNvPr id="10" name="그림 9"/>
+          <p:cNvPicPr>
+            <a:picLocks noChangeAspect="1"/>
+          </p:cNvPicPr>
+          <p:nvPr/>
+        </p:nvPicPr>
+        <p:blipFill>
+          <a:blip r:embed="rId3">
+            <a:extLst>
+              <a:ext uri="{28A0092B-C50C-407E-A947-70E740481C1C}">
+                <a14:useLocalDpi xmlns:a14="http://schemas.microsoft.com/office/drawing/2010/main" val="0"/>
+              </a:ext>
+            </a:extLst>
+          </a:blip>
+          <a:stretch>
+            <a:fillRect/>
+          </a:stretch>
+        </p:blipFill>
+        <p:spPr>
+          <a:xfrm>
+            <a:off x="3202955" y="2072069"/>
+            <a:ext cx="1800476" cy="2395770"/>
+          </a:xfrm>
+          <a:prstGeom prst="rect">
+            <a:avLst/>
+          </a:prstGeom>
+          <a:ln>
+            <a:solidFill>
+              <a:schemeClr val="bg1">
+                <a:lumMod val="75000"/>
+              </a:schemeClr>
+            </a:solidFill>
+          </a:ln>
+        </p:spPr>
+      </p:pic>
+      <p:pic>
+        <p:nvPicPr>
+          <p:cNvPr id="11" name="그림 10"/>
+          <p:cNvPicPr>
+            <a:picLocks noChangeAspect="1"/>
+          </p:cNvPicPr>
+          <p:nvPr/>
+        </p:nvPicPr>
+        <p:blipFill rotWithShape="1">
+          <a:blip r:embed="rId4">
+            <a:extLst>
+              <a:ext uri="{28A0092B-C50C-407E-A947-70E740481C1C}">
+                <a14:useLocalDpi xmlns:a14="http://schemas.microsoft.com/office/drawing/2010/main" val="0"/>
+              </a:ext>
+            </a:extLst>
+          </a:blip>
+          <a:srcRect t="15778"/>
+          <a:stretch/>
+        </p:blipFill>
+        <p:spPr>
+          <a:xfrm>
+            <a:off x="5228423" y="2072069"/>
+            <a:ext cx="1872208" cy="2395770"/>
+          </a:xfrm>
+          <a:prstGeom prst="rect">
+            <a:avLst/>
+          </a:prstGeom>
+          <a:ln>
+            <a:solidFill>
+              <a:schemeClr val="bg1">
+                <a:lumMod val="75000"/>
+              </a:schemeClr>
+            </a:solidFill>
+          </a:ln>
+        </p:spPr>
+      </p:pic>
+      <p:sp>
+        <p:nvSpPr>
+          <p:cNvPr id="12" name="TextBox 11"/>
+          <p:cNvSpPr txBox="1"/>
+          <p:nvPr/>
+        </p:nvSpPr>
+        <p:spPr>
+          <a:xfrm>
+            <a:off x="1280592" y="4606403"/>
+            <a:ext cx="1697371" cy="338554"/>
+          </a:xfrm>
+          <a:prstGeom prst="rect">
+            <a:avLst/>
+          </a:prstGeom>
+          <a:noFill/>
+          <a:ln>
+            <a:noFill/>
+          </a:ln>
+        </p:spPr>
+        <p:txBody>
+          <a:bodyPr wrap="square" rtlCol="0">
+            <a:spAutoFit/>
+          </a:bodyPr>
+          <a:lstStyle/>
+          <a:p>
+            <a:r>
+              <a:rPr lang="en-US" altLang="ko-KR" sz="1600" dirty="0" err="1" smtClean="0"/>
+              <a:t>abcde</a:t>
+            </a:r>
+            <a:r>
+              <a:rPr lang="ko-KR" altLang="en-US" sz="1600" dirty="0" smtClean="0"/>
+              <a:t>와 일치</a:t>
+            </a:r>
+            <a:endParaRPr lang="ko-KR" altLang="en-US" sz="1600" dirty="0"/>
+          </a:p>
+        </p:txBody>
+      </p:sp>
+      <p:sp>
+        <p:nvSpPr>
+          <p:cNvPr id="13" name="TextBox 12"/>
+          <p:cNvSpPr txBox="1"/>
+          <p:nvPr/>
+        </p:nvSpPr>
+        <p:spPr>
+          <a:xfrm>
+            <a:off x="3202955" y="4606403"/>
+            <a:ext cx="1697371" cy="338554"/>
+          </a:xfrm>
+          <a:prstGeom prst="rect">
+            <a:avLst/>
+          </a:prstGeom>
+          <a:noFill/>
+          <a:ln>
+            <a:noFill/>
+          </a:ln>
+        </p:spPr>
+        <p:txBody>
+          <a:bodyPr wrap="square" rtlCol="0">
+            <a:spAutoFit/>
+          </a:bodyPr>
+          <a:lstStyle/>
+          <a:p>
+            <a:r>
+              <a:rPr lang="en-US" altLang="ko-KR" sz="1600" dirty="0" err="1" smtClean="0"/>
+              <a:t>abcde</a:t>
+            </a:r>
+            <a:r>
+              <a:rPr lang="ko-KR" altLang="en-US" sz="1600" dirty="0" smtClean="0"/>
+              <a:t>와 일치</a:t>
+            </a:r>
+            <a:endParaRPr lang="ko-KR" altLang="en-US" sz="1600" dirty="0"/>
+          </a:p>
+        </p:txBody>
+      </p:sp>
+      <p:sp>
+        <p:nvSpPr>
+          <p:cNvPr id="14" name="TextBox 13"/>
+          <p:cNvSpPr txBox="1"/>
+          <p:nvPr/>
+        </p:nvSpPr>
+        <p:spPr>
+          <a:xfrm>
+            <a:off x="5078102" y="4606403"/>
+            <a:ext cx="2172849" cy="338554"/>
+          </a:xfrm>
+          <a:prstGeom prst="rect">
+            <a:avLst/>
+          </a:prstGeom>
+          <a:noFill/>
+          <a:ln>
+            <a:noFill/>
+          </a:ln>
+        </p:spPr>
+        <p:txBody>
+          <a:bodyPr wrap="square" rtlCol="0">
+            <a:spAutoFit/>
+          </a:bodyPr>
+          <a:lstStyle/>
+          <a:p>
+            <a:r>
+              <a:rPr lang="en-US" altLang="ko-KR" sz="1600" dirty="0" err="1" smtClean="0"/>
+              <a:t>abcde</a:t>
+            </a:r>
+            <a:r>
+              <a:rPr lang="ko-KR" altLang="en-US" sz="1600" dirty="0" smtClean="0"/>
+              <a:t>가 </a:t>
+            </a:r>
+            <a:r>
+              <a:rPr lang="ko-KR" altLang="en-US" sz="1600" dirty="0" err="1" smtClean="0"/>
+              <a:t>아닐때</a:t>
+            </a:r>
+            <a:r>
+              <a:rPr lang="ko-KR" altLang="en-US" sz="1600" dirty="0" smtClean="0"/>
+              <a:t> 일치</a:t>
+            </a:r>
+            <a:endParaRPr lang="ko-KR" altLang="en-US" sz="1600" dirty="0"/>
+          </a:p>
+        </p:txBody>
+      </p:sp>
+      <p:sp>
+        <p:nvSpPr>
+          <p:cNvPr id="15" name="TextBox 14"/>
+          <p:cNvSpPr txBox="1"/>
+          <p:nvPr/>
+        </p:nvSpPr>
+        <p:spPr>
+          <a:xfrm>
+            <a:off x="7325624" y="4606403"/>
+            <a:ext cx="1810003" cy="338554"/>
+          </a:xfrm>
+          <a:prstGeom prst="rect">
+            <a:avLst/>
+          </a:prstGeom>
+          <a:noFill/>
+          <a:ln>
+            <a:noFill/>
+          </a:ln>
+        </p:spPr>
+        <p:txBody>
+          <a:bodyPr wrap="square" rtlCol="0">
+            <a:spAutoFit/>
+          </a:bodyPr>
+          <a:lstStyle/>
+          <a:p>
+            <a:r>
+              <a:rPr lang="en-US" altLang="ko-KR" sz="1600" dirty="0" smtClean="0"/>
+              <a:t>A1~F9</a:t>
+            </a:r>
+            <a:r>
+              <a:rPr lang="ko-KR" altLang="en-US" sz="1600" dirty="0" smtClean="0"/>
+              <a:t>와 일치</a:t>
+            </a:r>
+            <a:endParaRPr lang="ko-KR" altLang="en-US" sz="1600" dirty="0"/>
+          </a:p>
+        </p:txBody>
+      </p:sp>
+      <p:pic>
+        <p:nvPicPr>
+          <p:cNvPr id="16" name="그림 15"/>
+          <p:cNvPicPr>
+            <a:picLocks noChangeAspect="1"/>
+          </p:cNvPicPr>
+          <p:nvPr/>
+        </p:nvPicPr>
+        <p:blipFill>
+          <a:blip r:embed="rId5">
+            <a:extLst>
+              <a:ext uri="{28A0092B-C50C-407E-A947-70E740481C1C}">
+                <a14:useLocalDpi xmlns:a14="http://schemas.microsoft.com/office/drawing/2010/main" val="0"/>
+              </a:ext>
+            </a:extLst>
+          </a:blip>
+          <a:stretch>
+            <a:fillRect/>
+          </a:stretch>
+        </p:blipFill>
+        <p:spPr>
+          <a:xfrm>
+            <a:off x="7325624" y="2072070"/>
+            <a:ext cx="1810003" cy="2395769"/>
+          </a:xfrm>
+          <a:prstGeom prst="rect">
+            <a:avLst/>
+          </a:prstGeom>
+          <a:ln>
+            <a:solidFill>
+              <a:schemeClr val="bg1">
+                <a:lumMod val="75000"/>
               </a:schemeClr>
             </a:solidFill>
           </a:ln>
@@ -9941,7 +10207,7 @@
     </p:spTree>
     <p:extLst>
       <p:ext uri="{BB962C8B-B14F-4D97-AF65-F5344CB8AC3E}">
-        <p14:creationId xmlns:p14="http://schemas.microsoft.com/office/powerpoint/2010/main" val="1764223717"/>
+        <p14:creationId xmlns:p14="http://schemas.microsoft.com/office/powerpoint/2010/main" val="1875700875"/>
       </p:ext>
     </p:extLst>
   </p:cSld>
@@ -10000,11 +10266,7 @@
             <a:pPr algn="ctr"/>
             <a:r>
               <a:rPr lang="ko-KR" altLang="en-US" sz="2800" dirty="0" smtClean="0"/>
-              <a:t>유효성 검사</a:t>
-            </a:r>
-            <a:r>
-              <a:rPr lang="en-US" altLang="ko-KR" sz="2800" dirty="0" smtClean="0"/>
-              <a:t>(validation)</a:t>
+              <a:t>정규 표현식</a:t>
             </a:r>
             <a:endParaRPr lang="ko-KR" altLang="en-US" sz="2800" dirty="0"/>
           </a:p>
@@ -10035,14 +10297,14 @@
       </p:sp>
       <p:sp>
         <p:nvSpPr>
-          <p:cNvPr id="8" name="TextBox 7"/>
+          <p:cNvPr id="7" name="TextBox 6"/>
           <p:cNvSpPr txBox="1"/>
           <p:nvPr/>
         </p:nvSpPr>
         <p:spPr>
           <a:xfrm>
-            <a:off x="920551" y="1196752"/>
-            <a:ext cx="3456385" cy="454292"/>
+            <a:off x="1136576" y="1362834"/>
+            <a:ext cx="4680520" cy="553998"/>
           </a:xfrm>
           <a:prstGeom prst="rect">
             <a:avLst/>
@@ -10055,28 +10317,28 @@
           </a:bodyPr>
           <a:lstStyle/>
           <a:p>
-            <a:pPr marL="285750" indent="-285750">
+            <a:pPr marL="342900" indent="-342900">
               <a:lnSpc>
                 <a:spcPct val="150000"/>
               </a:lnSpc>
               <a:buFont typeface="Wingdings" panose="05000000000000000000" pitchFamily="2" charset="2"/>
-              <a:buChar char="l"/>
+              <a:buChar char="Ø"/>
             </a:pPr>
             <a:r>
-              <a:rPr lang="en-US" altLang="ko-KR" dirty="0" smtClean="0"/>
-              <a:t> </a:t>
-            </a:r>
-            <a:r>
-              <a:rPr lang="ko-KR" altLang="en-US" dirty="0" smtClean="0"/>
-              <a:t>회원 가입 유효성 검사</a:t>
-            </a:r>
-            <a:endParaRPr lang="en-US" altLang="ko-KR" sz="2400" b="1" dirty="0" smtClean="0"/>
+              <a:rPr lang="ko-KR" altLang="en-US" sz="2000" b="1" dirty="0" smtClean="0"/>
+              <a:t>정규 표현식</a:t>
+            </a:r>
+            <a:r>
+              <a:rPr lang="en-US" altLang="ko-KR" sz="2000" b="1" dirty="0" smtClean="0"/>
+              <a:t>(Regular Expression)</a:t>
+            </a:r>
+            <a:endParaRPr lang="en-US" altLang="ko-KR" sz="2000" b="1" dirty="0" smtClean="0"/>
           </a:p>
         </p:txBody>
       </p:sp>
       <p:pic>
         <p:nvPicPr>
-          <p:cNvPr id="5" name="그림 4"/>
+          <p:cNvPr id="10" name="그림 9"/>
           <p:cNvPicPr>
             <a:picLocks noChangeAspect="1"/>
           </p:cNvPicPr>
@@ -10096,8 +10358,8 @@
         </p:blipFill>
         <p:spPr>
           <a:xfrm>
-            <a:off x="2144688" y="1844824"/>
-            <a:ext cx="4732430" cy="4244708"/>
+            <a:off x="1640632" y="2996952"/>
+            <a:ext cx="5578323" cy="3170195"/>
           </a:xfrm>
           <a:prstGeom prst="rect">
             <a:avLst/>
@@ -10111,10 +10373,109 @@
           </a:ln>
         </p:spPr>
       </p:pic>
+      <p:sp>
+        <p:nvSpPr>
+          <p:cNvPr id="12" name="TextBox 11"/>
+          <p:cNvSpPr txBox="1"/>
+          <p:nvPr/>
+        </p:nvSpPr>
+        <p:spPr>
+          <a:xfrm>
+            <a:off x="1327440" y="1870455"/>
+            <a:ext cx="7516386" cy="923330"/>
+          </a:xfrm>
+          <a:prstGeom prst="rect">
+            <a:avLst/>
+          </a:prstGeom>
+          <a:noFill/>
+        </p:spPr>
+        <p:txBody>
+          <a:bodyPr wrap="square" rtlCol="0">
+            <a:spAutoFit/>
+          </a:bodyPr>
+          <a:lstStyle/>
+          <a:p>
+            <a:pPr>
+              <a:lnSpc>
+                <a:spcPct val="150000"/>
+              </a:lnSpc>
+            </a:pPr>
+            <a:r>
+              <a:rPr lang="en-US" altLang="ko-KR" sz="1600" dirty="0"/>
+              <a:t> </a:t>
+            </a:r>
+            <a:r>
+              <a:rPr lang="en-US" altLang="ko-KR" sz="1600" dirty="0" smtClean="0"/>
+              <a:t> </a:t>
+            </a:r>
+            <a:r>
+              <a:rPr lang="en-US" altLang="ko-KR" dirty="0" smtClean="0"/>
+              <a:t>/</a:t>
+            </a:r>
+            <a:r>
+              <a:rPr lang="ko-KR" altLang="en-US" dirty="0" smtClean="0"/>
+              <a:t>찾는 문자</a:t>
+            </a:r>
+            <a:r>
+              <a:rPr lang="en-US" altLang="ko-KR" dirty="0" smtClean="0"/>
+              <a:t>/ - </a:t>
+            </a:r>
+            <a:r>
+              <a:rPr lang="ko-KR" altLang="en-US" dirty="0" smtClean="0"/>
+              <a:t>대소문자 구분</a:t>
+            </a:r>
+            <a:r>
+              <a:rPr lang="ko-KR" altLang="en-US" dirty="0"/>
+              <a:t>함</a:t>
+            </a:r>
+            <a:endParaRPr lang="en-US" altLang="ko-KR" dirty="0" smtClean="0"/>
+          </a:p>
+          <a:p>
+            <a:pPr>
+              <a:lnSpc>
+                <a:spcPct val="150000"/>
+              </a:lnSpc>
+            </a:pPr>
+            <a:r>
+              <a:rPr lang="en-US" altLang="ko-KR" dirty="0"/>
+              <a:t> </a:t>
+            </a:r>
+            <a:r>
+              <a:rPr lang="en-US" altLang="ko-KR" dirty="0" smtClean="0"/>
+              <a:t> /</a:t>
+            </a:r>
+            <a:r>
+              <a:rPr lang="ko-KR" altLang="en-US" dirty="0"/>
+              <a:t>찾는 문자</a:t>
+            </a:r>
+            <a:r>
+              <a:rPr lang="en-US" altLang="ko-KR" dirty="0" smtClean="0"/>
+              <a:t>/</a:t>
+            </a:r>
+            <a:r>
+              <a:rPr lang="en-US" altLang="ko-KR" dirty="0" err="1" smtClean="0"/>
+              <a:t>i</a:t>
+            </a:r>
+            <a:r>
+              <a:rPr lang="en-US" altLang="ko-KR" dirty="0" smtClean="0"/>
+              <a:t> </a:t>
+            </a:r>
+            <a:r>
+              <a:rPr lang="en-US" altLang="ko-KR" dirty="0"/>
+              <a:t>- </a:t>
+            </a:r>
+            <a:r>
+              <a:rPr lang="ko-KR" altLang="en-US" dirty="0"/>
+              <a:t>대소문자 구분하지 않음</a:t>
+            </a:r>
+            <a:endParaRPr lang="en-US" altLang="ko-KR" dirty="0" smtClean="0"/>
+          </a:p>
+        </p:txBody>
+      </p:sp>
     </p:spTree>
     <p:extLst>
       <p:ext uri="{BB962C8B-B14F-4D97-AF65-F5344CB8AC3E}">
-        <p14:creationId xmlns:p14="http://schemas.microsoft.com/office/powerpoint/2010/main" val="2231395217"/>
+        <p14:creationId xmlns:p14="http://schemas.microsoft.com/office/powerpoint/2010/main" val="1764223717"/>
       </p:ext>
     </p:extLst>
   </p:cSld>
@@ -10172,12 +10533,8 @@
           <a:p>
             <a:pPr algn="ctr"/>
             <a:r>
-              <a:rPr lang="ko-KR" altLang="en-US" sz="2800" dirty="0" err="1" smtClean="0"/>
-              <a:t>입력값</a:t>
-            </a:r>
-            <a:r>
               <a:rPr lang="ko-KR" altLang="en-US" sz="2800" dirty="0" smtClean="0"/>
-              <a:t> 검증 프로그램</a:t>
+              <a:t>정규 표현식</a:t>
             </a:r>
             <a:endParaRPr lang="ko-KR" altLang="en-US" sz="2800" dirty="0"/>
           </a:p>
@@ -10206,9 +10563,137 @@
           </a:p>
         </p:txBody>
       </p:sp>
+      <p:sp>
+        <p:nvSpPr>
+          <p:cNvPr id="7" name="TextBox 6"/>
+          <p:cNvSpPr txBox="1"/>
+          <p:nvPr/>
+        </p:nvSpPr>
+        <p:spPr>
+          <a:xfrm>
+            <a:off x="1136576" y="1362834"/>
+            <a:ext cx="2376264" cy="494494"/>
+          </a:xfrm>
+          <a:prstGeom prst="rect">
+            <a:avLst/>
+          </a:prstGeom>
+          <a:noFill/>
+        </p:spPr>
+        <p:txBody>
+          <a:bodyPr wrap="square" rtlCol="0">
+            <a:spAutoFit/>
+          </a:bodyPr>
+          <a:lstStyle/>
+          <a:p>
+            <a:pPr marL="342900" indent="-342900">
+              <a:lnSpc>
+                <a:spcPct val="150000"/>
+              </a:lnSpc>
+              <a:buFont typeface="Wingdings" panose="05000000000000000000" pitchFamily="2" charset="2"/>
+              <a:buChar char="Ø"/>
+            </a:pPr>
+            <a:r>
+              <a:rPr lang="en-US" altLang="ko-KR" sz="2000" b="1" dirty="0" err="1" smtClean="0"/>
+              <a:t>RegExp</a:t>
+            </a:r>
+            <a:r>
+              <a:rPr lang="en-US" altLang="ko-KR" sz="2000" b="1" dirty="0" smtClean="0"/>
+              <a:t> </a:t>
+            </a:r>
+            <a:r>
+              <a:rPr lang="ko-KR" altLang="en-US" sz="2000" b="1" dirty="0" smtClean="0"/>
+              <a:t>객체</a:t>
+            </a:r>
+            <a:endParaRPr lang="en-US" altLang="ko-KR" sz="2000" b="1" dirty="0" smtClean="0"/>
+          </a:p>
+        </p:txBody>
+      </p:sp>
+      <p:sp>
+        <p:nvSpPr>
+          <p:cNvPr id="9" name="TextBox 8"/>
+          <p:cNvSpPr txBox="1"/>
+          <p:nvPr/>
+        </p:nvSpPr>
+        <p:spPr>
+          <a:xfrm>
+            <a:off x="1327440" y="1870455"/>
+            <a:ext cx="7516386" cy="454292"/>
+          </a:xfrm>
+          <a:prstGeom prst="rect">
+            <a:avLst/>
+          </a:prstGeom>
+          <a:noFill/>
+        </p:spPr>
+        <p:txBody>
+          <a:bodyPr wrap="square" rtlCol="0">
+            <a:spAutoFit/>
+          </a:bodyPr>
+          <a:lstStyle/>
+          <a:p>
+            <a:pPr>
+              <a:lnSpc>
+                <a:spcPct val="150000"/>
+              </a:lnSpc>
+            </a:pPr>
+            <a:r>
+              <a:rPr lang="en-US" altLang="ko-KR" sz="1600" dirty="0"/>
+              <a:t> </a:t>
+            </a:r>
+            <a:r>
+              <a:rPr lang="en-US" altLang="ko-KR" sz="1600" dirty="0" smtClean="0"/>
+              <a:t> </a:t>
+            </a:r>
+            <a:r>
+              <a:rPr lang="en-US" altLang="ko-KR" dirty="0" smtClean="0"/>
+              <a:t>test</a:t>
+            </a:r>
+            <a:r>
+              <a:rPr lang="en-US" altLang="ko-KR" dirty="0" smtClean="0"/>
+              <a:t>() </a:t>
+            </a:r>
+            <a:r>
+              <a:rPr lang="ko-KR" altLang="en-US" dirty="0" smtClean="0"/>
+              <a:t>함수 </a:t>
+            </a:r>
+            <a:r>
+              <a:rPr lang="en-US" altLang="ko-KR" dirty="0" smtClean="0"/>
+              <a:t>: </a:t>
+            </a:r>
+            <a:r>
+              <a:rPr lang="ko-KR" altLang="en-US" dirty="0" smtClean="0"/>
+              <a:t>매개 문자가 정규 </a:t>
+            </a:r>
+            <a:r>
+              <a:rPr lang="ko-KR" altLang="en-US" dirty="0" err="1" smtClean="0"/>
+              <a:t>표현식과</a:t>
+            </a:r>
+            <a:r>
+              <a:rPr lang="ko-KR" altLang="en-US" dirty="0" smtClean="0"/>
+              <a:t> 일치하면 </a:t>
+            </a:r>
+            <a:r>
+              <a:rPr lang="en-US" altLang="ko-KR" dirty="0" smtClean="0"/>
+              <a:t>true, </a:t>
+            </a:r>
+            <a:r>
+              <a:rPr lang="ko-KR" altLang="en-US" dirty="0" smtClean="0"/>
+              <a:t>아니면 </a:t>
+            </a:r>
+            <a:r>
+              <a:rPr lang="en-US" altLang="ko-KR" dirty="0" smtClean="0"/>
+              <a:t>false</a:t>
+            </a:r>
+            <a:r>
+              <a:rPr lang="ko-KR" altLang="en-US" dirty="0" smtClean="0"/>
+              <a:t> </a:t>
+            </a:r>
+            <a:endParaRPr lang="en-US" altLang="ko-KR" sz="2000" dirty="0" smtClean="0"/>
+          </a:p>
+        </p:txBody>
+      </p:sp>
       <p:pic>
         <p:nvPicPr>
-          <p:cNvPr id="5" name="그림 4"/>
+          <p:cNvPr id="6" name="그림 5"/>
           <p:cNvPicPr>
             <a:picLocks noChangeAspect="1"/>
           </p:cNvPicPr>
@@ -10228,8 +10713,8 @@
         </p:blipFill>
         <p:spPr>
           <a:xfrm>
-            <a:off x="1064568" y="1802258"/>
-            <a:ext cx="8208912" cy="4219030"/>
+            <a:off x="1784648" y="2564904"/>
+            <a:ext cx="5852667" cy="3505504"/>
           </a:xfrm>
           <a:prstGeom prst="rect">
             <a:avLst/>
@@ -10243,62 +10728,10 @@
           </a:ln>
         </p:spPr>
       </p:pic>
-      <p:sp>
-        <p:nvSpPr>
-          <p:cNvPr id="6" name="TextBox 5"/>
-          <p:cNvSpPr txBox="1"/>
-          <p:nvPr/>
-        </p:nvSpPr>
-        <p:spPr>
-          <a:xfrm>
-            <a:off x="1043018" y="1292185"/>
-            <a:ext cx="1800200" cy="408623"/>
-          </a:xfrm>
-          <a:prstGeom prst="roundRect">
-            <a:avLst/>
-          </a:prstGeom>
-        </p:spPr>
-        <p:style>
-          <a:lnRef idx="2">
-            <a:schemeClr val="dk1"/>
-          </a:lnRef>
-          <a:fillRef idx="1">
-            <a:schemeClr val="lt1"/>
-          </a:fillRef>
-          <a:effectRef idx="0">
-            <a:schemeClr val="dk1"/>
-          </a:effectRef>
-          <a:fontRef idx="minor">
-            <a:schemeClr val="dk1"/>
-          </a:fontRef>
-        </p:style>
-        <p:txBody>
-          <a:bodyPr wrap="square" rtlCol="0">
-            <a:spAutoFit/>
-          </a:bodyPr>
-          <a:lstStyle/>
-          <a:p>
-            <a:pPr algn="ctr"/>
-            <a:r>
-              <a:rPr lang="en-US" altLang="ko-KR" dirty="0" smtClean="0">
-                <a:solidFill>
-                  <a:srgbClr val="C00000"/>
-                </a:solidFill>
-              </a:rPr>
-              <a:t>register.html</a:t>
-            </a:r>
-            <a:endParaRPr lang="ko-KR" altLang="en-US" dirty="0">
-              <a:solidFill>
-                <a:srgbClr val="C00000"/>
-              </a:solidFill>
-            </a:endParaRPr>
-          </a:p>
-        </p:txBody>
-      </p:sp>
     </p:spTree>
     <p:extLst>
       <p:ext uri="{BB962C8B-B14F-4D97-AF65-F5344CB8AC3E}">
-        <p14:creationId xmlns:p14="http://schemas.microsoft.com/office/powerpoint/2010/main" val="2850876510"/>
+        <p14:creationId xmlns:p14="http://schemas.microsoft.com/office/powerpoint/2010/main" val="717941752"/>
       </p:ext>
     </p:extLst>
   </p:cSld>
@@ -10356,12 +10789,8 @@
           <a:p>
             <a:pPr algn="ctr"/>
             <a:r>
-              <a:rPr lang="ko-KR" altLang="en-US" sz="2800" dirty="0" err="1" smtClean="0"/>
-              <a:t>입력값</a:t>
-            </a:r>
-            <a:r>
-              <a:rPr lang="ko-KR" altLang="en-US" sz="2800" dirty="0" smtClean="0"/>
-              <a:t> 검증 프로그램</a:t>
+              <a:rPr lang="ko-KR" altLang="en-US" sz="2800" dirty="0"/>
+              <a:t>정규 표현식</a:t>
             </a:r>
             <a:endParaRPr lang="ko-KR" altLang="en-US" sz="2800" dirty="0"/>
           </a:p>
@@ -10412,8 +10841,8 @@
         </p:blipFill>
         <p:spPr>
           <a:xfrm>
-            <a:off x="988150" y="1863833"/>
-            <a:ext cx="8253064" cy="4157455"/>
+            <a:off x="1208584" y="1916832"/>
+            <a:ext cx="7087214" cy="3467400"/>
           </a:xfrm>
           <a:prstGeom prst="rect">
             <a:avLst/>
@@ -10427,62 +10856,10 @@
           </a:ln>
         </p:spPr>
       </p:pic>
-      <p:sp>
-        <p:nvSpPr>
-          <p:cNvPr id="6" name="TextBox 5"/>
-          <p:cNvSpPr txBox="1"/>
-          <p:nvPr/>
-        </p:nvSpPr>
-        <p:spPr>
-          <a:xfrm>
-            <a:off x="971273" y="1364193"/>
-            <a:ext cx="1800200" cy="408623"/>
-          </a:xfrm>
-          <a:prstGeom prst="roundRect">
-            <a:avLst/>
-          </a:prstGeom>
-        </p:spPr>
-        <p:style>
-          <a:lnRef idx="2">
-            <a:schemeClr val="dk1"/>
-          </a:lnRef>
-          <a:fillRef idx="1">
-            <a:schemeClr val="lt1"/>
-          </a:fillRef>
-          <a:effectRef idx="0">
-            <a:schemeClr val="dk1"/>
-          </a:effectRef>
-          <a:fontRef idx="minor">
-            <a:schemeClr val="dk1"/>
-          </a:fontRef>
-        </p:style>
-        <p:txBody>
-          <a:bodyPr wrap="square" rtlCol="0">
-            <a:spAutoFit/>
-          </a:bodyPr>
-          <a:lstStyle/>
-          <a:p>
-            <a:pPr algn="ctr"/>
-            <a:r>
-              <a:rPr lang="en-US" altLang="ko-KR" dirty="0" smtClean="0">
-                <a:solidFill>
-                  <a:srgbClr val="C00000"/>
-                </a:solidFill>
-              </a:rPr>
-              <a:t>register.html</a:t>
-            </a:r>
-            <a:endParaRPr lang="ko-KR" altLang="en-US" dirty="0">
-              <a:solidFill>
-                <a:srgbClr val="C00000"/>
-              </a:solidFill>
-            </a:endParaRPr>
-          </a:p>
-        </p:txBody>
-      </p:sp>
     </p:spTree>
     <p:extLst>
       <p:ext uri="{BB962C8B-B14F-4D97-AF65-F5344CB8AC3E}">
-        <p14:creationId xmlns:p14="http://schemas.microsoft.com/office/powerpoint/2010/main" val="4220076407"/>
+        <p14:creationId xmlns:p14="http://schemas.microsoft.com/office/powerpoint/2010/main" val="2779984484"/>
       </p:ext>
     </p:extLst>
   </p:cSld>
@@ -10574,9 +10951,50 @@
           </a:p>
         </p:txBody>
       </p:sp>
+      <p:sp>
+        <p:nvSpPr>
+          <p:cNvPr id="8" name="TextBox 7"/>
+          <p:cNvSpPr txBox="1"/>
+          <p:nvPr/>
+        </p:nvSpPr>
+        <p:spPr>
+          <a:xfrm>
+            <a:off x="920551" y="1196752"/>
+            <a:ext cx="3456385" cy="454292"/>
+          </a:xfrm>
+          <a:prstGeom prst="rect">
+            <a:avLst/>
+          </a:prstGeom>
+          <a:noFill/>
+        </p:spPr>
+        <p:txBody>
+          <a:bodyPr wrap="square" rtlCol="0">
+            <a:spAutoFit/>
+          </a:bodyPr>
+          <a:lstStyle/>
+          <a:p>
+            <a:pPr marL="285750" indent="-285750">
+              <a:lnSpc>
+                <a:spcPct val="150000"/>
+              </a:lnSpc>
+              <a:buFont typeface="Wingdings" panose="05000000000000000000" pitchFamily="2" charset="2"/>
+              <a:buChar char="l"/>
+            </a:pPr>
+            <a:r>
+              <a:rPr lang="en-US" altLang="ko-KR" dirty="0" smtClean="0"/>
+              <a:t> </a:t>
+            </a:r>
+            <a:r>
+              <a:rPr lang="ko-KR" altLang="en-US" dirty="0" smtClean="0"/>
+              <a:t>회원 가입 유효성 검사</a:t>
+            </a:r>
+            <a:endParaRPr lang="en-US" altLang="ko-KR" sz="2400" b="1" dirty="0" smtClean="0"/>
+          </a:p>
+        </p:txBody>
+      </p:sp>
       <p:pic>
         <p:nvPicPr>
-          <p:cNvPr id="3" name="그림 2"/>
+          <p:cNvPr id="6" name="그림 5"/>
           <p:cNvPicPr>
             <a:picLocks noChangeAspect="1"/>
           </p:cNvPicPr>
@@ -10596,8 +11014,8 @@
         </p:blipFill>
         <p:spPr>
           <a:xfrm>
-            <a:off x="1712640" y="1201761"/>
-            <a:ext cx="5584586" cy="5179567"/>
+            <a:off x="1352600" y="2060848"/>
+            <a:ext cx="6904318" cy="2461473"/>
           </a:xfrm>
           <a:prstGeom prst="rect">
             <a:avLst/>
@@ -10611,62 +11029,10 @@
           </a:ln>
         </p:spPr>
       </p:pic>
-      <p:sp>
-        <p:nvSpPr>
-          <p:cNvPr id="7" name="TextBox 6"/>
-          <p:cNvSpPr txBox="1"/>
-          <p:nvPr/>
-        </p:nvSpPr>
-        <p:spPr>
-          <a:xfrm>
-            <a:off x="6753200" y="1631253"/>
-            <a:ext cx="1800200" cy="408623"/>
-          </a:xfrm>
-          <a:prstGeom prst="roundRect">
-            <a:avLst/>
-          </a:prstGeom>
-        </p:spPr>
-        <p:style>
-          <a:lnRef idx="2">
-            <a:schemeClr val="accent2"/>
-          </a:lnRef>
-          <a:fillRef idx="1">
-            <a:schemeClr val="lt1"/>
-          </a:fillRef>
-          <a:effectRef idx="0">
-            <a:schemeClr val="accent2"/>
-          </a:effectRef>
-          <a:fontRef idx="minor">
-            <a:schemeClr val="dk1"/>
-          </a:fontRef>
-        </p:style>
-        <p:txBody>
-          <a:bodyPr wrap="square" rtlCol="0">
-            <a:spAutoFit/>
-          </a:bodyPr>
-          <a:lstStyle/>
-          <a:p>
-            <a:pPr algn="ctr"/>
-            <a:r>
-              <a:rPr lang="en-US" altLang="ko-KR" dirty="0" smtClean="0">
-                <a:solidFill>
-                  <a:srgbClr val="C00000"/>
-                </a:solidFill>
-              </a:rPr>
-              <a:t>validatation.js</a:t>
-            </a:r>
-            <a:endParaRPr lang="ko-KR" altLang="en-US" dirty="0">
-              <a:solidFill>
-                <a:srgbClr val="C00000"/>
-              </a:solidFill>
-            </a:endParaRPr>
-          </a:p>
-        </p:txBody>
-      </p:sp>
     </p:spTree>
     <p:extLst>
       <p:ext uri="{BB962C8B-B14F-4D97-AF65-F5344CB8AC3E}">
-        <p14:creationId xmlns:p14="http://schemas.microsoft.com/office/powerpoint/2010/main" val="3530632429"/>
+        <p14:creationId xmlns:p14="http://schemas.microsoft.com/office/powerpoint/2010/main" val="2231395217"/>
       </p:ext>
     </p:extLst>
   </p:cSld>
@@ -10758,6 +11124,220 @@
           </a:p>
         </p:txBody>
       </p:sp>
+      <p:sp>
+        <p:nvSpPr>
+          <p:cNvPr id="8" name="TextBox 7"/>
+          <p:cNvSpPr txBox="1"/>
+          <p:nvPr/>
+        </p:nvSpPr>
+        <p:spPr>
+          <a:xfrm>
+            <a:off x="920551" y="1196752"/>
+            <a:ext cx="3456385" cy="454292"/>
+          </a:xfrm>
+          <a:prstGeom prst="rect">
+            <a:avLst/>
+          </a:prstGeom>
+          <a:noFill/>
+        </p:spPr>
+        <p:txBody>
+          <a:bodyPr wrap="square" rtlCol="0">
+            <a:spAutoFit/>
+          </a:bodyPr>
+          <a:lstStyle/>
+          <a:p>
+            <a:pPr marL="285750" indent="-285750">
+              <a:lnSpc>
+                <a:spcPct val="150000"/>
+              </a:lnSpc>
+              <a:buFont typeface="Wingdings" panose="05000000000000000000" pitchFamily="2" charset="2"/>
+              <a:buChar char="l"/>
+            </a:pPr>
+            <a:r>
+              <a:rPr lang="en-US" altLang="ko-KR" dirty="0" smtClean="0"/>
+              <a:t> </a:t>
+            </a:r>
+            <a:r>
+              <a:rPr lang="ko-KR" altLang="en-US" dirty="0" smtClean="0"/>
+              <a:t>회원 가입 유효성 검사</a:t>
+            </a:r>
+            <a:endParaRPr lang="en-US" altLang="ko-KR" sz="2400" b="1" dirty="0" smtClean="0"/>
+          </a:p>
+        </p:txBody>
+      </p:sp>
+      <p:pic>
+        <p:nvPicPr>
+          <p:cNvPr id="3" name="그림 2"/>
+          <p:cNvPicPr>
+            <a:picLocks noChangeAspect="1"/>
+          </p:cNvPicPr>
+          <p:nvPr/>
+        </p:nvPicPr>
+        <p:blipFill>
+          <a:blip r:embed="rId2">
+            <a:extLst>
+              <a:ext uri="{28A0092B-C50C-407E-A947-70E740481C1C}">
+                <a14:useLocalDpi xmlns:a14="http://schemas.microsoft.com/office/drawing/2010/main" val="0"/>
+              </a:ext>
+            </a:extLst>
+          </a:blip>
+          <a:stretch>
+            <a:fillRect/>
+          </a:stretch>
+        </p:blipFill>
+        <p:spPr>
+          <a:xfrm>
+            <a:off x="1376057" y="1795060"/>
+            <a:ext cx="5809191" cy="4609393"/>
+          </a:xfrm>
+          <a:prstGeom prst="rect">
+            <a:avLst/>
+          </a:prstGeom>
+          <a:ln>
+            <a:solidFill>
+              <a:schemeClr val="bg1">
+                <a:lumMod val="85000"/>
+              </a:schemeClr>
+            </a:solidFill>
+          </a:ln>
+        </p:spPr>
+      </p:pic>
+    </p:spTree>
+    <p:extLst>
+      <p:ext uri="{BB962C8B-B14F-4D97-AF65-F5344CB8AC3E}">
+        <p14:creationId xmlns:p14="http://schemas.microsoft.com/office/powerpoint/2010/main" val="4013391894"/>
+      </p:ext>
+    </p:extLst>
+  </p:cSld>
+  <p:clrMapOvr>
+    <a:masterClrMapping/>
+  </p:clrMapOvr>
+  <p:timing>
+    <p:tnLst>
+      <p:par>
+        <p:cTn id="1" dur="indefinite" restart="never" nodeType="tmRoot"/>
+      </p:par>
+    </p:tnLst>
+  </p:timing>
+</p:sld>
+</file>
+
+<file path=ppt/slides/slide37.xml><?xml version="1.0" encoding="utf-8"?>
+<p:sld xmlns:a="http://schemas.openxmlformats.org/drawingml/2006/main" xmlns:r="http://schemas.openxmlformats.org/officeDocument/2006/relationships" xmlns:p="http://schemas.openxmlformats.org/presentationml/2006/main">
+  <p:cSld>
+    <p:spTree>
+      <p:nvGrpSpPr>
+        <p:cNvPr id="1" name=""/>
+        <p:cNvGrpSpPr/>
+        <p:nvPr/>
+      </p:nvGrpSpPr>
+      <p:grpSpPr>
+        <a:xfrm>
+          <a:off x="0" y="0"/>
+          <a:ext cx="0" cy="0"/>
+          <a:chOff x="0" y="0"/>
+          <a:chExt cx="0" cy="0"/>
+        </a:xfrm>
+      </p:grpSpPr>
+      <p:sp>
+        <p:nvSpPr>
+          <p:cNvPr id="2" name="제목 1"/>
+          <p:cNvSpPr>
+            <a:spLocks noGrp="1"/>
+          </p:cNvSpPr>
+          <p:nvPr>
+            <p:ph type="title"/>
+          </p:nvPr>
+        </p:nvSpPr>
+        <p:spPr>
+          <a:xfrm>
+            <a:off x="416497" y="197768"/>
+            <a:ext cx="6412780" cy="854968"/>
+          </a:xfrm>
+        </p:spPr>
+        <p:txBody>
+          <a:bodyPr>
+            <a:noAutofit/>
+          </a:bodyPr>
+          <a:lstStyle/>
+          <a:p>
+            <a:pPr algn="ctr"/>
+            <a:r>
+              <a:rPr lang="ko-KR" altLang="en-US" sz="2800" dirty="0" smtClean="0"/>
+              <a:t>유효성 검사</a:t>
+            </a:r>
+            <a:r>
+              <a:rPr lang="en-US" altLang="ko-KR" sz="2800" dirty="0" smtClean="0"/>
+              <a:t>(validation)</a:t>
+            </a:r>
+            <a:endParaRPr lang="ko-KR" altLang="en-US" sz="2800" dirty="0"/>
+          </a:p>
+        </p:txBody>
+      </p:sp>
+      <p:sp>
+        <p:nvSpPr>
+          <p:cNvPr id="4" name="슬라이드 번호 개체 틀 3"/>
+          <p:cNvSpPr>
+            <a:spLocks noGrp="1"/>
+          </p:cNvSpPr>
+          <p:nvPr>
+            <p:ph type="sldNum" sz="quarter" idx="12"/>
+          </p:nvPr>
+        </p:nvSpPr>
+        <p:spPr/>
+        <p:txBody>
+          <a:bodyPr/>
+          <a:lstStyle/>
+          <a:p>
+            <a:fld id="{1BDE3FE7-3AEA-4B05-AC5A-802D1816ACF0}" type="slidenum">
+              <a:rPr lang="ko-KR" altLang="en-US" smtClean="0"/>
+              <a:t>37</a:t>
+            </a:fld>
+            <a:endParaRPr lang="ko-KR" altLang="en-US"/>
+          </a:p>
+        </p:txBody>
+      </p:sp>
+      <p:sp>
+        <p:nvSpPr>
+          <p:cNvPr id="8" name="TextBox 7"/>
+          <p:cNvSpPr txBox="1"/>
+          <p:nvPr/>
+        </p:nvSpPr>
+        <p:spPr>
+          <a:xfrm>
+            <a:off x="920551" y="1196752"/>
+            <a:ext cx="3456385" cy="454292"/>
+          </a:xfrm>
+          <a:prstGeom prst="rect">
+            <a:avLst/>
+          </a:prstGeom>
+          <a:noFill/>
+        </p:spPr>
+        <p:txBody>
+          <a:bodyPr wrap="square" rtlCol="0">
+            <a:spAutoFit/>
+          </a:bodyPr>
+          <a:lstStyle/>
+          <a:p>
+            <a:pPr marL="285750" indent="-285750">
+              <a:lnSpc>
+                <a:spcPct val="150000"/>
+              </a:lnSpc>
+              <a:buFont typeface="Wingdings" panose="05000000000000000000" pitchFamily="2" charset="2"/>
+              <a:buChar char="l"/>
+            </a:pPr>
+            <a:r>
+              <a:rPr lang="en-US" altLang="ko-KR" dirty="0" smtClean="0"/>
+              <a:t> </a:t>
+            </a:r>
+            <a:r>
+              <a:rPr lang="ko-KR" altLang="en-US" dirty="0" smtClean="0"/>
+              <a:t>회원 가입 유효성 검사</a:t>
+            </a:r>
+            <a:endParaRPr lang="en-US" altLang="ko-KR" sz="2400" b="1" dirty="0" smtClean="0"/>
+          </a:p>
+        </p:txBody>
+      </p:sp>
       <p:pic>
         <p:nvPicPr>
           <p:cNvPr id="5" name="그림 4"/>
@@ -10780,8 +11360,8 @@
         </p:blipFill>
         <p:spPr>
           <a:xfrm>
-            <a:off x="1007405" y="1628800"/>
-            <a:ext cx="8064896" cy="3853560"/>
+            <a:off x="1373181" y="1795060"/>
+            <a:ext cx="6007509" cy="4507208"/>
           </a:xfrm>
           <a:prstGeom prst="rect">
             <a:avLst/>
@@ -10795,10 +11375,416 @@
           </a:ln>
         </p:spPr>
       </p:pic>
+      <p:sp>
+        <p:nvSpPr>
+          <p:cNvPr id="7" name="TextBox 6"/>
+          <p:cNvSpPr txBox="1"/>
+          <p:nvPr/>
+        </p:nvSpPr>
+        <p:spPr>
+          <a:xfrm>
+            <a:off x="6609184" y="2348880"/>
+            <a:ext cx="2160240" cy="408623"/>
+          </a:xfrm>
+          <a:prstGeom prst="roundRect">
+            <a:avLst/>
+          </a:prstGeom>
+        </p:spPr>
+        <p:style>
+          <a:lnRef idx="2">
+            <a:schemeClr val="accent2"/>
+          </a:lnRef>
+          <a:fillRef idx="1">
+            <a:schemeClr val="lt1"/>
+          </a:fillRef>
+          <a:effectRef idx="0">
+            <a:schemeClr val="accent2"/>
+          </a:effectRef>
+          <a:fontRef idx="minor">
+            <a:schemeClr val="dk1"/>
+          </a:fontRef>
+        </p:style>
+        <p:txBody>
+          <a:bodyPr wrap="square" rtlCol="0">
+            <a:spAutoFit/>
+          </a:bodyPr>
+          <a:lstStyle/>
+          <a:p>
+            <a:pPr algn="ctr"/>
+            <a:r>
+              <a:rPr lang="en-US" altLang="ko-KR" dirty="0" smtClean="0">
+                <a:solidFill>
+                  <a:srgbClr val="C00000"/>
+                </a:solidFill>
+              </a:rPr>
+              <a:t>checkmember</a:t>
+            </a:r>
+            <a:r>
+              <a:rPr lang="en-US" altLang="ko-KR" dirty="0" smtClean="0">
+                <a:solidFill>
+                  <a:srgbClr val="C00000"/>
+                </a:solidFill>
+              </a:rPr>
+              <a:t>.js</a:t>
+            </a:r>
+            <a:endParaRPr lang="ko-KR" altLang="en-US" dirty="0">
+              <a:solidFill>
+                <a:srgbClr val="C00000"/>
+              </a:solidFill>
+            </a:endParaRPr>
+          </a:p>
+        </p:txBody>
+      </p:sp>
     </p:spTree>
     <p:extLst>
       <p:ext uri="{BB962C8B-B14F-4D97-AF65-F5344CB8AC3E}">
-        <p14:creationId xmlns:p14="http://schemas.microsoft.com/office/powerpoint/2010/main" val="160539774"/>
+        <p14:creationId xmlns:p14="http://schemas.microsoft.com/office/powerpoint/2010/main" val="583363535"/>
+      </p:ext>
+    </p:extLst>
+  </p:cSld>
+  <p:clrMapOvr>
+    <a:masterClrMapping/>
+  </p:clrMapOvr>
+  <p:timing>
+    <p:tnLst>
+      <p:par>
+        <p:cTn id="1" dur="indefinite" restart="never" nodeType="tmRoot"/>
+      </p:par>
+    </p:tnLst>
+  </p:timing>
+</p:sld>
+</file>
+
+<file path=ppt/slides/slide38.xml><?xml version="1.0" encoding="utf-8"?>
+<p:sld xmlns:a="http://schemas.openxmlformats.org/drawingml/2006/main" xmlns:r="http://schemas.openxmlformats.org/officeDocument/2006/relationships" xmlns:p="http://schemas.openxmlformats.org/presentationml/2006/main">
+  <p:cSld>
+    <p:spTree>
+      <p:nvGrpSpPr>
+        <p:cNvPr id="1" name=""/>
+        <p:cNvGrpSpPr/>
+        <p:nvPr/>
+      </p:nvGrpSpPr>
+      <p:grpSpPr>
+        <a:xfrm>
+          <a:off x="0" y="0"/>
+          <a:ext cx="0" cy="0"/>
+          <a:chOff x="0" y="0"/>
+          <a:chExt cx="0" cy="0"/>
+        </a:xfrm>
+      </p:grpSpPr>
+      <p:sp>
+        <p:nvSpPr>
+          <p:cNvPr id="2" name="제목 1"/>
+          <p:cNvSpPr>
+            <a:spLocks noGrp="1"/>
+          </p:cNvSpPr>
+          <p:nvPr>
+            <p:ph type="title"/>
+          </p:nvPr>
+        </p:nvSpPr>
+        <p:spPr>
+          <a:xfrm>
+            <a:off x="416497" y="197768"/>
+            <a:ext cx="6412780" cy="854968"/>
+          </a:xfrm>
+        </p:spPr>
+        <p:txBody>
+          <a:bodyPr>
+            <a:noAutofit/>
+          </a:bodyPr>
+          <a:lstStyle/>
+          <a:p>
+            <a:pPr algn="ctr"/>
+            <a:r>
+              <a:rPr lang="ko-KR" altLang="en-US" sz="2800" dirty="0" smtClean="0"/>
+              <a:t>유효성 검사</a:t>
+            </a:r>
+            <a:r>
+              <a:rPr lang="en-US" altLang="ko-KR" sz="2800" dirty="0" smtClean="0"/>
+              <a:t>(validation)</a:t>
+            </a:r>
+            <a:endParaRPr lang="ko-KR" altLang="en-US" sz="2800" dirty="0"/>
+          </a:p>
+        </p:txBody>
+      </p:sp>
+      <p:sp>
+        <p:nvSpPr>
+          <p:cNvPr id="4" name="슬라이드 번호 개체 틀 3"/>
+          <p:cNvSpPr>
+            <a:spLocks noGrp="1"/>
+          </p:cNvSpPr>
+          <p:nvPr>
+            <p:ph type="sldNum" sz="quarter" idx="12"/>
+          </p:nvPr>
+        </p:nvSpPr>
+        <p:spPr/>
+        <p:txBody>
+          <a:bodyPr/>
+          <a:lstStyle/>
+          <a:p>
+            <a:fld id="{1BDE3FE7-3AEA-4B05-AC5A-802D1816ACF0}" type="slidenum">
+              <a:rPr lang="ko-KR" altLang="en-US" smtClean="0"/>
+              <a:t>38</a:t>
+            </a:fld>
+            <a:endParaRPr lang="ko-KR" altLang="en-US"/>
+          </a:p>
+        </p:txBody>
+      </p:sp>
+      <p:sp>
+        <p:nvSpPr>
+          <p:cNvPr id="8" name="TextBox 7"/>
+          <p:cNvSpPr txBox="1"/>
+          <p:nvPr/>
+        </p:nvSpPr>
+        <p:spPr>
+          <a:xfrm>
+            <a:off x="920551" y="1196752"/>
+            <a:ext cx="3456385" cy="454292"/>
+          </a:xfrm>
+          <a:prstGeom prst="rect">
+            <a:avLst/>
+          </a:prstGeom>
+          <a:noFill/>
+        </p:spPr>
+        <p:txBody>
+          <a:bodyPr wrap="square" rtlCol="0">
+            <a:spAutoFit/>
+          </a:bodyPr>
+          <a:lstStyle/>
+          <a:p>
+            <a:pPr marL="285750" indent="-285750">
+              <a:lnSpc>
+                <a:spcPct val="150000"/>
+              </a:lnSpc>
+              <a:buFont typeface="Wingdings" panose="05000000000000000000" pitchFamily="2" charset="2"/>
+              <a:buChar char="l"/>
+            </a:pPr>
+            <a:r>
+              <a:rPr lang="en-US" altLang="ko-KR" dirty="0" smtClean="0"/>
+              <a:t> </a:t>
+            </a:r>
+            <a:r>
+              <a:rPr lang="ko-KR" altLang="en-US" dirty="0" smtClean="0"/>
+              <a:t>회원 가입 유효성 검사</a:t>
+            </a:r>
+            <a:endParaRPr lang="en-US" altLang="ko-KR" sz="2400" b="1" dirty="0" smtClean="0"/>
+          </a:p>
+        </p:txBody>
+      </p:sp>
+      <p:pic>
+        <p:nvPicPr>
+          <p:cNvPr id="3" name="그림 2"/>
+          <p:cNvPicPr>
+            <a:picLocks noChangeAspect="1"/>
+          </p:cNvPicPr>
+          <p:nvPr/>
+        </p:nvPicPr>
+        <p:blipFill>
+          <a:blip r:embed="rId2">
+            <a:extLst>
+              <a:ext uri="{28A0092B-C50C-407E-A947-70E740481C1C}">
+                <a14:useLocalDpi xmlns:a14="http://schemas.microsoft.com/office/drawing/2010/main" val="0"/>
+              </a:ext>
+            </a:extLst>
+          </a:blip>
+          <a:stretch>
+            <a:fillRect/>
+          </a:stretch>
+        </p:blipFill>
+        <p:spPr>
+          <a:xfrm>
+            <a:off x="1424608" y="1916832"/>
+            <a:ext cx="4938188" cy="3467400"/>
+          </a:xfrm>
+          <a:prstGeom prst="rect">
+            <a:avLst/>
+          </a:prstGeom>
+          <a:ln>
+            <a:solidFill>
+              <a:schemeClr val="bg1">
+                <a:lumMod val="85000"/>
+              </a:schemeClr>
+            </a:solidFill>
+          </a:ln>
+        </p:spPr>
+      </p:pic>
+    </p:spTree>
+    <p:extLst>
+      <p:ext uri="{BB962C8B-B14F-4D97-AF65-F5344CB8AC3E}">
+        <p14:creationId xmlns:p14="http://schemas.microsoft.com/office/powerpoint/2010/main" val="2586841332"/>
+      </p:ext>
+    </p:extLst>
+  </p:cSld>
+  <p:clrMapOvr>
+    <a:masterClrMapping/>
+  </p:clrMapOvr>
+  <p:timing>
+    <p:tnLst>
+      <p:par>
+        <p:cTn id="1" dur="indefinite" restart="never" nodeType="tmRoot"/>
+      </p:par>
+    </p:tnLst>
+  </p:timing>
+</p:sld>
+</file>
+
+<file path=ppt/slides/slide39.xml><?xml version="1.0" encoding="utf-8"?>
+<p:sld xmlns:a="http://schemas.openxmlformats.org/drawingml/2006/main" xmlns:r="http://schemas.openxmlformats.org/officeDocument/2006/relationships" xmlns:p="http://schemas.openxmlformats.org/presentationml/2006/main">
+  <p:cSld>
+    <p:spTree>
+      <p:nvGrpSpPr>
+        <p:cNvPr id="1" name=""/>
+        <p:cNvGrpSpPr/>
+        <p:nvPr/>
+      </p:nvGrpSpPr>
+      <p:grpSpPr>
+        <a:xfrm>
+          <a:off x="0" y="0"/>
+          <a:ext cx="0" cy="0"/>
+          <a:chOff x="0" y="0"/>
+          <a:chExt cx="0" cy="0"/>
+        </a:xfrm>
+      </p:grpSpPr>
+      <p:sp>
+        <p:nvSpPr>
+          <p:cNvPr id="2" name="제목 1"/>
+          <p:cNvSpPr>
+            <a:spLocks noGrp="1"/>
+          </p:cNvSpPr>
+          <p:nvPr>
+            <p:ph type="title"/>
+          </p:nvPr>
+        </p:nvSpPr>
+        <p:spPr>
+          <a:xfrm>
+            <a:off x="416497" y="197768"/>
+            <a:ext cx="6412780" cy="854968"/>
+          </a:xfrm>
+        </p:spPr>
+        <p:txBody>
+          <a:bodyPr>
+            <a:noAutofit/>
+          </a:bodyPr>
+          <a:lstStyle/>
+          <a:p>
+            <a:pPr algn="ctr"/>
+            <a:r>
+              <a:rPr lang="ko-KR" altLang="en-US" sz="2800" dirty="0" smtClean="0"/>
+              <a:t>유효성 검사</a:t>
+            </a:r>
+            <a:r>
+              <a:rPr lang="en-US" altLang="ko-KR" sz="2800" dirty="0" smtClean="0"/>
+              <a:t>(validation)</a:t>
+            </a:r>
+            <a:endParaRPr lang="ko-KR" altLang="en-US" sz="2800" dirty="0"/>
+          </a:p>
+        </p:txBody>
+      </p:sp>
+      <p:sp>
+        <p:nvSpPr>
+          <p:cNvPr id="4" name="슬라이드 번호 개체 틀 3"/>
+          <p:cNvSpPr>
+            <a:spLocks noGrp="1"/>
+          </p:cNvSpPr>
+          <p:nvPr>
+            <p:ph type="sldNum" sz="quarter" idx="12"/>
+          </p:nvPr>
+        </p:nvSpPr>
+        <p:spPr/>
+        <p:txBody>
+          <a:bodyPr/>
+          <a:lstStyle/>
+          <a:p>
+            <a:fld id="{1BDE3FE7-3AEA-4B05-AC5A-802D1816ACF0}" type="slidenum">
+              <a:rPr lang="ko-KR" altLang="en-US" smtClean="0"/>
+              <a:t>39</a:t>
+            </a:fld>
+            <a:endParaRPr lang="ko-KR" altLang="en-US"/>
+          </a:p>
+        </p:txBody>
+      </p:sp>
+      <p:sp>
+        <p:nvSpPr>
+          <p:cNvPr id="8" name="TextBox 7"/>
+          <p:cNvSpPr txBox="1"/>
+          <p:nvPr/>
+        </p:nvSpPr>
+        <p:spPr>
+          <a:xfrm>
+            <a:off x="920551" y="1196752"/>
+            <a:ext cx="3456385" cy="454292"/>
+          </a:xfrm>
+          <a:prstGeom prst="rect">
+            <a:avLst/>
+          </a:prstGeom>
+          <a:noFill/>
+        </p:spPr>
+        <p:txBody>
+          <a:bodyPr wrap="square" rtlCol="0">
+            <a:spAutoFit/>
+          </a:bodyPr>
+          <a:lstStyle/>
+          <a:p>
+            <a:pPr marL="285750" indent="-285750">
+              <a:lnSpc>
+                <a:spcPct val="150000"/>
+              </a:lnSpc>
+              <a:buFont typeface="Wingdings" panose="05000000000000000000" pitchFamily="2" charset="2"/>
+              <a:buChar char="l"/>
+            </a:pPr>
+            <a:r>
+              <a:rPr lang="en-US" altLang="ko-KR" dirty="0" smtClean="0"/>
+              <a:t> </a:t>
+            </a:r>
+            <a:r>
+              <a:rPr lang="ko-KR" altLang="en-US" dirty="0" smtClean="0"/>
+              <a:t>회원 가입 유효성 검사</a:t>
+            </a:r>
+            <a:endParaRPr lang="en-US" altLang="ko-KR" sz="2400" b="1" dirty="0" smtClean="0"/>
+          </a:p>
+        </p:txBody>
+      </p:sp>
+      <p:pic>
+        <p:nvPicPr>
+          <p:cNvPr id="5" name="그림 4"/>
+          <p:cNvPicPr>
+            <a:picLocks noChangeAspect="1"/>
+          </p:cNvPicPr>
+          <p:nvPr/>
+        </p:nvPicPr>
+        <p:blipFill>
+          <a:blip r:embed="rId2">
+            <a:extLst>
+              <a:ext uri="{28A0092B-C50C-407E-A947-70E740481C1C}">
+                <a14:useLocalDpi xmlns:a14="http://schemas.microsoft.com/office/drawing/2010/main" val="0"/>
+              </a:ext>
+            </a:extLst>
+          </a:blip>
+          <a:stretch>
+            <a:fillRect/>
+          </a:stretch>
+        </p:blipFill>
+        <p:spPr>
+          <a:xfrm>
+            <a:off x="2144688" y="1844824"/>
+            <a:ext cx="4732430" cy="4244708"/>
+          </a:xfrm>
+          <a:prstGeom prst="rect">
+            <a:avLst/>
+          </a:prstGeom>
+          <a:ln>
+            <a:solidFill>
+              <a:schemeClr val="bg1">
+                <a:lumMod val="85000"/>
+              </a:schemeClr>
+            </a:solidFill>
+          </a:ln>
+        </p:spPr>
+      </p:pic>
+    </p:spTree>
+    <p:extLst>
+      <p:ext uri="{BB962C8B-B14F-4D97-AF65-F5344CB8AC3E}">
+        <p14:creationId xmlns:p14="http://schemas.microsoft.com/office/powerpoint/2010/main" val="2308492931"/>
       </p:ext>
     </p:extLst>
   </p:cSld>
@@ -10974,6 +11960,690 @@
     <p:extLst>
       <p:ext uri="{BB962C8B-B14F-4D97-AF65-F5344CB8AC3E}">
         <p14:creationId xmlns:p14="http://schemas.microsoft.com/office/powerpoint/2010/main" val="4185830190"/>
+      </p:ext>
+    </p:extLst>
+  </p:cSld>
+  <p:clrMapOvr>
+    <a:masterClrMapping/>
+  </p:clrMapOvr>
+  <p:timing>
+    <p:tnLst>
+      <p:par>
+        <p:cTn id="1" dur="indefinite" restart="never" nodeType="tmRoot"/>
+      </p:par>
+    </p:tnLst>
+  </p:timing>
+</p:sld>
+</file>
+
+<file path=ppt/slides/slide40.xml><?xml version="1.0" encoding="utf-8"?>
+<p:sld xmlns:a="http://schemas.openxmlformats.org/drawingml/2006/main" xmlns:r="http://schemas.openxmlformats.org/officeDocument/2006/relationships" xmlns:p="http://schemas.openxmlformats.org/presentationml/2006/main">
+  <p:cSld>
+    <p:spTree>
+      <p:nvGrpSpPr>
+        <p:cNvPr id="1" name=""/>
+        <p:cNvGrpSpPr/>
+        <p:nvPr/>
+      </p:nvGrpSpPr>
+      <p:grpSpPr>
+        <a:xfrm>
+          <a:off x="0" y="0"/>
+          <a:ext cx="0" cy="0"/>
+          <a:chOff x="0" y="0"/>
+          <a:chExt cx="0" cy="0"/>
+        </a:xfrm>
+      </p:grpSpPr>
+      <p:sp>
+        <p:nvSpPr>
+          <p:cNvPr id="2" name="제목 1"/>
+          <p:cNvSpPr>
+            <a:spLocks noGrp="1"/>
+          </p:cNvSpPr>
+          <p:nvPr>
+            <p:ph type="title"/>
+          </p:nvPr>
+        </p:nvSpPr>
+        <p:spPr>
+          <a:xfrm>
+            <a:off x="416497" y="197768"/>
+            <a:ext cx="6412780" cy="854968"/>
+          </a:xfrm>
+        </p:spPr>
+        <p:txBody>
+          <a:bodyPr>
+            <a:noAutofit/>
+          </a:bodyPr>
+          <a:lstStyle/>
+          <a:p>
+            <a:pPr algn="ctr"/>
+            <a:r>
+              <a:rPr lang="ko-KR" altLang="en-US" sz="2800" dirty="0" err="1" smtClean="0"/>
+              <a:t>입력값</a:t>
+            </a:r>
+            <a:r>
+              <a:rPr lang="ko-KR" altLang="en-US" sz="2800" dirty="0" smtClean="0"/>
+              <a:t> 검증 프로그램</a:t>
+            </a:r>
+            <a:endParaRPr lang="ko-KR" altLang="en-US" sz="2800" dirty="0"/>
+          </a:p>
+        </p:txBody>
+      </p:sp>
+      <p:sp>
+        <p:nvSpPr>
+          <p:cNvPr id="4" name="슬라이드 번호 개체 틀 3"/>
+          <p:cNvSpPr>
+            <a:spLocks noGrp="1"/>
+          </p:cNvSpPr>
+          <p:nvPr>
+            <p:ph type="sldNum" sz="quarter" idx="12"/>
+          </p:nvPr>
+        </p:nvSpPr>
+        <p:spPr/>
+        <p:txBody>
+          <a:bodyPr/>
+          <a:lstStyle/>
+          <a:p>
+            <a:fld id="{1BDE3FE7-3AEA-4B05-AC5A-802D1816ACF0}" type="slidenum">
+              <a:rPr lang="ko-KR" altLang="en-US" smtClean="0"/>
+              <a:t>40</a:t>
+            </a:fld>
+            <a:endParaRPr lang="ko-KR" altLang="en-US"/>
+          </a:p>
+        </p:txBody>
+      </p:sp>
+      <p:pic>
+        <p:nvPicPr>
+          <p:cNvPr id="5" name="그림 4"/>
+          <p:cNvPicPr>
+            <a:picLocks noChangeAspect="1"/>
+          </p:cNvPicPr>
+          <p:nvPr/>
+        </p:nvPicPr>
+        <p:blipFill>
+          <a:blip r:embed="rId2">
+            <a:extLst>
+              <a:ext uri="{28A0092B-C50C-407E-A947-70E740481C1C}">
+                <a14:useLocalDpi xmlns:a14="http://schemas.microsoft.com/office/drawing/2010/main" val="0"/>
+              </a:ext>
+            </a:extLst>
+          </a:blip>
+          <a:stretch>
+            <a:fillRect/>
+          </a:stretch>
+        </p:blipFill>
+        <p:spPr>
+          <a:xfrm>
+            <a:off x="1064568" y="1802258"/>
+            <a:ext cx="8208912" cy="4219030"/>
+          </a:xfrm>
+          <a:prstGeom prst="rect">
+            <a:avLst/>
+          </a:prstGeom>
+          <a:ln>
+            <a:solidFill>
+              <a:schemeClr val="bg1">
+                <a:lumMod val="85000"/>
+              </a:schemeClr>
+            </a:solidFill>
+          </a:ln>
+        </p:spPr>
+      </p:pic>
+      <p:sp>
+        <p:nvSpPr>
+          <p:cNvPr id="6" name="TextBox 5"/>
+          <p:cNvSpPr txBox="1"/>
+          <p:nvPr/>
+        </p:nvSpPr>
+        <p:spPr>
+          <a:xfrm>
+            <a:off x="1043018" y="1292185"/>
+            <a:ext cx="1800200" cy="408623"/>
+          </a:xfrm>
+          <a:prstGeom prst="roundRect">
+            <a:avLst/>
+          </a:prstGeom>
+        </p:spPr>
+        <p:style>
+          <a:lnRef idx="2">
+            <a:schemeClr val="dk1"/>
+          </a:lnRef>
+          <a:fillRef idx="1">
+            <a:schemeClr val="lt1"/>
+          </a:fillRef>
+          <a:effectRef idx="0">
+            <a:schemeClr val="dk1"/>
+          </a:effectRef>
+          <a:fontRef idx="minor">
+            <a:schemeClr val="dk1"/>
+          </a:fontRef>
+        </p:style>
+        <p:txBody>
+          <a:bodyPr wrap="square" rtlCol="0">
+            <a:spAutoFit/>
+          </a:bodyPr>
+          <a:lstStyle/>
+          <a:p>
+            <a:pPr algn="ctr"/>
+            <a:r>
+              <a:rPr lang="en-US" altLang="ko-KR" dirty="0" smtClean="0">
+                <a:solidFill>
+                  <a:srgbClr val="C00000"/>
+                </a:solidFill>
+              </a:rPr>
+              <a:t>register.html</a:t>
+            </a:r>
+            <a:endParaRPr lang="ko-KR" altLang="en-US" dirty="0">
+              <a:solidFill>
+                <a:srgbClr val="C00000"/>
+              </a:solidFill>
+            </a:endParaRPr>
+          </a:p>
+        </p:txBody>
+      </p:sp>
+    </p:spTree>
+    <p:extLst>
+      <p:ext uri="{BB962C8B-B14F-4D97-AF65-F5344CB8AC3E}">
+        <p14:creationId xmlns:p14="http://schemas.microsoft.com/office/powerpoint/2010/main" val="2850876510"/>
+      </p:ext>
+    </p:extLst>
+  </p:cSld>
+  <p:clrMapOvr>
+    <a:masterClrMapping/>
+  </p:clrMapOvr>
+  <p:timing>
+    <p:tnLst>
+      <p:par>
+        <p:cTn id="1" dur="indefinite" restart="never" nodeType="tmRoot"/>
+      </p:par>
+    </p:tnLst>
+  </p:timing>
+</p:sld>
+</file>
+
+<file path=ppt/slides/slide41.xml><?xml version="1.0" encoding="utf-8"?>
+<p:sld xmlns:a="http://schemas.openxmlformats.org/drawingml/2006/main" xmlns:r="http://schemas.openxmlformats.org/officeDocument/2006/relationships" xmlns:p="http://schemas.openxmlformats.org/presentationml/2006/main">
+  <p:cSld>
+    <p:spTree>
+      <p:nvGrpSpPr>
+        <p:cNvPr id="1" name=""/>
+        <p:cNvGrpSpPr/>
+        <p:nvPr/>
+      </p:nvGrpSpPr>
+      <p:grpSpPr>
+        <a:xfrm>
+          <a:off x="0" y="0"/>
+          <a:ext cx="0" cy="0"/>
+          <a:chOff x="0" y="0"/>
+          <a:chExt cx="0" cy="0"/>
+        </a:xfrm>
+      </p:grpSpPr>
+      <p:sp>
+        <p:nvSpPr>
+          <p:cNvPr id="2" name="제목 1"/>
+          <p:cNvSpPr>
+            <a:spLocks noGrp="1"/>
+          </p:cNvSpPr>
+          <p:nvPr>
+            <p:ph type="title"/>
+          </p:nvPr>
+        </p:nvSpPr>
+        <p:spPr>
+          <a:xfrm>
+            <a:off x="416497" y="197768"/>
+            <a:ext cx="6412780" cy="854968"/>
+          </a:xfrm>
+        </p:spPr>
+        <p:txBody>
+          <a:bodyPr>
+            <a:noAutofit/>
+          </a:bodyPr>
+          <a:lstStyle/>
+          <a:p>
+            <a:pPr algn="ctr"/>
+            <a:r>
+              <a:rPr lang="ko-KR" altLang="en-US" sz="2800" dirty="0" err="1" smtClean="0"/>
+              <a:t>입력값</a:t>
+            </a:r>
+            <a:r>
+              <a:rPr lang="ko-KR" altLang="en-US" sz="2800" dirty="0" smtClean="0"/>
+              <a:t> 검증 프로그램</a:t>
+            </a:r>
+            <a:endParaRPr lang="ko-KR" altLang="en-US" sz="2800" dirty="0"/>
+          </a:p>
+        </p:txBody>
+      </p:sp>
+      <p:sp>
+        <p:nvSpPr>
+          <p:cNvPr id="4" name="슬라이드 번호 개체 틀 3"/>
+          <p:cNvSpPr>
+            <a:spLocks noGrp="1"/>
+          </p:cNvSpPr>
+          <p:nvPr>
+            <p:ph type="sldNum" sz="quarter" idx="12"/>
+          </p:nvPr>
+        </p:nvSpPr>
+        <p:spPr/>
+        <p:txBody>
+          <a:bodyPr/>
+          <a:lstStyle/>
+          <a:p>
+            <a:fld id="{1BDE3FE7-3AEA-4B05-AC5A-802D1816ACF0}" type="slidenum">
+              <a:rPr lang="ko-KR" altLang="en-US" smtClean="0"/>
+              <a:t>41</a:t>
+            </a:fld>
+            <a:endParaRPr lang="ko-KR" altLang="en-US"/>
+          </a:p>
+        </p:txBody>
+      </p:sp>
+      <p:pic>
+        <p:nvPicPr>
+          <p:cNvPr id="5" name="그림 4"/>
+          <p:cNvPicPr>
+            <a:picLocks noChangeAspect="1"/>
+          </p:cNvPicPr>
+          <p:nvPr/>
+        </p:nvPicPr>
+        <p:blipFill>
+          <a:blip r:embed="rId2">
+            <a:extLst>
+              <a:ext uri="{28A0092B-C50C-407E-A947-70E740481C1C}">
+                <a14:useLocalDpi xmlns:a14="http://schemas.microsoft.com/office/drawing/2010/main" val="0"/>
+              </a:ext>
+            </a:extLst>
+          </a:blip>
+          <a:stretch>
+            <a:fillRect/>
+          </a:stretch>
+        </p:blipFill>
+        <p:spPr>
+          <a:xfrm>
+            <a:off x="988150" y="1863833"/>
+            <a:ext cx="8253064" cy="4157455"/>
+          </a:xfrm>
+          <a:prstGeom prst="rect">
+            <a:avLst/>
+          </a:prstGeom>
+          <a:ln>
+            <a:solidFill>
+              <a:schemeClr val="bg1">
+                <a:lumMod val="85000"/>
+              </a:schemeClr>
+            </a:solidFill>
+          </a:ln>
+        </p:spPr>
+      </p:pic>
+      <p:sp>
+        <p:nvSpPr>
+          <p:cNvPr id="6" name="TextBox 5"/>
+          <p:cNvSpPr txBox="1"/>
+          <p:nvPr/>
+        </p:nvSpPr>
+        <p:spPr>
+          <a:xfrm>
+            <a:off x="971273" y="1364193"/>
+            <a:ext cx="1800200" cy="408623"/>
+          </a:xfrm>
+          <a:prstGeom prst="roundRect">
+            <a:avLst/>
+          </a:prstGeom>
+        </p:spPr>
+        <p:style>
+          <a:lnRef idx="2">
+            <a:schemeClr val="dk1"/>
+          </a:lnRef>
+          <a:fillRef idx="1">
+            <a:schemeClr val="lt1"/>
+          </a:fillRef>
+          <a:effectRef idx="0">
+            <a:schemeClr val="dk1"/>
+          </a:effectRef>
+          <a:fontRef idx="minor">
+            <a:schemeClr val="dk1"/>
+          </a:fontRef>
+        </p:style>
+        <p:txBody>
+          <a:bodyPr wrap="square" rtlCol="0">
+            <a:spAutoFit/>
+          </a:bodyPr>
+          <a:lstStyle/>
+          <a:p>
+            <a:pPr algn="ctr"/>
+            <a:r>
+              <a:rPr lang="en-US" altLang="ko-KR" dirty="0" smtClean="0">
+                <a:solidFill>
+                  <a:srgbClr val="C00000"/>
+                </a:solidFill>
+              </a:rPr>
+              <a:t>register.html</a:t>
+            </a:r>
+            <a:endParaRPr lang="ko-KR" altLang="en-US" dirty="0">
+              <a:solidFill>
+                <a:srgbClr val="C00000"/>
+              </a:solidFill>
+            </a:endParaRPr>
+          </a:p>
+        </p:txBody>
+      </p:sp>
+    </p:spTree>
+    <p:extLst>
+      <p:ext uri="{BB962C8B-B14F-4D97-AF65-F5344CB8AC3E}">
+        <p14:creationId xmlns:p14="http://schemas.microsoft.com/office/powerpoint/2010/main" val="4220076407"/>
+      </p:ext>
+    </p:extLst>
+  </p:cSld>
+  <p:clrMapOvr>
+    <a:masterClrMapping/>
+  </p:clrMapOvr>
+  <p:timing>
+    <p:tnLst>
+      <p:par>
+        <p:cTn id="1" dur="indefinite" restart="never" nodeType="tmRoot"/>
+      </p:par>
+    </p:tnLst>
+  </p:timing>
+</p:sld>
+</file>
+
+<file path=ppt/slides/slide42.xml><?xml version="1.0" encoding="utf-8"?>
+<p:sld xmlns:a="http://schemas.openxmlformats.org/drawingml/2006/main" xmlns:r="http://schemas.openxmlformats.org/officeDocument/2006/relationships" xmlns:p="http://schemas.openxmlformats.org/presentationml/2006/main">
+  <p:cSld>
+    <p:spTree>
+      <p:nvGrpSpPr>
+        <p:cNvPr id="1" name=""/>
+        <p:cNvGrpSpPr/>
+        <p:nvPr/>
+      </p:nvGrpSpPr>
+      <p:grpSpPr>
+        <a:xfrm>
+          <a:off x="0" y="0"/>
+          <a:ext cx="0" cy="0"/>
+          <a:chOff x="0" y="0"/>
+          <a:chExt cx="0" cy="0"/>
+        </a:xfrm>
+      </p:grpSpPr>
+      <p:sp>
+        <p:nvSpPr>
+          <p:cNvPr id="2" name="제목 1"/>
+          <p:cNvSpPr>
+            <a:spLocks noGrp="1"/>
+          </p:cNvSpPr>
+          <p:nvPr>
+            <p:ph type="title"/>
+          </p:nvPr>
+        </p:nvSpPr>
+        <p:spPr>
+          <a:xfrm>
+            <a:off x="416497" y="197768"/>
+            <a:ext cx="6412780" cy="854968"/>
+          </a:xfrm>
+        </p:spPr>
+        <p:txBody>
+          <a:bodyPr>
+            <a:noAutofit/>
+          </a:bodyPr>
+          <a:lstStyle/>
+          <a:p>
+            <a:pPr algn="ctr"/>
+            <a:r>
+              <a:rPr lang="ko-KR" altLang="en-US" sz="2800" dirty="0" smtClean="0"/>
+              <a:t>유효성 검사</a:t>
+            </a:r>
+            <a:r>
+              <a:rPr lang="en-US" altLang="ko-KR" sz="2800" dirty="0" smtClean="0"/>
+              <a:t>(validation)</a:t>
+            </a:r>
+            <a:endParaRPr lang="ko-KR" altLang="en-US" sz="2800" dirty="0"/>
+          </a:p>
+        </p:txBody>
+      </p:sp>
+      <p:sp>
+        <p:nvSpPr>
+          <p:cNvPr id="4" name="슬라이드 번호 개체 틀 3"/>
+          <p:cNvSpPr>
+            <a:spLocks noGrp="1"/>
+          </p:cNvSpPr>
+          <p:nvPr>
+            <p:ph type="sldNum" sz="quarter" idx="12"/>
+          </p:nvPr>
+        </p:nvSpPr>
+        <p:spPr/>
+        <p:txBody>
+          <a:bodyPr/>
+          <a:lstStyle/>
+          <a:p>
+            <a:fld id="{1BDE3FE7-3AEA-4B05-AC5A-802D1816ACF0}" type="slidenum">
+              <a:rPr lang="ko-KR" altLang="en-US" smtClean="0"/>
+              <a:t>42</a:t>
+            </a:fld>
+            <a:endParaRPr lang="ko-KR" altLang="en-US"/>
+          </a:p>
+        </p:txBody>
+      </p:sp>
+      <p:pic>
+        <p:nvPicPr>
+          <p:cNvPr id="3" name="그림 2"/>
+          <p:cNvPicPr>
+            <a:picLocks noChangeAspect="1"/>
+          </p:cNvPicPr>
+          <p:nvPr/>
+        </p:nvPicPr>
+        <p:blipFill>
+          <a:blip r:embed="rId2">
+            <a:extLst>
+              <a:ext uri="{28A0092B-C50C-407E-A947-70E740481C1C}">
+                <a14:useLocalDpi xmlns:a14="http://schemas.microsoft.com/office/drawing/2010/main" val="0"/>
+              </a:ext>
+            </a:extLst>
+          </a:blip>
+          <a:stretch>
+            <a:fillRect/>
+          </a:stretch>
+        </p:blipFill>
+        <p:spPr>
+          <a:xfrm>
+            <a:off x="1712640" y="1201761"/>
+            <a:ext cx="5584586" cy="5179567"/>
+          </a:xfrm>
+          <a:prstGeom prst="rect">
+            <a:avLst/>
+          </a:prstGeom>
+          <a:ln>
+            <a:solidFill>
+              <a:schemeClr val="bg1">
+                <a:lumMod val="85000"/>
+              </a:schemeClr>
+            </a:solidFill>
+          </a:ln>
+        </p:spPr>
+      </p:pic>
+      <p:sp>
+        <p:nvSpPr>
+          <p:cNvPr id="7" name="TextBox 6"/>
+          <p:cNvSpPr txBox="1"/>
+          <p:nvPr/>
+        </p:nvSpPr>
+        <p:spPr>
+          <a:xfrm>
+            <a:off x="6753200" y="1631253"/>
+            <a:ext cx="1800200" cy="408623"/>
+          </a:xfrm>
+          <a:prstGeom prst="roundRect">
+            <a:avLst/>
+          </a:prstGeom>
+        </p:spPr>
+        <p:style>
+          <a:lnRef idx="2">
+            <a:schemeClr val="accent2"/>
+          </a:lnRef>
+          <a:fillRef idx="1">
+            <a:schemeClr val="lt1"/>
+          </a:fillRef>
+          <a:effectRef idx="0">
+            <a:schemeClr val="accent2"/>
+          </a:effectRef>
+          <a:fontRef idx="minor">
+            <a:schemeClr val="dk1"/>
+          </a:fontRef>
+        </p:style>
+        <p:txBody>
+          <a:bodyPr wrap="square" rtlCol="0">
+            <a:spAutoFit/>
+          </a:bodyPr>
+          <a:lstStyle/>
+          <a:p>
+            <a:pPr algn="ctr"/>
+            <a:r>
+              <a:rPr lang="en-US" altLang="ko-KR" dirty="0" smtClean="0">
+                <a:solidFill>
+                  <a:srgbClr val="C00000"/>
+                </a:solidFill>
+              </a:rPr>
+              <a:t>validatation.js</a:t>
+            </a:r>
+            <a:endParaRPr lang="ko-KR" altLang="en-US" dirty="0">
+              <a:solidFill>
+                <a:srgbClr val="C00000"/>
+              </a:solidFill>
+            </a:endParaRPr>
+          </a:p>
+        </p:txBody>
+      </p:sp>
+    </p:spTree>
+    <p:extLst>
+      <p:ext uri="{BB962C8B-B14F-4D97-AF65-F5344CB8AC3E}">
+        <p14:creationId xmlns:p14="http://schemas.microsoft.com/office/powerpoint/2010/main" val="3530632429"/>
+      </p:ext>
+    </p:extLst>
+  </p:cSld>
+  <p:clrMapOvr>
+    <a:masterClrMapping/>
+  </p:clrMapOvr>
+  <p:timing>
+    <p:tnLst>
+      <p:par>
+        <p:cTn id="1" dur="indefinite" restart="never" nodeType="tmRoot"/>
+      </p:par>
+    </p:tnLst>
+  </p:timing>
+</p:sld>
+</file>
+
+<file path=ppt/slides/slide43.xml><?xml version="1.0" encoding="utf-8"?>
+<p:sld xmlns:a="http://schemas.openxmlformats.org/drawingml/2006/main" xmlns:r="http://schemas.openxmlformats.org/officeDocument/2006/relationships" xmlns:p="http://schemas.openxmlformats.org/presentationml/2006/main">
+  <p:cSld>
+    <p:spTree>
+      <p:nvGrpSpPr>
+        <p:cNvPr id="1" name=""/>
+        <p:cNvGrpSpPr/>
+        <p:nvPr/>
+      </p:nvGrpSpPr>
+      <p:grpSpPr>
+        <a:xfrm>
+          <a:off x="0" y="0"/>
+          <a:ext cx="0" cy="0"/>
+          <a:chOff x="0" y="0"/>
+          <a:chExt cx="0" cy="0"/>
+        </a:xfrm>
+      </p:grpSpPr>
+      <p:sp>
+        <p:nvSpPr>
+          <p:cNvPr id="2" name="제목 1"/>
+          <p:cNvSpPr>
+            <a:spLocks noGrp="1"/>
+          </p:cNvSpPr>
+          <p:nvPr>
+            <p:ph type="title"/>
+          </p:nvPr>
+        </p:nvSpPr>
+        <p:spPr>
+          <a:xfrm>
+            <a:off x="416497" y="197768"/>
+            <a:ext cx="6412780" cy="854968"/>
+          </a:xfrm>
+        </p:spPr>
+        <p:txBody>
+          <a:bodyPr>
+            <a:noAutofit/>
+          </a:bodyPr>
+          <a:lstStyle/>
+          <a:p>
+            <a:pPr algn="ctr"/>
+            <a:r>
+              <a:rPr lang="ko-KR" altLang="en-US" sz="2800" dirty="0" smtClean="0"/>
+              <a:t>유효성 검사</a:t>
+            </a:r>
+            <a:r>
+              <a:rPr lang="en-US" altLang="ko-KR" sz="2800" dirty="0" smtClean="0"/>
+              <a:t>(validation)</a:t>
+            </a:r>
+            <a:endParaRPr lang="ko-KR" altLang="en-US" sz="2800" dirty="0"/>
+          </a:p>
+        </p:txBody>
+      </p:sp>
+      <p:sp>
+        <p:nvSpPr>
+          <p:cNvPr id="4" name="슬라이드 번호 개체 틀 3"/>
+          <p:cNvSpPr>
+            <a:spLocks noGrp="1"/>
+          </p:cNvSpPr>
+          <p:nvPr>
+            <p:ph type="sldNum" sz="quarter" idx="12"/>
+          </p:nvPr>
+        </p:nvSpPr>
+        <p:spPr/>
+        <p:txBody>
+          <a:bodyPr/>
+          <a:lstStyle/>
+          <a:p>
+            <a:fld id="{1BDE3FE7-3AEA-4B05-AC5A-802D1816ACF0}" type="slidenum">
+              <a:rPr lang="ko-KR" altLang="en-US" smtClean="0"/>
+              <a:t>43</a:t>
+            </a:fld>
+            <a:endParaRPr lang="ko-KR" altLang="en-US"/>
+          </a:p>
+        </p:txBody>
+      </p:sp>
+      <p:pic>
+        <p:nvPicPr>
+          <p:cNvPr id="5" name="그림 4"/>
+          <p:cNvPicPr>
+            <a:picLocks noChangeAspect="1"/>
+          </p:cNvPicPr>
+          <p:nvPr/>
+        </p:nvPicPr>
+        <p:blipFill>
+          <a:blip r:embed="rId2">
+            <a:extLst>
+              <a:ext uri="{28A0092B-C50C-407E-A947-70E740481C1C}">
+                <a14:useLocalDpi xmlns:a14="http://schemas.microsoft.com/office/drawing/2010/main" val="0"/>
+              </a:ext>
+            </a:extLst>
+          </a:blip>
+          <a:stretch>
+            <a:fillRect/>
+          </a:stretch>
+        </p:blipFill>
+        <p:spPr>
+          <a:xfrm>
+            <a:off x="1007405" y="1628800"/>
+            <a:ext cx="8064896" cy="3853560"/>
+          </a:xfrm>
+          <a:prstGeom prst="rect">
+            <a:avLst/>
+          </a:prstGeom>
+          <a:ln>
+            <a:solidFill>
+              <a:schemeClr val="bg1">
+                <a:lumMod val="85000"/>
+              </a:schemeClr>
+            </a:solidFill>
+          </a:ln>
+        </p:spPr>
+      </p:pic>
+    </p:spTree>
+    <p:extLst>
+      <p:ext uri="{BB962C8B-B14F-4D97-AF65-F5344CB8AC3E}">
+        <p14:creationId xmlns:p14="http://schemas.microsoft.com/office/powerpoint/2010/main" val="160539774"/>
       </p:ext>
     </p:extLst>
   </p:cSld>

--- a/js_ppt/8강. js_폼과 정규표현식.pptx
+++ b/js_ppt/8강. js_폼과 정규표현식.pptx
@@ -5,7 +5,7 @@
     <p:sldMasterId id="2147483648" r:id="rId1"/>
   </p:sldMasterIdLst>
   <p:notesMasterIdLst>
-    <p:notesMasterId r:id="rId45"/>
+    <p:notesMasterId r:id="rId39"/>
   </p:notesMasterIdLst>
   <p:sldIdLst>
     <p:sldId id="256" r:id="rId2"/>
@@ -41,16 +41,10 @@
     <p:sldId id="422" r:id="rId32"/>
     <p:sldId id="402" r:id="rId33"/>
     <p:sldId id="421" r:id="rId34"/>
-    <p:sldId id="420" r:id="rId35"/>
-    <p:sldId id="403" r:id="rId36"/>
-    <p:sldId id="424" r:id="rId37"/>
-    <p:sldId id="425" r:id="rId38"/>
-    <p:sldId id="426" r:id="rId39"/>
-    <p:sldId id="423" r:id="rId40"/>
-    <p:sldId id="416" r:id="rId41"/>
-    <p:sldId id="417" r:id="rId42"/>
-    <p:sldId id="415" r:id="rId43"/>
-    <p:sldId id="418" r:id="rId44"/>
+    <p:sldId id="423" r:id="rId35"/>
+    <p:sldId id="424" r:id="rId36"/>
+    <p:sldId id="425" r:id="rId37"/>
+    <p:sldId id="426" r:id="rId38"/>
   </p:sldIdLst>
   <p:sldSz cx="9906000" cy="6858000" type="A4"/>
   <p:notesSz cx="6858000" cy="9144000"/>
@@ -250,7 +244,7 @@
           <a:p>
             <a:fld id="{7665CDAC-D627-4E87-877A-1B781DD4CADC}" type="datetimeFigureOut">
               <a:rPr lang="ko-KR" altLang="en-US" smtClean="0"/>
-              <a:t>2023-04-06</a:t>
+              <a:t>2023-04-10</a:t>
             </a:fld>
             <a:endParaRPr lang="ko-KR" altLang="en-US"/>
           </a:p>
@@ -664,7 +658,7 @@
           <a:p>
             <a:fld id="{C25BCFD5-C4DF-4EBC-B718-C69ED2FBDE6F}" type="datetime1">
               <a:rPr lang="ko-KR" altLang="en-US" smtClean="0"/>
-              <a:t>2023-04-06</a:t>
+              <a:t>2023-04-10</a:t>
             </a:fld>
             <a:endParaRPr lang="ko-KR" altLang="en-US"/>
           </a:p>
@@ -1082,7 +1076,7 @@
           <a:p>
             <a:fld id="{AB448CD7-D367-43D5-B461-ACE552E75063}" type="datetime1">
               <a:rPr lang="ko-KR" altLang="en-US" smtClean="0"/>
-              <a:t>2023-04-06</a:t>
+              <a:t>2023-04-10</a:t>
             </a:fld>
             <a:endParaRPr lang="ko-KR" altLang="en-US"/>
           </a:p>
@@ -1262,7 +1256,7 @@
           <a:p>
             <a:fld id="{B6E49E79-7361-4780-8BEF-7EDE3708298A}" type="datetime1">
               <a:rPr lang="ko-KR" altLang="en-US" smtClean="0"/>
-              <a:t>2023-04-06</a:t>
+              <a:t>2023-04-10</a:t>
             </a:fld>
             <a:endParaRPr lang="ko-KR" altLang="en-US"/>
           </a:p>
@@ -1436,7 +1430,7 @@
           <a:p>
             <a:fld id="{A4D42E3C-B70B-437C-85CF-1286301B9CBA}" type="datetime1">
               <a:rPr lang="ko-KR" altLang="en-US" smtClean="0"/>
-              <a:t>2023-04-06</a:t>
+              <a:t>2023-04-10</a:t>
             </a:fld>
             <a:endParaRPr lang="ko-KR" altLang="en-US"/>
           </a:p>
@@ -1682,7 +1676,7 @@
           <a:p>
             <a:fld id="{B3369A20-5B3D-4D98-A822-26B93D177A40}" type="datetime1">
               <a:rPr lang="ko-KR" altLang="en-US" smtClean="0"/>
-              <a:t>2023-04-06</a:t>
+              <a:t>2023-04-10</a:t>
             </a:fld>
             <a:endParaRPr lang="ko-KR" altLang="en-US"/>
           </a:p>
@@ -1970,7 +1964,7 @@
           <a:p>
             <a:fld id="{685CD4CE-9E43-4F70-A9D8-A2130CA7D92A}" type="datetime1">
               <a:rPr lang="ko-KR" altLang="en-US" smtClean="0"/>
-              <a:t>2023-04-06</a:t>
+              <a:t>2023-04-10</a:t>
             </a:fld>
             <a:endParaRPr lang="ko-KR" altLang="en-US"/>
           </a:p>
@@ -2392,7 +2386,7 @@
           <a:p>
             <a:fld id="{F752BD92-DA3E-4A0B-90C9-7DE5E15B6E96}" type="datetime1">
               <a:rPr lang="ko-KR" altLang="en-US" smtClean="0"/>
-              <a:t>2023-04-06</a:t>
+              <a:t>2023-04-10</a:t>
             </a:fld>
             <a:endParaRPr lang="ko-KR" altLang="en-US"/>
           </a:p>
@@ -2510,7 +2504,7 @@
           <a:p>
             <a:fld id="{8EA2B83A-F366-424E-B742-340ACF856BB5}" type="datetime1">
               <a:rPr lang="ko-KR" altLang="en-US" smtClean="0"/>
-              <a:t>2023-04-06</a:t>
+              <a:t>2023-04-10</a:t>
             </a:fld>
             <a:endParaRPr lang="ko-KR" altLang="en-US"/>
           </a:p>
@@ -2605,7 +2599,7 @@
           <a:p>
             <a:fld id="{9A49D68B-5DBD-48E9-A8D4-FCBC4B3DD9C6}" type="datetime1">
               <a:rPr lang="ko-KR" altLang="en-US" smtClean="0"/>
-              <a:t>2023-04-06</a:t>
+              <a:t>2023-04-10</a:t>
             </a:fld>
             <a:endParaRPr lang="ko-KR" altLang="en-US"/>
           </a:p>
@@ -2882,7 +2876,7 @@
           <a:p>
             <a:fld id="{4CAB534F-7D16-467B-9320-91F98915D181}" type="datetime1">
               <a:rPr lang="ko-KR" altLang="en-US" smtClean="0"/>
-              <a:t>2023-04-06</a:t>
+              <a:t>2023-04-10</a:t>
             </a:fld>
             <a:endParaRPr lang="ko-KR" altLang="en-US"/>
           </a:p>
@@ -3135,7 +3129,7 @@
           <a:p>
             <a:fld id="{A390A91F-2F8D-4486-A69D-D680F95444B0}" type="datetime1">
               <a:rPr lang="ko-KR" altLang="en-US" smtClean="0"/>
-              <a:t>2023-04-06</a:t>
+              <a:t>2023-04-10</a:t>
             </a:fld>
             <a:endParaRPr lang="ko-KR" altLang="en-US"/>
           </a:p>
@@ -3315,7 +3309,7 @@
           <a:p>
             <a:fld id="{2238BBEA-E8DD-414A-BF68-FC2AFA7CFF2D}" type="datetime1">
               <a:rPr lang="ko-KR" altLang="en-US" smtClean="0"/>
-              <a:t>2023-04-06</a:t>
+              <a:t>2023-04-10</a:t>
             </a:fld>
             <a:endParaRPr lang="ko-KR" altLang="en-US"/>
           </a:p>
@@ -10303,7 +10297,7 @@
         </p:nvSpPr>
         <p:spPr>
           <a:xfrm>
-            <a:off x="1136576" y="1362834"/>
+            <a:off x="1136576" y="1268760"/>
             <a:ext cx="4680520" cy="553998"/>
           </a:xfrm>
           <a:prstGeom prst="rect">
@@ -10332,7 +10326,6 @@
               <a:rPr lang="en-US" altLang="ko-KR" sz="2000" b="1" dirty="0" smtClean="0"/>
               <a:t>(Regular Expression)</a:t>
             </a:r>
-            <a:endParaRPr lang="en-US" altLang="ko-KR" sz="2000" b="1" dirty="0" smtClean="0"/>
           </a:p>
         </p:txBody>
       </p:sp>
@@ -10381,7 +10374,7 @@
         </p:nvSpPr>
         <p:spPr>
           <a:xfrm>
-            <a:off x="1327440" y="1870455"/>
+            <a:off x="1337047" y="1824975"/>
             <a:ext cx="7516386" cy="923330"/>
           </a:xfrm>
           <a:prstGeom prst="rect">
@@ -10571,7 +10564,7 @@
         </p:nvSpPr>
         <p:spPr>
           <a:xfrm>
-            <a:off x="1136576" y="1362834"/>
+            <a:off x="1424608" y="1484784"/>
             <a:ext cx="2376264" cy="494494"/>
           </a:xfrm>
           <a:prstGeom prst="rect">
@@ -10616,8 +10609,8 @@
         </p:nvSpPr>
         <p:spPr>
           <a:xfrm>
-            <a:off x="1327440" y="1870455"/>
-            <a:ext cx="7516386" cy="454292"/>
+            <a:off x="1424608" y="2234999"/>
+            <a:ext cx="2689456" cy="1338828"/>
           </a:xfrm>
           <a:prstGeom prst="rect">
             <a:avLst/>
@@ -10636,14 +10629,6 @@
               </a:lnSpc>
             </a:pPr>
             <a:r>
-              <a:rPr lang="en-US" altLang="ko-KR" sz="1600" dirty="0"/>
-              <a:t> </a:t>
-            </a:r>
-            <a:r>
-              <a:rPr lang="en-US" altLang="ko-KR" sz="1600" dirty="0" smtClean="0"/>
-              <a:t> </a:t>
-            </a:r>
-            <a:r>
               <a:rPr lang="en-US" altLang="ko-KR" dirty="0" smtClean="0"/>
               <a:t>test</a:t>
             </a:r>
@@ -10693,7 +10678,7 @@
       </p:sp>
       <p:pic>
         <p:nvPicPr>
-          <p:cNvPr id="6" name="그림 5"/>
+          <p:cNvPr id="3" name="그림 2"/>
           <p:cNvPicPr>
             <a:picLocks noChangeAspect="1"/>
           </p:cNvPicPr>
@@ -10713,8 +10698,8 @@
         </p:blipFill>
         <p:spPr>
           <a:xfrm>
-            <a:off x="1784648" y="2564904"/>
-            <a:ext cx="5852667" cy="3505504"/>
+            <a:off x="4114064" y="1412776"/>
+            <a:ext cx="4643404" cy="5184576"/>
           </a:xfrm>
           <a:prstGeom prst="rect">
             <a:avLst/>
@@ -10789,8 +10774,12 @@
           <a:p>
             <a:pPr algn="ctr"/>
             <a:r>
-              <a:rPr lang="ko-KR" altLang="en-US" sz="2800" dirty="0"/>
-              <a:t>정규 표현식</a:t>
+              <a:rPr lang="ko-KR" altLang="en-US" sz="2800" dirty="0" smtClean="0"/>
+              <a:t>유효성 검사</a:t>
+            </a:r>
+            <a:r>
+              <a:rPr lang="en-US" altLang="ko-KR" sz="2800" dirty="0" smtClean="0"/>
+              <a:t>(validation)</a:t>
             </a:r>
             <a:endParaRPr lang="ko-KR" altLang="en-US" sz="2800" dirty="0"/>
           </a:p>
@@ -10816,6 +10805,47 @@
               <a:t>34</a:t>
             </a:fld>
             <a:endParaRPr lang="ko-KR" altLang="en-US"/>
+          </a:p>
+        </p:txBody>
+      </p:sp>
+      <p:sp>
+        <p:nvSpPr>
+          <p:cNvPr id="8" name="TextBox 7"/>
+          <p:cNvSpPr txBox="1"/>
+          <p:nvPr/>
+        </p:nvSpPr>
+        <p:spPr>
+          <a:xfrm>
+            <a:off x="920551" y="1196752"/>
+            <a:ext cx="3456385" cy="454292"/>
+          </a:xfrm>
+          <a:prstGeom prst="rect">
+            <a:avLst/>
+          </a:prstGeom>
+          <a:noFill/>
+        </p:spPr>
+        <p:txBody>
+          <a:bodyPr wrap="square" rtlCol="0">
+            <a:spAutoFit/>
+          </a:bodyPr>
+          <a:lstStyle/>
+          <a:p>
+            <a:pPr marL="285750" indent="-285750">
+              <a:lnSpc>
+                <a:spcPct val="150000"/>
+              </a:lnSpc>
+              <a:buFont typeface="Wingdings" panose="05000000000000000000" pitchFamily="2" charset="2"/>
+              <a:buChar char="l"/>
+            </a:pPr>
+            <a:r>
+              <a:rPr lang="en-US" altLang="ko-KR" dirty="0" smtClean="0"/>
+              <a:t> </a:t>
+            </a:r>
+            <a:r>
+              <a:rPr lang="ko-KR" altLang="en-US" dirty="0" smtClean="0"/>
+              <a:t>회원 가입 유효성 검사</a:t>
+            </a:r>
+            <a:endParaRPr lang="en-US" altLang="ko-KR" sz="2400" b="1" dirty="0" smtClean="0"/>
           </a:p>
         </p:txBody>
       </p:sp>
@@ -10841,8 +10871,8 @@
         </p:blipFill>
         <p:spPr>
           <a:xfrm>
-            <a:off x="1208584" y="1916832"/>
-            <a:ext cx="7087214" cy="3467400"/>
+            <a:off x="2144688" y="1844824"/>
+            <a:ext cx="4732430" cy="4244708"/>
           </a:xfrm>
           <a:prstGeom prst="rect">
             <a:avLst/>
@@ -10859,7 +10889,7 @@
     </p:spTree>
     <p:extLst>
       <p:ext uri="{BB962C8B-B14F-4D97-AF65-F5344CB8AC3E}">
-        <p14:creationId xmlns:p14="http://schemas.microsoft.com/office/powerpoint/2010/main" val="2779984484"/>
+        <p14:creationId xmlns:p14="http://schemas.microsoft.com/office/powerpoint/2010/main" val="2308492931"/>
       </p:ext>
     </p:extLst>
   </p:cSld>
@@ -10951,50 +10981,9 @@
           </a:p>
         </p:txBody>
       </p:sp>
-      <p:sp>
-        <p:nvSpPr>
-          <p:cNvPr id="8" name="TextBox 7"/>
-          <p:cNvSpPr txBox="1"/>
-          <p:nvPr/>
-        </p:nvSpPr>
-        <p:spPr>
-          <a:xfrm>
-            <a:off x="920551" y="1196752"/>
-            <a:ext cx="3456385" cy="454292"/>
-          </a:xfrm>
-          <a:prstGeom prst="rect">
-            <a:avLst/>
-          </a:prstGeom>
-          <a:noFill/>
-        </p:spPr>
-        <p:txBody>
-          <a:bodyPr wrap="square" rtlCol="0">
-            <a:spAutoFit/>
-          </a:bodyPr>
-          <a:lstStyle/>
-          <a:p>
-            <a:pPr marL="285750" indent="-285750">
-              <a:lnSpc>
-                <a:spcPct val="150000"/>
-              </a:lnSpc>
-              <a:buFont typeface="Wingdings" panose="05000000000000000000" pitchFamily="2" charset="2"/>
-              <a:buChar char="l"/>
-            </a:pPr>
-            <a:r>
-              <a:rPr lang="en-US" altLang="ko-KR" dirty="0" smtClean="0"/>
-              <a:t> </a:t>
-            </a:r>
-            <a:r>
-              <a:rPr lang="ko-KR" altLang="en-US" dirty="0" smtClean="0"/>
-              <a:t>회원 가입 유효성 검사</a:t>
-            </a:r>
-            <a:endParaRPr lang="en-US" altLang="ko-KR" sz="2400" b="1" dirty="0" smtClean="0"/>
-          </a:p>
-        </p:txBody>
-      </p:sp>
       <p:pic>
         <p:nvPicPr>
-          <p:cNvPr id="6" name="그림 5"/>
+          <p:cNvPr id="5" name="그림 4"/>
           <p:cNvPicPr>
             <a:picLocks noChangeAspect="1"/>
           </p:cNvPicPr>
@@ -11014,8 +11003,8 @@
         </p:blipFill>
         <p:spPr>
           <a:xfrm>
-            <a:off x="1352600" y="2060848"/>
-            <a:ext cx="6904318" cy="2461473"/>
+            <a:off x="1496616" y="1196752"/>
+            <a:ext cx="5760640" cy="5488093"/>
           </a:xfrm>
           <a:prstGeom prst="rect">
             <a:avLst/>
@@ -11029,10 +11018,62 @@
           </a:ln>
         </p:spPr>
       </p:pic>
+      <p:sp>
+        <p:nvSpPr>
+          <p:cNvPr id="7" name="TextBox 6"/>
+          <p:cNvSpPr txBox="1"/>
+          <p:nvPr/>
+        </p:nvSpPr>
+        <p:spPr>
+          <a:xfrm>
+            <a:off x="6681192" y="1556792"/>
+            <a:ext cx="1800200" cy="408623"/>
+          </a:xfrm>
+          <a:prstGeom prst="roundRect">
+            <a:avLst/>
+          </a:prstGeom>
+        </p:spPr>
+        <p:style>
+          <a:lnRef idx="2">
+            <a:schemeClr val="dk1"/>
+          </a:lnRef>
+          <a:fillRef idx="1">
+            <a:schemeClr val="lt1"/>
+          </a:fillRef>
+          <a:effectRef idx="0">
+            <a:schemeClr val="dk1"/>
+          </a:effectRef>
+          <a:fontRef idx="minor">
+            <a:schemeClr val="dk1"/>
+          </a:fontRef>
+        </p:style>
+        <p:txBody>
+          <a:bodyPr wrap="square" rtlCol="0">
+            <a:spAutoFit/>
+          </a:bodyPr>
+          <a:lstStyle/>
+          <a:p>
+            <a:pPr algn="ctr"/>
+            <a:r>
+              <a:rPr lang="en-US" altLang="ko-KR" dirty="0" smtClean="0">
+                <a:solidFill>
+                  <a:srgbClr val="C00000"/>
+                </a:solidFill>
+              </a:rPr>
+              <a:t>register2.html</a:t>
+            </a:r>
+            <a:endParaRPr lang="ko-KR" altLang="en-US" dirty="0">
+              <a:solidFill>
+                <a:srgbClr val="C00000"/>
+              </a:solidFill>
+            </a:endParaRPr>
+          </a:p>
+        </p:txBody>
+      </p:sp>
     </p:spTree>
     <p:extLst>
       <p:ext uri="{BB962C8B-B14F-4D97-AF65-F5344CB8AC3E}">
-        <p14:creationId xmlns:p14="http://schemas.microsoft.com/office/powerpoint/2010/main" val="2231395217"/>
+        <p14:creationId xmlns:p14="http://schemas.microsoft.com/office/powerpoint/2010/main" val="4013391894"/>
       </p:ext>
     </p:extLst>
   </p:cSld>
@@ -11167,7 +11208,7 @@
       </p:sp>
       <p:pic>
         <p:nvPicPr>
-          <p:cNvPr id="3" name="그림 2"/>
+          <p:cNvPr id="6" name="그림 5"/>
           <p:cNvPicPr>
             <a:picLocks noChangeAspect="1"/>
           </p:cNvPicPr>
@@ -11187,8 +11228,8 @@
         </p:blipFill>
         <p:spPr>
           <a:xfrm>
-            <a:off x="1376057" y="1795060"/>
-            <a:ext cx="5809191" cy="4609393"/>
+            <a:off x="1734193" y="1792348"/>
+            <a:ext cx="5078564" cy="4602661"/>
           </a:xfrm>
           <a:prstGeom prst="rect">
             <a:avLst/>
@@ -11202,10 +11243,62 @@
           </a:ln>
         </p:spPr>
       </p:pic>
+      <p:sp>
+        <p:nvSpPr>
+          <p:cNvPr id="7" name="TextBox 6"/>
+          <p:cNvSpPr txBox="1"/>
+          <p:nvPr/>
+        </p:nvSpPr>
+        <p:spPr>
+          <a:xfrm>
+            <a:off x="6033120" y="2348880"/>
+            <a:ext cx="2160240" cy="408623"/>
+          </a:xfrm>
+          <a:prstGeom prst="roundRect">
+            <a:avLst/>
+          </a:prstGeom>
+        </p:spPr>
+        <p:style>
+          <a:lnRef idx="2">
+            <a:schemeClr val="accent2"/>
+          </a:lnRef>
+          <a:fillRef idx="1">
+            <a:schemeClr val="lt1"/>
+          </a:fillRef>
+          <a:effectRef idx="0">
+            <a:schemeClr val="accent2"/>
+          </a:effectRef>
+          <a:fontRef idx="minor">
+            <a:schemeClr val="dk1"/>
+          </a:fontRef>
+        </p:style>
+        <p:txBody>
+          <a:bodyPr wrap="square" rtlCol="0">
+            <a:spAutoFit/>
+          </a:bodyPr>
+          <a:lstStyle/>
+          <a:p>
+            <a:pPr algn="ctr"/>
+            <a:r>
+              <a:rPr lang="en-US" altLang="ko-KR" dirty="0" smtClean="0">
+                <a:solidFill>
+                  <a:srgbClr val="C00000"/>
+                </a:solidFill>
+              </a:rPr>
+              <a:t>checkmember.js</a:t>
+            </a:r>
+            <a:endParaRPr lang="ko-KR" altLang="en-US" dirty="0">
+              <a:solidFill>
+                <a:srgbClr val="C00000"/>
+              </a:solidFill>
+            </a:endParaRPr>
+          </a:p>
+        </p:txBody>
+      </p:sp>
     </p:spTree>
     <p:extLst>
       <p:ext uri="{BB962C8B-B14F-4D97-AF65-F5344CB8AC3E}">
-        <p14:creationId xmlns:p14="http://schemas.microsoft.com/office/powerpoint/2010/main" val="4013391894"/>
+        <p14:creationId xmlns:p14="http://schemas.microsoft.com/office/powerpoint/2010/main" val="583363535"/>
       </p:ext>
     </p:extLst>
   </p:cSld>
@@ -11360,8 +11453,8 @@
         </p:blipFill>
         <p:spPr>
           <a:xfrm>
-            <a:off x="1373181" y="1795060"/>
-            <a:ext cx="6007509" cy="4507208"/>
+            <a:off x="1136576" y="1916832"/>
+            <a:ext cx="7110076" cy="3452159"/>
           </a:xfrm>
           <a:prstGeom prst="rect">
             <a:avLst/>
@@ -11375,416 +11468,10 @@
           </a:ln>
         </p:spPr>
       </p:pic>
-      <p:sp>
-        <p:nvSpPr>
-          <p:cNvPr id="7" name="TextBox 6"/>
-          <p:cNvSpPr txBox="1"/>
-          <p:nvPr/>
-        </p:nvSpPr>
-        <p:spPr>
-          <a:xfrm>
-            <a:off x="6609184" y="2348880"/>
-            <a:ext cx="2160240" cy="408623"/>
-          </a:xfrm>
-          <a:prstGeom prst="roundRect">
-            <a:avLst/>
-          </a:prstGeom>
-        </p:spPr>
-        <p:style>
-          <a:lnRef idx="2">
-            <a:schemeClr val="accent2"/>
-          </a:lnRef>
-          <a:fillRef idx="1">
-            <a:schemeClr val="lt1"/>
-          </a:fillRef>
-          <a:effectRef idx="0">
-            <a:schemeClr val="accent2"/>
-          </a:effectRef>
-          <a:fontRef idx="minor">
-            <a:schemeClr val="dk1"/>
-          </a:fontRef>
-        </p:style>
-        <p:txBody>
-          <a:bodyPr wrap="square" rtlCol="0">
-            <a:spAutoFit/>
-          </a:bodyPr>
-          <a:lstStyle/>
-          <a:p>
-            <a:pPr algn="ctr"/>
-            <a:r>
-              <a:rPr lang="en-US" altLang="ko-KR" dirty="0" smtClean="0">
-                <a:solidFill>
-                  <a:srgbClr val="C00000"/>
-                </a:solidFill>
-              </a:rPr>
-              <a:t>checkmember</a:t>
-            </a:r>
-            <a:r>
-              <a:rPr lang="en-US" altLang="ko-KR" dirty="0" smtClean="0">
-                <a:solidFill>
-                  <a:srgbClr val="C00000"/>
-                </a:solidFill>
-              </a:rPr>
-              <a:t>.js</a:t>
-            </a:r>
-            <a:endParaRPr lang="ko-KR" altLang="en-US" dirty="0">
-              <a:solidFill>
-                <a:srgbClr val="C00000"/>
-              </a:solidFill>
-            </a:endParaRPr>
-          </a:p>
-        </p:txBody>
-      </p:sp>
-    </p:spTree>
-    <p:extLst>
-      <p:ext uri="{BB962C8B-B14F-4D97-AF65-F5344CB8AC3E}">
-        <p14:creationId xmlns:p14="http://schemas.microsoft.com/office/powerpoint/2010/main" val="583363535"/>
-      </p:ext>
-    </p:extLst>
-  </p:cSld>
-  <p:clrMapOvr>
-    <a:masterClrMapping/>
-  </p:clrMapOvr>
-  <p:timing>
-    <p:tnLst>
-      <p:par>
-        <p:cTn id="1" dur="indefinite" restart="never" nodeType="tmRoot"/>
-      </p:par>
-    </p:tnLst>
-  </p:timing>
-</p:sld>
-</file>
-
-<file path=ppt/slides/slide38.xml><?xml version="1.0" encoding="utf-8"?>
-<p:sld xmlns:a="http://schemas.openxmlformats.org/drawingml/2006/main" xmlns:r="http://schemas.openxmlformats.org/officeDocument/2006/relationships" xmlns:p="http://schemas.openxmlformats.org/presentationml/2006/main">
-  <p:cSld>
-    <p:spTree>
-      <p:nvGrpSpPr>
-        <p:cNvPr id="1" name=""/>
-        <p:cNvGrpSpPr/>
-        <p:nvPr/>
-      </p:nvGrpSpPr>
-      <p:grpSpPr>
-        <a:xfrm>
-          <a:off x="0" y="0"/>
-          <a:ext cx="0" cy="0"/>
-          <a:chOff x="0" y="0"/>
-          <a:chExt cx="0" cy="0"/>
-        </a:xfrm>
-      </p:grpSpPr>
-      <p:sp>
-        <p:nvSpPr>
-          <p:cNvPr id="2" name="제목 1"/>
-          <p:cNvSpPr>
-            <a:spLocks noGrp="1"/>
-          </p:cNvSpPr>
-          <p:nvPr>
-            <p:ph type="title"/>
-          </p:nvPr>
-        </p:nvSpPr>
-        <p:spPr>
-          <a:xfrm>
-            <a:off x="416497" y="197768"/>
-            <a:ext cx="6412780" cy="854968"/>
-          </a:xfrm>
-        </p:spPr>
-        <p:txBody>
-          <a:bodyPr>
-            <a:noAutofit/>
-          </a:bodyPr>
-          <a:lstStyle/>
-          <a:p>
-            <a:pPr algn="ctr"/>
-            <a:r>
-              <a:rPr lang="ko-KR" altLang="en-US" sz="2800" dirty="0" smtClean="0"/>
-              <a:t>유효성 검사</a:t>
-            </a:r>
-            <a:r>
-              <a:rPr lang="en-US" altLang="ko-KR" sz="2800" dirty="0" smtClean="0"/>
-              <a:t>(validation)</a:t>
-            </a:r>
-            <a:endParaRPr lang="ko-KR" altLang="en-US" sz="2800" dirty="0"/>
-          </a:p>
-        </p:txBody>
-      </p:sp>
-      <p:sp>
-        <p:nvSpPr>
-          <p:cNvPr id="4" name="슬라이드 번호 개체 틀 3"/>
-          <p:cNvSpPr>
-            <a:spLocks noGrp="1"/>
-          </p:cNvSpPr>
-          <p:nvPr>
-            <p:ph type="sldNum" sz="quarter" idx="12"/>
-          </p:nvPr>
-        </p:nvSpPr>
-        <p:spPr/>
-        <p:txBody>
-          <a:bodyPr/>
-          <a:lstStyle/>
-          <a:p>
-            <a:fld id="{1BDE3FE7-3AEA-4B05-AC5A-802D1816ACF0}" type="slidenum">
-              <a:rPr lang="ko-KR" altLang="en-US" smtClean="0"/>
-              <a:t>38</a:t>
-            </a:fld>
-            <a:endParaRPr lang="ko-KR" altLang="en-US"/>
-          </a:p>
-        </p:txBody>
-      </p:sp>
-      <p:sp>
-        <p:nvSpPr>
-          <p:cNvPr id="8" name="TextBox 7"/>
-          <p:cNvSpPr txBox="1"/>
-          <p:nvPr/>
-        </p:nvSpPr>
-        <p:spPr>
-          <a:xfrm>
-            <a:off x="920551" y="1196752"/>
-            <a:ext cx="3456385" cy="454292"/>
-          </a:xfrm>
-          <a:prstGeom prst="rect">
-            <a:avLst/>
-          </a:prstGeom>
-          <a:noFill/>
-        </p:spPr>
-        <p:txBody>
-          <a:bodyPr wrap="square" rtlCol="0">
-            <a:spAutoFit/>
-          </a:bodyPr>
-          <a:lstStyle/>
-          <a:p>
-            <a:pPr marL="285750" indent="-285750">
-              <a:lnSpc>
-                <a:spcPct val="150000"/>
-              </a:lnSpc>
-              <a:buFont typeface="Wingdings" panose="05000000000000000000" pitchFamily="2" charset="2"/>
-              <a:buChar char="l"/>
-            </a:pPr>
-            <a:r>
-              <a:rPr lang="en-US" altLang="ko-KR" dirty="0" smtClean="0"/>
-              <a:t> </a:t>
-            </a:r>
-            <a:r>
-              <a:rPr lang="ko-KR" altLang="en-US" dirty="0" smtClean="0"/>
-              <a:t>회원 가입 유효성 검사</a:t>
-            </a:r>
-            <a:endParaRPr lang="en-US" altLang="ko-KR" sz="2400" b="1" dirty="0" smtClean="0"/>
-          </a:p>
-        </p:txBody>
-      </p:sp>
-      <p:pic>
-        <p:nvPicPr>
-          <p:cNvPr id="3" name="그림 2"/>
-          <p:cNvPicPr>
-            <a:picLocks noChangeAspect="1"/>
-          </p:cNvPicPr>
-          <p:nvPr/>
-        </p:nvPicPr>
-        <p:blipFill>
-          <a:blip r:embed="rId2">
-            <a:extLst>
-              <a:ext uri="{28A0092B-C50C-407E-A947-70E740481C1C}">
-                <a14:useLocalDpi xmlns:a14="http://schemas.microsoft.com/office/drawing/2010/main" val="0"/>
-              </a:ext>
-            </a:extLst>
-          </a:blip>
-          <a:stretch>
-            <a:fillRect/>
-          </a:stretch>
-        </p:blipFill>
-        <p:spPr>
-          <a:xfrm>
-            <a:off x="1424608" y="1916832"/>
-            <a:ext cx="4938188" cy="3467400"/>
-          </a:xfrm>
-          <a:prstGeom prst="rect">
-            <a:avLst/>
-          </a:prstGeom>
-          <a:ln>
-            <a:solidFill>
-              <a:schemeClr val="bg1">
-                <a:lumMod val="85000"/>
-              </a:schemeClr>
-            </a:solidFill>
-          </a:ln>
-        </p:spPr>
-      </p:pic>
     </p:spTree>
     <p:extLst>
       <p:ext uri="{BB962C8B-B14F-4D97-AF65-F5344CB8AC3E}">
         <p14:creationId xmlns:p14="http://schemas.microsoft.com/office/powerpoint/2010/main" val="2586841332"/>
-      </p:ext>
-    </p:extLst>
-  </p:cSld>
-  <p:clrMapOvr>
-    <a:masterClrMapping/>
-  </p:clrMapOvr>
-  <p:timing>
-    <p:tnLst>
-      <p:par>
-        <p:cTn id="1" dur="indefinite" restart="never" nodeType="tmRoot"/>
-      </p:par>
-    </p:tnLst>
-  </p:timing>
-</p:sld>
-</file>
-
-<file path=ppt/slides/slide39.xml><?xml version="1.0" encoding="utf-8"?>
-<p:sld xmlns:a="http://schemas.openxmlformats.org/drawingml/2006/main" xmlns:r="http://schemas.openxmlformats.org/officeDocument/2006/relationships" xmlns:p="http://schemas.openxmlformats.org/presentationml/2006/main">
-  <p:cSld>
-    <p:spTree>
-      <p:nvGrpSpPr>
-        <p:cNvPr id="1" name=""/>
-        <p:cNvGrpSpPr/>
-        <p:nvPr/>
-      </p:nvGrpSpPr>
-      <p:grpSpPr>
-        <a:xfrm>
-          <a:off x="0" y="0"/>
-          <a:ext cx="0" cy="0"/>
-          <a:chOff x="0" y="0"/>
-          <a:chExt cx="0" cy="0"/>
-        </a:xfrm>
-      </p:grpSpPr>
-      <p:sp>
-        <p:nvSpPr>
-          <p:cNvPr id="2" name="제목 1"/>
-          <p:cNvSpPr>
-            <a:spLocks noGrp="1"/>
-          </p:cNvSpPr>
-          <p:nvPr>
-            <p:ph type="title"/>
-          </p:nvPr>
-        </p:nvSpPr>
-        <p:spPr>
-          <a:xfrm>
-            <a:off x="416497" y="197768"/>
-            <a:ext cx="6412780" cy="854968"/>
-          </a:xfrm>
-        </p:spPr>
-        <p:txBody>
-          <a:bodyPr>
-            <a:noAutofit/>
-          </a:bodyPr>
-          <a:lstStyle/>
-          <a:p>
-            <a:pPr algn="ctr"/>
-            <a:r>
-              <a:rPr lang="ko-KR" altLang="en-US" sz="2800" dirty="0" smtClean="0"/>
-              <a:t>유효성 검사</a:t>
-            </a:r>
-            <a:r>
-              <a:rPr lang="en-US" altLang="ko-KR" sz="2800" dirty="0" smtClean="0"/>
-              <a:t>(validation)</a:t>
-            </a:r>
-            <a:endParaRPr lang="ko-KR" altLang="en-US" sz="2800" dirty="0"/>
-          </a:p>
-        </p:txBody>
-      </p:sp>
-      <p:sp>
-        <p:nvSpPr>
-          <p:cNvPr id="4" name="슬라이드 번호 개체 틀 3"/>
-          <p:cNvSpPr>
-            <a:spLocks noGrp="1"/>
-          </p:cNvSpPr>
-          <p:nvPr>
-            <p:ph type="sldNum" sz="quarter" idx="12"/>
-          </p:nvPr>
-        </p:nvSpPr>
-        <p:spPr/>
-        <p:txBody>
-          <a:bodyPr/>
-          <a:lstStyle/>
-          <a:p>
-            <a:fld id="{1BDE3FE7-3AEA-4B05-AC5A-802D1816ACF0}" type="slidenum">
-              <a:rPr lang="ko-KR" altLang="en-US" smtClean="0"/>
-              <a:t>39</a:t>
-            </a:fld>
-            <a:endParaRPr lang="ko-KR" altLang="en-US"/>
-          </a:p>
-        </p:txBody>
-      </p:sp>
-      <p:sp>
-        <p:nvSpPr>
-          <p:cNvPr id="8" name="TextBox 7"/>
-          <p:cNvSpPr txBox="1"/>
-          <p:nvPr/>
-        </p:nvSpPr>
-        <p:spPr>
-          <a:xfrm>
-            <a:off x="920551" y="1196752"/>
-            <a:ext cx="3456385" cy="454292"/>
-          </a:xfrm>
-          <a:prstGeom prst="rect">
-            <a:avLst/>
-          </a:prstGeom>
-          <a:noFill/>
-        </p:spPr>
-        <p:txBody>
-          <a:bodyPr wrap="square" rtlCol="0">
-            <a:spAutoFit/>
-          </a:bodyPr>
-          <a:lstStyle/>
-          <a:p>
-            <a:pPr marL="285750" indent="-285750">
-              <a:lnSpc>
-                <a:spcPct val="150000"/>
-              </a:lnSpc>
-              <a:buFont typeface="Wingdings" panose="05000000000000000000" pitchFamily="2" charset="2"/>
-              <a:buChar char="l"/>
-            </a:pPr>
-            <a:r>
-              <a:rPr lang="en-US" altLang="ko-KR" dirty="0" smtClean="0"/>
-              <a:t> </a:t>
-            </a:r>
-            <a:r>
-              <a:rPr lang="ko-KR" altLang="en-US" dirty="0" smtClean="0"/>
-              <a:t>회원 가입 유효성 검사</a:t>
-            </a:r>
-            <a:endParaRPr lang="en-US" altLang="ko-KR" sz="2400" b="1" dirty="0" smtClean="0"/>
-          </a:p>
-        </p:txBody>
-      </p:sp>
-      <p:pic>
-        <p:nvPicPr>
-          <p:cNvPr id="5" name="그림 4"/>
-          <p:cNvPicPr>
-            <a:picLocks noChangeAspect="1"/>
-          </p:cNvPicPr>
-          <p:nvPr/>
-        </p:nvPicPr>
-        <p:blipFill>
-          <a:blip r:embed="rId2">
-            <a:extLst>
-              <a:ext uri="{28A0092B-C50C-407E-A947-70E740481C1C}">
-                <a14:useLocalDpi xmlns:a14="http://schemas.microsoft.com/office/drawing/2010/main" val="0"/>
-              </a:ext>
-            </a:extLst>
-          </a:blip>
-          <a:stretch>
-            <a:fillRect/>
-          </a:stretch>
-        </p:blipFill>
-        <p:spPr>
-          <a:xfrm>
-            <a:off x="2144688" y="1844824"/>
-            <a:ext cx="4732430" cy="4244708"/>
-          </a:xfrm>
-          <a:prstGeom prst="rect">
-            <a:avLst/>
-          </a:prstGeom>
-          <a:ln>
-            <a:solidFill>
-              <a:schemeClr val="bg1">
-                <a:lumMod val="85000"/>
-              </a:schemeClr>
-            </a:solidFill>
-          </a:ln>
-        </p:spPr>
-      </p:pic>
-    </p:spTree>
-    <p:extLst>
-      <p:ext uri="{BB962C8B-B14F-4D97-AF65-F5344CB8AC3E}">
-        <p14:creationId xmlns:p14="http://schemas.microsoft.com/office/powerpoint/2010/main" val="2308492931"/>
       </p:ext>
     </p:extLst>
   </p:cSld>
@@ -11960,690 +11647,6 @@
     <p:extLst>
       <p:ext uri="{BB962C8B-B14F-4D97-AF65-F5344CB8AC3E}">
         <p14:creationId xmlns:p14="http://schemas.microsoft.com/office/powerpoint/2010/main" val="4185830190"/>
-      </p:ext>
-    </p:extLst>
-  </p:cSld>
-  <p:clrMapOvr>
-    <a:masterClrMapping/>
-  </p:clrMapOvr>
-  <p:timing>
-    <p:tnLst>
-      <p:par>
-        <p:cTn id="1" dur="indefinite" restart="never" nodeType="tmRoot"/>
-      </p:par>
-    </p:tnLst>
-  </p:timing>
-</p:sld>
-</file>
-
-<file path=ppt/slides/slide40.xml><?xml version="1.0" encoding="utf-8"?>
-<p:sld xmlns:a="http://schemas.openxmlformats.org/drawingml/2006/main" xmlns:r="http://schemas.openxmlformats.org/officeDocument/2006/relationships" xmlns:p="http://schemas.openxmlformats.org/presentationml/2006/main">
-  <p:cSld>
-    <p:spTree>
-      <p:nvGrpSpPr>
-        <p:cNvPr id="1" name=""/>
-        <p:cNvGrpSpPr/>
-        <p:nvPr/>
-      </p:nvGrpSpPr>
-      <p:grpSpPr>
-        <a:xfrm>
-          <a:off x="0" y="0"/>
-          <a:ext cx="0" cy="0"/>
-          <a:chOff x="0" y="0"/>
-          <a:chExt cx="0" cy="0"/>
-        </a:xfrm>
-      </p:grpSpPr>
-      <p:sp>
-        <p:nvSpPr>
-          <p:cNvPr id="2" name="제목 1"/>
-          <p:cNvSpPr>
-            <a:spLocks noGrp="1"/>
-          </p:cNvSpPr>
-          <p:nvPr>
-            <p:ph type="title"/>
-          </p:nvPr>
-        </p:nvSpPr>
-        <p:spPr>
-          <a:xfrm>
-            <a:off x="416497" y="197768"/>
-            <a:ext cx="6412780" cy="854968"/>
-          </a:xfrm>
-        </p:spPr>
-        <p:txBody>
-          <a:bodyPr>
-            <a:noAutofit/>
-          </a:bodyPr>
-          <a:lstStyle/>
-          <a:p>
-            <a:pPr algn="ctr"/>
-            <a:r>
-              <a:rPr lang="ko-KR" altLang="en-US" sz="2800" dirty="0" err="1" smtClean="0"/>
-              <a:t>입력값</a:t>
-            </a:r>
-            <a:r>
-              <a:rPr lang="ko-KR" altLang="en-US" sz="2800" dirty="0" smtClean="0"/>
-              <a:t> 검증 프로그램</a:t>
-            </a:r>
-            <a:endParaRPr lang="ko-KR" altLang="en-US" sz="2800" dirty="0"/>
-          </a:p>
-        </p:txBody>
-      </p:sp>
-      <p:sp>
-        <p:nvSpPr>
-          <p:cNvPr id="4" name="슬라이드 번호 개체 틀 3"/>
-          <p:cNvSpPr>
-            <a:spLocks noGrp="1"/>
-          </p:cNvSpPr>
-          <p:nvPr>
-            <p:ph type="sldNum" sz="quarter" idx="12"/>
-          </p:nvPr>
-        </p:nvSpPr>
-        <p:spPr/>
-        <p:txBody>
-          <a:bodyPr/>
-          <a:lstStyle/>
-          <a:p>
-            <a:fld id="{1BDE3FE7-3AEA-4B05-AC5A-802D1816ACF0}" type="slidenum">
-              <a:rPr lang="ko-KR" altLang="en-US" smtClean="0"/>
-              <a:t>40</a:t>
-            </a:fld>
-            <a:endParaRPr lang="ko-KR" altLang="en-US"/>
-          </a:p>
-        </p:txBody>
-      </p:sp>
-      <p:pic>
-        <p:nvPicPr>
-          <p:cNvPr id="5" name="그림 4"/>
-          <p:cNvPicPr>
-            <a:picLocks noChangeAspect="1"/>
-          </p:cNvPicPr>
-          <p:nvPr/>
-        </p:nvPicPr>
-        <p:blipFill>
-          <a:blip r:embed="rId2">
-            <a:extLst>
-              <a:ext uri="{28A0092B-C50C-407E-A947-70E740481C1C}">
-                <a14:useLocalDpi xmlns:a14="http://schemas.microsoft.com/office/drawing/2010/main" val="0"/>
-              </a:ext>
-            </a:extLst>
-          </a:blip>
-          <a:stretch>
-            <a:fillRect/>
-          </a:stretch>
-        </p:blipFill>
-        <p:spPr>
-          <a:xfrm>
-            <a:off x="1064568" y="1802258"/>
-            <a:ext cx="8208912" cy="4219030"/>
-          </a:xfrm>
-          <a:prstGeom prst="rect">
-            <a:avLst/>
-          </a:prstGeom>
-          <a:ln>
-            <a:solidFill>
-              <a:schemeClr val="bg1">
-                <a:lumMod val="85000"/>
-              </a:schemeClr>
-            </a:solidFill>
-          </a:ln>
-        </p:spPr>
-      </p:pic>
-      <p:sp>
-        <p:nvSpPr>
-          <p:cNvPr id="6" name="TextBox 5"/>
-          <p:cNvSpPr txBox="1"/>
-          <p:nvPr/>
-        </p:nvSpPr>
-        <p:spPr>
-          <a:xfrm>
-            <a:off x="1043018" y="1292185"/>
-            <a:ext cx="1800200" cy="408623"/>
-          </a:xfrm>
-          <a:prstGeom prst="roundRect">
-            <a:avLst/>
-          </a:prstGeom>
-        </p:spPr>
-        <p:style>
-          <a:lnRef idx="2">
-            <a:schemeClr val="dk1"/>
-          </a:lnRef>
-          <a:fillRef idx="1">
-            <a:schemeClr val="lt1"/>
-          </a:fillRef>
-          <a:effectRef idx="0">
-            <a:schemeClr val="dk1"/>
-          </a:effectRef>
-          <a:fontRef idx="minor">
-            <a:schemeClr val="dk1"/>
-          </a:fontRef>
-        </p:style>
-        <p:txBody>
-          <a:bodyPr wrap="square" rtlCol="0">
-            <a:spAutoFit/>
-          </a:bodyPr>
-          <a:lstStyle/>
-          <a:p>
-            <a:pPr algn="ctr"/>
-            <a:r>
-              <a:rPr lang="en-US" altLang="ko-KR" dirty="0" smtClean="0">
-                <a:solidFill>
-                  <a:srgbClr val="C00000"/>
-                </a:solidFill>
-              </a:rPr>
-              <a:t>register.html</a:t>
-            </a:r>
-            <a:endParaRPr lang="ko-KR" altLang="en-US" dirty="0">
-              <a:solidFill>
-                <a:srgbClr val="C00000"/>
-              </a:solidFill>
-            </a:endParaRPr>
-          </a:p>
-        </p:txBody>
-      </p:sp>
-    </p:spTree>
-    <p:extLst>
-      <p:ext uri="{BB962C8B-B14F-4D97-AF65-F5344CB8AC3E}">
-        <p14:creationId xmlns:p14="http://schemas.microsoft.com/office/powerpoint/2010/main" val="2850876510"/>
-      </p:ext>
-    </p:extLst>
-  </p:cSld>
-  <p:clrMapOvr>
-    <a:masterClrMapping/>
-  </p:clrMapOvr>
-  <p:timing>
-    <p:tnLst>
-      <p:par>
-        <p:cTn id="1" dur="indefinite" restart="never" nodeType="tmRoot"/>
-      </p:par>
-    </p:tnLst>
-  </p:timing>
-</p:sld>
-</file>
-
-<file path=ppt/slides/slide41.xml><?xml version="1.0" encoding="utf-8"?>
-<p:sld xmlns:a="http://schemas.openxmlformats.org/drawingml/2006/main" xmlns:r="http://schemas.openxmlformats.org/officeDocument/2006/relationships" xmlns:p="http://schemas.openxmlformats.org/presentationml/2006/main">
-  <p:cSld>
-    <p:spTree>
-      <p:nvGrpSpPr>
-        <p:cNvPr id="1" name=""/>
-        <p:cNvGrpSpPr/>
-        <p:nvPr/>
-      </p:nvGrpSpPr>
-      <p:grpSpPr>
-        <a:xfrm>
-          <a:off x="0" y="0"/>
-          <a:ext cx="0" cy="0"/>
-          <a:chOff x="0" y="0"/>
-          <a:chExt cx="0" cy="0"/>
-        </a:xfrm>
-      </p:grpSpPr>
-      <p:sp>
-        <p:nvSpPr>
-          <p:cNvPr id="2" name="제목 1"/>
-          <p:cNvSpPr>
-            <a:spLocks noGrp="1"/>
-          </p:cNvSpPr>
-          <p:nvPr>
-            <p:ph type="title"/>
-          </p:nvPr>
-        </p:nvSpPr>
-        <p:spPr>
-          <a:xfrm>
-            <a:off x="416497" y="197768"/>
-            <a:ext cx="6412780" cy="854968"/>
-          </a:xfrm>
-        </p:spPr>
-        <p:txBody>
-          <a:bodyPr>
-            <a:noAutofit/>
-          </a:bodyPr>
-          <a:lstStyle/>
-          <a:p>
-            <a:pPr algn="ctr"/>
-            <a:r>
-              <a:rPr lang="ko-KR" altLang="en-US" sz="2800" dirty="0" err="1" smtClean="0"/>
-              <a:t>입력값</a:t>
-            </a:r>
-            <a:r>
-              <a:rPr lang="ko-KR" altLang="en-US" sz="2800" dirty="0" smtClean="0"/>
-              <a:t> 검증 프로그램</a:t>
-            </a:r>
-            <a:endParaRPr lang="ko-KR" altLang="en-US" sz="2800" dirty="0"/>
-          </a:p>
-        </p:txBody>
-      </p:sp>
-      <p:sp>
-        <p:nvSpPr>
-          <p:cNvPr id="4" name="슬라이드 번호 개체 틀 3"/>
-          <p:cNvSpPr>
-            <a:spLocks noGrp="1"/>
-          </p:cNvSpPr>
-          <p:nvPr>
-            <p:ph type="sldNum" sz="quarter" idx="12"/>
-          </p:nvPr>
-        </p:nvSpPr>
-        <p:spPr/>
-        <p:txBody>
-          <a:bodyPr/>
-          <a:lstStyle/>
-          <a:p>
-            <a:fld id="{1BDE3FE7-3AEA-4B05-AC5A-802D1816ACF0}" type="slidenum">
-              <a:rPr lang="ko-KR" altLang="en-US" smtClean="0"/>
-              <a:t>41</a:t>
-            </a:fld>
-            <a:endParaRPr lang="ko-KR" altLang="en-US"/>
-          </a:p>
-        </p:txBody>
-      </p:sp>
-      <p:pic>
-        <p:nvPicPr>
-          <p:cNvPr id="5" name="그림 4"/>
-          <p:cNvPicPr>
-            <a:picLocks noChangeAspect="1"/>
-          </p:cNvPicPr>
-          <p:nvPr/>
-        </p:nvPicPr>
-        <p:blipFill>
-          <a:blip r:embed="rId2">
-            <a:extLst>
-              <a:ext uri="{28A0092B-C50C-407E-A947-70E740481C1C}">
-                <a14:useLocalDpi xmlns:a14="http://schemas.microsoft.com/office/drawing/2010/main" val="0"/>
-              </a:ext>
-            </a:extLst>
-          </a:blip>
-          <a:stretch>
-            <a:fillRect/>
-          </a:stretch>
-        </p:blipFill>
-        <p:spPr>
-          <a:xfrm>
-            <a:off x="988150" y="1863833"/>
-            <a:ext cx="8253064" cy="4157455"/>
-          </a:xfrm>
-          <a:prstGeom prst="rect">
-            <a:avLst/>
-          </a:prstGeom>
-          <a:ln>
-            <a:solidFill>
-              <a:schemeClr val="bg1">
-                <a:lumMod val="85000"/>
-              </a:schemeClr>
-            </a:solidFill>
-          </a:ln>
-        </p:spPr>
-      </p:pic>
-      <p:sp>
-        <p:nvSpPr>
-          <p:cNvPr id="6" name="TextBox 5"/>
-          <p:cNvSpPr txBox="1"/>
-          <p:nvPr/>
-        </p:nvSpPr>
-        <p:spPr>
-          <a:xfrm>
-            <a:off x="971273" y="1364193"/>
-            <a:ext cx="1800200" cy="408623"/>
-          </a:xfrm>
-          <a:prstGeom prst="roundRect">
-            <a:avLst/>
-          </a:prstGeom>
-        </p:spPr>
-        <p:style>
-          <a:lnRef idx="2">
-            <a:schemeClr val="dk1"/>
-          </a:lnRef>
-          <a:fillRef idx="1">
-            <a:schemeClr val="lt1"/>
-          </a:fillRef>
-          <a:effectRef idx="0">
-            <a:schemeClr val="dk1"/>
-          </a:effectRef>
-          <a:fontRef idx="minor">
-            <a:schemeClr val="dk1"/>
-          </a:fontRef>
-        </p:style>
-        <p:txBody>
-          <a:bodyPr wrap="square" rtlCol="0">
-            <a:spAutoFit/>
-          </a:bodyPr>
-          <a:lstStyle/>
-          <a:p>
-            <a:pPr algn="ctr"/>
-            <a:r>
-              <a:rPr lang="en-US" altLang="ko-KR" dirty="0" smtClean="0">
-                <a:solidFill>
-                  <a:srgbClr val="C00000"/>
-                </a:solidFill>
-              </a:rPr>
-              <a:t>register.html</a:t>
-            </a:r>
-            <a:endParaRPr lang="ko-KR" altLang="en-US" dirty="0">
-              <a:solidFill>
-                <a:srgbClr val="C00000"/>
-              </a:solidFill>
-            </a:endParaRPr>
-          </a:p>
-        </p:txBody>
-      </p:sp>
-    </p:spTree>
-    <p:extLst>
-      <p:ext uri="{BB962C8B-B14F-4D97-AF65-F5344CB8AC3E}">
-        <p14:creationId xmlns:p14="http://schemas.microsoft.com/office/powerpoint/2010/main" val="4220076407"/>
-      </p:ext>
-    </p:extLst>
-  </p:cSld>
-  <p:clrMapOvr>
-    <a:masterClrMapping/>
-  </p:clrMapOvr>
-  <p:timing>
-    <p:tnLst>
-      <p:par>
-        <p:cTn id="1" dur="indefinite" restart="never" nodeType="tmRoot"/>
-      </p:par>
-    </p:tnLst>
-  </p:timing>
-</p:sld>
-</file>
-
-<file path=ppt/slides/slide42.xml><?xml version="1.0" encoding="utf-8"?>
-<p:sld xmlns:a="http://schemas.openxmlformats.org/drawingml/2006/main" xmlns:r="http://schemas.openxmlformats.org/officeDocument/2006/relationships" xmlns:p="http://schemas.openxmlformats.org/presentationml/2006/main">
-  <p:cSld>
-    <p:spTree>
-      <p:nvGrpSpPr>
-        <p:cNvPr id="1" name=""/>
-        <p:cNvGrpSpPr/>
-        <p:nvPr/>
-      </p:nvGrpSpPr>
-      <p:grpSpPr>
-        <a:xfrm>
-          <a:off x="0" y="0"/>
-          <a:ext cx="0" cy="0"/>
-          <a:chOff x="0" y="0"/>
-          <a:chExt cx="0" cy="0"/>
-        </a:xfrm>
-      </p:grpSpPr>
-      <p:sp>
-        <p:nvSpPr>
-          <p:cNvPr id="2" name="제목 1"/>
-          <p:cNvSpPr>
-            <a:spLocks noGrp="1"/>
-          </p:cNvSpPr>
-          <p:nvPr>
-            <p:ph type="title"/>
-          </p:nvPr>
-        </p:nvSpPr>
-        <p:spPr>
-          <a:xfrm>
-            <a:off x="416497" y="197768"/>
-            <a:ext cx="6412780" cy="854968"/>
-          </a:xfrm>
-        </p:spPr>
-        <p:txBody>
-          <a:bodyPr>
-            <a:noAutofit/>
-          </a:bodyPr>
-          <a:lstStyle/>
-          <a:p>
-            <a:pPr algn="ctr"/>
-            <a:r>
-              <a:rPr lang="ko-KR" altLang="en-US" sz="2800" dirty="0" smtClean="0"/>
-              <a:t>유효성 검사</a:t>
-            </a:r>
-            <a:r>
-              <a:rPr lang="en-US" altLang="ko-KR" sz="2800" dirty="0" smtClean="0"/>
-              <a:t>(validation)</a:t>
-            </a:r>
-            <a:endParaRPr lang="ko-KR" altLang="en-US" sz="2800" dirty="0"/>
-          </a:p>
-        </p:txBody>
-      </p:sp>
-      <p:sp>
-        <p:nvSpPr>
-          <p:cNvPr id="4" name="슬라이드 번호 개체 틀 3"/>
-          <p:cNvSpPr>
-            <a:spLocks noGrp="1"/>
-          </p:cNvSpPr>
-          <p:nvPr>
-            <p:ph type="sldNum" sz="quarter" idx="12"/>
-          </p:nvPr>
-        </p:nvSpPr>
-        <p:spPr/>
-        <p:txBody>
-          <a:bodyPr/>
-          <a:lstStyle/>
-          <a:p>
-            <a:fld id="{1BDE3FE7-3AEA-4B05-AC5A-802D1816ACF0}" type="slidenum">
-              <a:rPr lang="ko-KR" altLang="en-US" smtClean="0"/>
-              <a:t>42</a:t>
-            </a:fld>
-            <a:endParaRPr lang="ko-KR" altLang="en-US"/>
-          </a:p>
-        </p:txBody>
-      </p:sp>
-      <p:pic>
-        <p:nvPicPr>
-          <p:cNvPr id="3" name="그림 2"/>
-          <p:cNvPicPr>
-            <a:picLocks noChangeAspect="1"/>
-          </p:cNvPicPr>
-          <p:nvPr/>
-        </p:nvPicPr>
-        <p:blipFill>
-          <a:blip r:embed="rId2">
-            <a:extLst>
-              <a:ext uri="{28A0092B-C50C-407E-A947-70E740481C1C}">
-                <a14:useLocalDpi xmlns:a14="http://schemas.microsoft.com/office/drawing/2010/main" val="0"/>
-              </a:ext>
-            </a:extLst>
-          </a:blip>
-          <a:stretch>
-            <a:fillRect/>
-          </a:stretch>
-        </p:blipFill>
-        <p:spPr>
-          <a:xfrm>
-            <a:off x="1712640" y="1201761"/>
-            <a:ext cx="5584586" cy="5179567"/>
-          </a:xfrm>
-          <a:prstGeom prst="rect">
-            <a:avLst/>
-          </a:prstGeom>
-          <a:ln>
-            <a:solidFill>
-              <a:schemeClr val="bg1">
-                <a:lumMod val="85000"/>
-              </a:schemeClr>
-            </a:solidFill>
-          </a:ln>
-        </p:spPr>
-      </p:pic>
-      <p:sp>
-        <p:nvSpPr>
-          <p:cNvPr id="7" name="TextBox 6"/>
-          <p:cNvSpPr txBox="1"/>
-          <p:nvPr/>
-        </p:nvSpPr>
-        <p:spPr>
-          <a:xfrm>
-            <a:off x="6753200" y="1631253"/>
-            <a:ext cx="1800200" cy="408623"/>
-          </a:xfrm>
-          <a:prstGeom prst="roundRect">
-            <a:avLst/>
-          </a:prstGeom>
-        </p:spPr>
-        <p:style>
-          <a:lnRef idx="2">
-            <a:schemeClr val="accent2"/>
-          </a:lnRef>
-          <a:fillRef idx="1">
-            <a:schemeClr val="lt1"/>
-          </a:fillRef>
-          <a:effectRef idx="0">
-            <a:schemeClr val="accent2"/>
-          </a:effectRef>
-          <a:fontRef idx="minor">
-            <a:schemeClr val="dk1"/>
-          </a:fontRef>
-        </p:style>
-        <p:txBody>
-          <a:bodyPr wrap="square" rtlCol="0">
-            <a:spAutoFit/>
-          </a:bodyPr>
-          <a:lstStyle/>
-          <a:p>
-            <a:pPr algn="ctr"/>
-            <a:r>
-              <a:rPr lang="en-US" altLang="ko-KR" dirty="0" smtClean="0">
-                <a:solidFill>
-                  <a:srgbClr val="C00000"/>
-                </a:solidFill>
-              </a:rPr>
-              <a:t>validatation.js</a:t>
-            </a:r>
-            <a:endParaRPr lang="ko-KR" altLang="en-US" dirty="0">
-              <a:solidFill>
-                <a:srgbClr val="C00000"/>
-              </a:solidFill>
-            </a:endParaRPr>
-          </a:p>
-        </p:txBody>
-      </p:sp>
-    </p:spTree>
-    <p:extLst>
-      <p:ext uri="{BB962C8B-B14F-4D97-AF65-F5344CB8AC3E}">
-        <p14:creationId xmlns:p14="http://schemas.microsoft.com/office/powerpoint/2010/main" val="3530632429"/>
-      </p:ext>
-    </p:extLst>
-  </p:cSld>
-  <p:clrMapOvr>
-    <a:masterClrMapping/>
-  </p:clrMapOvr>
-  <p:timing>
-    <p:tnLst>
-      <p:par>
-        <p:cTn id="1" dur="indefinite" restart="never" nodeType="tmRoot"/>
-      </p:par>
-    </p:tnLst>
-  </p:timing>
-</p:sld>
-</file>
-
-<file path=ppt/slides/slide43.xml><?xml version="1.0" encoding="utf-8"?>
-<p:sld xmlns:a="http://schemas.openxmlformats.org/drawingml/2006/main" xmlns:r="http://schemas.openxmlformats.org/officeDocument/2006/relationships" xmlns:p="http://schemas.openxmlformats.org/presentationml/2006/main">
-  <p:cSld>
-    <p:spTree>
-      <p:nvGrpSpPr>
-        <p:cNvPr id="1" name=""/>
-        <p:cNvGrpSpPr/>
-        <p:nvPr/>
-      </p:nvGrpSpPr>
-      <p:grpSpPr>
-        <a:xfrm>
-          <a:off x="0" y="0"/>
-          <a:ext cx="0" cy="0"/>
-          <a:chOff x="0" y="0"/>
-          <a:chExt cx="0" cy="0"/>
-        </a:xfrm>
-      </p:grpSpPr>
-      <p:sp>
-        <p:nvSpPr>
-          <p:cNvPr id="2" name="제목 1"/>
-          <p:cNvSpPr>
-            <a:spLocks noGrp="1"/>
-          </p:cNvSpPr>
-          <p:nvPr>
-            <p:ph type="title"/>
-          </p:nvPr>
-        </p:nvSpPr>
-        <p:spPr>
-          <a:xfrm>
-            <a:off x="416497" y="197768"/>
-            <a:ext cx="6412780" cy="854968"/>
-          </a:xfrm>
-        </p:spPr>
-        <p:txBody>
-          <a:bodyPr>
-            <a:noAutofit/>
-          </a:bodyPr>
-          <a:lstStyle/>
-          <a:p>
-            <a:pPr algn="ctr"/>
-            <a:r>
-              <a:rPr lang="ko-KR" altLang="en-US" sz="2800" dirty="0" smtClean="0"/>
-              <a:t>유효성 검사</a:t>
-            </a:r>
-            <a:r>
-              <a:rPr lang="en-US" altLang="ko-KR" sz="2800" dirty="0" smtClean="0"/>
-              <a:t>(validation)</a:t>
-            </a:r>
-            <a:endParaRPr lang="ko-KR" altLang="en-US" sz="2800" dirty="0"/>
-          </a:p>
-        </p:txBody>
-      </p:sp>
-      <p:sp>
-        <p:nvSpPr>
-          <p:cNvPr id="4" name="슬라이드 번호 개체 틀 3"/>
-          <p:cNvSpPr>
-            <a:spLocks noGrp="1"/>
-          </p:cNvSpPr>
-          <p:nvPr>
-            <p:ph type="sldNum" sz="quarter" idx="12"/>
-          </p:nvPr>
-        </p:nvSpPr>
-        <p:spPr/>
-        <p:txBody>
-          <a:bodyPr/>
-          <a:lstStyle/>
-          <a:p>
-            <a:fld id="{1BDE3FE7-3AEA-4B05-AC5A-802D1816ACF0}" type="slidenum">
-              <a:rPr lang="ko-KR" altLang="en-US" smtClean="0"/>
-              <a:t>43</a:t>
-            </a:fld>
-            <a:endParaRPr lang="ko-KR" altLang="en-US"/>
-          </a:p>
-        </p:txBody>
-      </p:sp>
-      <p:pic>
-        <p:nvPicPr>
-          <p:cNvPr id="5" name="그림 4"/>
-          <p:cNvPicPr>
-            <a:picLocks noChangeAspect="1"/>
-          </p:cNvPicPr>
-          <p:nvPr/>
-        </p:nvPicPr>
-        <p:blipFill>
-          <a:blip r:embed="rId2">
-            <a:extLst>
-              <a:ext uri="{28A0092B-C50C-407E-A947-70E740481C1C}">
-                <a14:useLocalDpi xmlns:a14="http://schemas.microsoft.com/office/drawing/2010/main" val="0"/>
-              </a:ext>
-            </a:extLst>
-          </a:blip>
-          <a:stretch>
-            <a:fillRect/>
-          </a:stretch>
-        </p:blipFill>
-        <p:spPr>
-          <a:xfrm>
-            <a:off x="1007405" y="1628800"/>
-            <a:ext cx="8064896" cy="3853560"/>
-          </a:xfrm>
-          <a:prstGeom prst="rect">
-            <a:avLst/>
-          </a:prstGeom>
-          <a:ln>
-            <a:solidFill>
-              <a:schemeClr val="bg1">
-                <a:lumMod val="85000"/>
-              </a:schemeClr>
-            </a:solidFill>
-          </a:ln>
-        </p:spPr>
-      </p:pic>
-    </p:spTree>
-    <p:extLst>
-      <p:ext uri="{BB962C8B-B14F-4D97-AF65-F5344CB8AC3E}">
-        <p14:creationId xmlns:p14="http://schemas.microsoft.com/office/powerpoint/2010/main" val="160539774"/>
       </p:ext>
     </p:extLst>
   </p:cSld>
